--- a/Documentation/Group 3 -FCEPH Final.pptx
+++ b/Documentation/Group 3 -FCEPH Final.pptx
@@ -4,12 +4,23 @@
   <p:sldMasterIdLst>
     <p:sldMasterId id="2147483660" r:id="rId1"/>
   </p:sldMasterIdLst>
+  <p:notesMasterIdLst>
+    <p:notesMasterId r:id="rId15"/>
+  </p:notesMasterIdLst>
   <p:sldIdLst>
     <p:sldId id="256" r:id="rId2"/>
     <p:sldId id="257" r:id="rId3"/>
     <p:sldId id="258" r:id="rId4"/>
     <p:sldId id="259" r:id="rId5"/>
     <p:sldId id="260" r:id="rId6"/>
+    <p:sldId id="264" r:id="rId7"/>
+    <p:sldId id="261" r:id="rId8"/>
+    <p:sldId id="265" r:id="rId9"/>
+    <p:sldId id="262" r:id="rId10"/>
+    <p:sldId id="266" r:id="rId11"/>
+    <p:sldId id="263" r:id="rId12"/>
+    <p:sldId id="267" r:id="rId13"/>
+    <p:sldId id="268" r:id="rId14"/>
   </p:sldIdLst>
   <p:sldSz cx="12192000" cy="6858000"/>
   <p:notesSz cx="6858000" cy="9144000"/>
@@ -108,7 +119,797 @@
       </a:defRPr>
     </a:lvl9pPr>
   </p:defaultTextStyle>
+  <p:extLst>
+    <p:ext uri="{EFAFB233-063F-42B5-8137-9DF3F51BA10A}">
+      <p15:sldGuideLst xmlns:p15="http://schemas.microsoft.com/office/powerpoint/2012/main"/>
+    </p:ext>
+  </p:extLst>
 </p:presentation>
+</file>
+
+<file path=ppt/notesMasters/notesMaster1.xml><?xml version="1.0" encoding="utf-8"?>
+<p:notesMaster xmlns:a="http://schemas.openxmlformats.org/drawingml/2006/main" xmlns:r="http://schemas.openxmlformats.org/officeDocument/2006/relationships" xmlns:p="http://schemas.openxmlformats.org/presentationml/2006/main">
+  <p:cSld>
+    <p:bg>
+      <p:bgRef idx="1001">
+        <a:schemeClr val="bg1"/>
+      </p:bgRef>
+    </p:bg>
+    <p:spTree>
+      <p:nvGrpSpPr>
+        <p:cNvPr id="1" name=""/>
+        <p:cNvGrpSpPr/>
+        <p:nvPr/>
+      </p:nvGrpSpPr>
+      <p:grpSpPr>
+        <a:xfrm>
+          <a:off x="0" y="0"/>
+          <a:ext cx="0" cy="0"/>
+          <a:chOff x="0" y="0"/>
+          <a:chExt cx="0" cy="0"/>
+        </a:xfrm>
+      </p:grpSpPr>
+      <p:sp>
+        <p:nvSpPr>
+          <p:cNvPr id="2" name="Header Placeholder 1"/>
+          <p:cNvSpPr>
+            <a:spLocks noGrp="1"/>
+          </p:cNvSpPr>
+          <p:nvPr>
+            <p:ph type="hdr" sz="quarter"/>
+          </p:nvPr>
+        </p:nvSpPr>
+        <p:spPr>
+          <a:xfrm>
+            <a:off x="0" y="0"/>
+            <a:ext cx="2971800" cy="458788"/>
+          </a:xfrm>
+          <a:prstGeom prst="rect">
+            <a:avLst/>
+          </a:prstGeom>
+        </p:spPr>
+        <p:txBody>
+          <a:bodyPr vert="horz" lIns="91440" tIns="45720" rIns="91440" bIns="45720" rtlCol="0"/>
+          <a:lstStyle>
+            <a:lvl1pPr algn="l">
+              <a:defRPr sz="1200"/>
+            </a:lvl1pPr>
+          </a:lstStyle>
+          <a:p>
+            <a:endParaRPr lang="en-GB"/>
+          </a:p>
+        </p:txBody>
+      </p:sp>
+      <p:sp>
+        <p:nvSpPr>
+          <p:cNvPr id="3" name="Date Placeholder 2"/>
+          <p:cNvSpPr>
+            <a:spLocks noGrp="1"/>
+          </p:cNvSpPr>
+          <p:nvPr>
+            <p:ph type="dt" idx="1"/>
+          </p:nvPr>
+        </p:nvSpPr>
+        <p:spPr>
+          <a:xfrm>
+            <a:off x="3884613" y="0"/>
+            <a:ext cx="2971800" cy="458788"/>
+          </a:xfrm>
+          <a:prstGeom prst="rect">
+            <a:avLst/>
+          </a:prstGeom>
+        </p:spPr>
+        <p:txBody>
+          <a:bodyPr vert="horz" lIns="91440" tIns="45720" rIns="91440" bIns="45720" rtlCol="0"/>
+          <a:lstStyle>
+            <a:lvl1pPr algn="r">
+              <a:defRPr sz="1200"/>
+            </a:lvl1pPr>
+          </a:lstStyle>
+          <a:p>
+            <a:fld id="{1C6426D4-858D-42B4-8A03-639BFCE1679A}" type="datetimeFigureOut">
+              <a:rPr lang="en-GB" smtClean="0"/>
+              <a:t>08/04/2017</a:t>
+            </a:fld>
+            <a:endParaRPr lang="en-GB"/>
+          </a:p>
+        </p:txBody>
+      </p:sp>
+      <p:sp>
+        <p:nvSpPr>
+          <p:cNvPr id="4" name="Slide Image Placeholder 3"/>
+          <p:cNvSpPr>
+            <a:spLocks noGrp="1" noRot="1" noChangeAspect="1"/>
+          </p:cNvSpPr>
+          <p:nvPr>
+            <p:ph type="sldImg" idx="2"/>
+          </p:nvPr>
+        </p:nvSpPr>
+        <p:spPr>
+          <a:xfrm>
+            <a:off x="685800" y="1143000"/>
+            <a:ext cx="5486400" cy="3086100"/>
+          </a:xfrm>
+          <a:prstGeom prst="rect">
+            <a:avLst/>
+          </a:prstGeom>
+          <a:noFill/>
+          <a:ln w="12700">
+            <a:solidFill>
+              <a:prstClr val="black"/>
+            </a:solidFill>
+          </a:ln>
+        </p:spPr>
+        <p:txBody>
+          <a:bodyPr vert="horz" lIns="91440" tIns="45720" rIns="91440" bIns="45720" rtlCol="0" anchor="ctr"/>
+          <a:lstStyle/>
+          <a:p>
+            <a:endParaRPr lang="en-GB"/>
+          </a:p>
+        </p:txBody>
+      </p:sp>
+      <p:sp>
+        <p:nvSpPr>
+          <p:cNvPr id="5" name="Notes Placeholder 4"/>
+          <p:cNvSpPr>
+            <a:spLocks noGrp="1"/>
+          </p:cNvSpPr>
+          <p:nvPr>
+            <p:ph type="body" sz="quarter" idx="3"/>
+          </p:nvPr>
+        </p:nvSpPr>
+        <p:spPr>
+          <a:xfrm>
+            <a:off x="685800" y="4400550"/>
+            <a:ext cx="5486400" cy="3600450"/>
+          </a:xfrm>
+          <a:prstGeom prst="rect">
+            <a:avLst/>
+          </a:prstGeom>
+        </p:spPr>
+        <p:txBody>
+          <a:bodyPr vert="horz" lIns="91440" tIns="45720" rIns="91440" bIns="45720" rtlCol="0"/>
+          <a:lstStyle/>
+          <a:p>
+            <a:pPr lvl="0"/>
+            <a:r>
+              <a:rPr lang="en-US" smtClean="0"/>
+              <a:t>Edit Master text styles</a:t>
+            </a:r>
+          </a:p>
+          <a:p>
+            <a:pPr lvl="1"/>
+            <a:r>
+              <a:rPr lang="en-US" smtClean="0"/>
+              <a:t>Second level</a:t>
+            </a:r>
+          </a:p>
+          <a:p>
+            <a:pPr lvl="2"/>
+            <a:r>
+              <a:rPr lang="en-US" smtClean="0"/>
+              <a:t>Third level</a:t>
+            </a:r>
+          </a:p>
+          <a:p>
+            <a:pPr lvl="3"/>
+            <a:r>
+              <a:rPr lang="en-US" smtClean="0"/>
+              <a:t>Fourth level</a:t>
+            </a:r>
+          </a:p>
+          <a:p>
+            <a:pPr lvl="4"/>
+            <a:r>
+              <a:rPr lang="en-US" smtClean="0"/>
+              <a:t>Fifth level</a:t>
+            </a:r>
+            <a:endParaRPr lang="en-GB"/>
+          </a:p>
+        </p:txBody>
+      </p:sp>
+      <p:sp>
+        <p:nvSpPr>
+          <p:cNvPr id="6" name="Footer Placeholder 5"/>
+          <p:cNvSpPr>
+            <a:spLocks noGrp="1"/>
+          </p:cNvSpPr>
+          <p:nvPr>
+            <p:ph type="ftr" sz="quarter" idx="4"/>
+          </p:nvPr>
+        </p:nvSpPr>
+        <p:spPr>
+          <a:xfrm>
+            <a:off x="0" y="8685213"/>
+            <a:ext cx="2971800" cy="458787"/>
+          </a:xfrm>
+          <a:prstGeom prst="rect">
+            <a:avLst/>
+          </a:prstGeom>
+        </p:spPr>
+        <p:txBody>
+          <a:bodyPr vert="horz" lIns="91440" tIns="45720" rIns="91440" bIns="45720" rtlCol="0" anchor="b"/>
+          <a:lstStyle>
+            <a:lvl1pPr algn="l">
+              <a:defRPr sz="1200"/>
+            </a:lvl1pPr>
+          </a:lstStyle>
+          <a:p>
+            <a:endParaRPr lang="en-GB"/>
+          </a:p>
+        </p:txBody>
+      </p:sp>
+      <p:sp>
+        <p:nvSpPr>
+          <p:cNvPr id="7" name="Slide Number Placeholder 6"/>
+          <p:cNvSpPr>
+            <a:spLocks noGrp="1"/>
+          </p:cNvSpPr>
+          <p:nvPr>
+            <p:ph type="sldNum" sz="quarter" idx="5"/>
+          </p:nvPr>
+        </p:nvSpPr>
+        <p:spPr>
+          <a:xfrm>
+            <a:off x="3884613" y="8685213"/>
+            <a:ext cx="2971800" cy="458787"/>
+          </a:xfrm>
+          <a:prstGeom prst="rect">
+            <a:avLst/>
+          </a:prstGeom>
+        </p:spPr>
+        <p:txBody>
+          <a:bodyPr vert="horz" lIns="91440" tIns="45720" rIns="91440" bIns="45720" rtlCol="0" anchor="b"/>
+          <a:lstStyle>
+            <a:lvl1pPr algn="r">
+              <a:defRPr sz="1200"/>
+            </a:lvl1pPr>
+          </a:lstStyle>
+          <a:p>
+            <a:fld id="{1AE14B10-BA1F-4021-A7E8-52DEB9DD99BC}" type="slidenum">
+              <a:rPr lang="en-GB" smtClean="0"/>
+              <a:t>‹#›</a:t>
+            </a:fld>
+            <a:endParaRPr lang="en-GB"/>
+          </a:p>
+        </p:txBody>
+      </p:sp>
+    </p:spTree>
+    <p:extLst>
+      <p:ext uri="{BB962C8B-B14F-4D97-AF65-F5344CB8AC3E}">
+        <p14:creationId xmlns:p14="http://schemas.microsoft.com/office/powerpoint/2010/main" val="2151277826"/>
+      </p:ext>
+    </p:extLst>
+  </p:cSld>
+  <p:clrMap bg1="lt1" tx1="dk1" bg2="lt2" tx2="dk2" accent1="accent1" accent2="accent2" accent3="accent3" accent4="accent4" accent5="accent5" accent6="accent6" hlink="hlink" folHlink="folHlink"/>
+  <p:notesStyle>
+    <a:lvl1pPr marL="0" algn="l" defTabSz="914400" rtl="0" eaLnBrk="1" latinLnBrk="0" hangingPunct="1">
+      <a:defRPr sz="1200" kern="1200">
+        <a:solidFill>
+          <a:schemeClr val="tx1"/>
+        </a:solidFill>
+        <a:latin typeface="+mn-lt"/>
+        <a:ea typeface="+mn-ea"/>
+        <a:cs typeface="+mn-cs"/>
+      </a:defRPr>
+    </a:lvl1pPr>
+    <a:lvl2pPr marL="457200" algn="l" defTabSz="914400" rtl="0" eaLnBrk="1" latinLnBrk="0" hangingPunct="1">
+      <a:defRPr sz="1200" kern="1200">
+        <a:solidFill>
+          <a:schemeClr val="tx1"/>
+        </a:solidFill>
+        <a:latin typeface="+mn-lt"/>
+        <a:ea typeface="+mn-ea"/>
+        <a:cs typeface="+mn-cs"/>
+      </a:defRPr>
+    </a:lvl2pPr>
+    <a:lvl3pPr marL="914400" algn="l" defTabSz="914400" rtl="0" eaLnBrk="1" latinLnBrk="0" hangingPunct="1">
+      <a:defRPr sz="1200" kern="1200">
+        <a:solidFill>
+          <a:schemeClr val="tx1"/>
+        </a:solidFill>
+        <a:latin typeface="+mn-lt"/>
+        <a:ea typeface="+mn-ea"/>
+        <a:cs typeface="+mn-cs"/>
+      </a:defRPr>
+    </a:lvl3pPr>
+    <a:lvl4pPr marL="1371600" algn="l" defTabSz="914400" rtl="0" eaLnBrk="1" latinLnBrk="0" hangingPunct="1">
+      <a:defRPr sz="1200" kern="1200">
+        <a:solidFill>
+          <a:schemeClr val="tx1"/>
+        </a:solidFill>
+        <a:latin typeface="+mn-lt"/>
+        <a:ea typeface="+mn-ea"/>
+        <a:cs typeface="+mn-cs"/>
+      </a:defRPr>
+    </a:lvl4pPr>
+    <a:lvl5pPr marL="1828800" algn="l" defTabSz="914400" rtl="0" eaLnBrk="1" latinLnBrk="0" hangingPunct="1">
+      <a:defRPr sz="1200" kern="1200">
+        <a:solidFill>
+          <a:schemeClr val="tx1"/>
+        </a:solidFill>
+        <a:latin typeface="+mn-lt"/>
+        <a:ea typeface="+mn-ea"/>
+        <a:cs typeface="+mn-cs"/>
+      </a:defRPr>
+    </a:lvl5pPr>
+    <a:lvl6pPr marL="2286000" algn="l" defTabSz="914400" rtl="0" eaLnBrk="1" latinLnBrk="0" hangingPunct="1">
+      <a:defRPr sz="1200" kern="1200">
+        <a:solidFill>
+          <a:schemeClr val="tx1"/>
+        </a:solidFill>
+        <a:latin typeface="+mn-lt"/>
+        <a:ea typeface="+mn-ea"/>
+        <a:cs typeface="+mn-cs"/>
+      </a:defRPr>
+    </a:lvl6pPr>
+    <a:lvl7pPr marL="2743200" algn="l" defTabSz="914400" rtl="0" eaLnBrk="1" latinLnBrk="0" hangingPunct="1">
+      <a:defRPr sz="1200" kern="1200">
+        <a:solidFill>
+          <a:schemeClr val="tx1"/>
+        </a:solidFill>
+        <a:latin typeface="+mn-lt"/>
+        <a:ea typeface="+mn-ea"/>
+        <a:cs typeface="+mn-cs"/>
+      </a:defRPr>
+    </a:lvl7pPr>
+    <a:lvl8pPr marL="3200400" algn="l" defTabSz="914400" rtl="0" eaLnBrk="1" latinLnBrk="0" hangingPunct="1">
+      <a:defRPr sz="1200" kern="1200">
+        <a:solidFill>
+          <a:schemeClr val="tx1"/>
+        </a:solidFill>
+        <a:latin typeface="+mn-lt"/>
+        <a:ea typeface="+mn-ea"/>
+        <a:cs typeface="+mn-cs"/>
+      </a:defRPr>
+    </a:lvl8pPr>
+    <a:lvl9pPr marL="3657600" algn="l" defTabSz="914400" rtl="0" eaLnBrk="1" latinLnBrk="0" hangingPunct="1">
+      <a:defRPr sz="1200" kern="1200">
+        <a:solidFill>
+          <a:schemeClr val="tx1"/>
+        </a:solidFill>
+        <a:latin typeface="+mn-lt"/>
+        <a:ea typeface="+mn-ea"/>
+        <a:cs typeface="+mn-cs"/>
+      </a:defRPr>
+    </a:lvl9pPr>
+  </p:notesStyle>
+</p:notesMaster>
+</file>
+
+<file path=ppt/notesSlides/notesSlide1.xml><?xml version="1.0" encoding="utf-8"?>
+<p:notes xmlns:a="http://schemas.openxmlformats.org/drawingml/2006/main" xmlns:r="http://schemas.openxmlformats.org/officeDocument/2006/relationships" xmlns:p="http://schemas.openxmlformats.org/presentationml/2006/main">
+  <p:cSld>
+    <p:spTree>
+      <p:nvGrpSpPr>
+        <p:cNvPr id="1" name=""/>
+        <p:cNvGrpSpPr/>
+        <p:nvPr/>
+      </p:nvGrpSpPr>
+      <p:grpSpPr>
+        <a:xfrm>
+          <a:off x="0" y="0"/>
+          <a:ext cx="0" cy="0"/>
+          <a:chOff x="0" y="0"/>
+          <a:chExt cx="0" cy="0"/>
+        </a:xfrm>
+      </p:grpSpPr>
+      <p:sp>
+        <p:nvSpPr>
+          <p:cNvPr id="2" name="Slide Image Placeholder 1"/>
+          <p:cNvSpPr>
+            <a:spLocks noGrp="1" noRot="1" noChangeAspect="1"/>
+          </p:cNvSpPr>
+          <p:nvPr>
+            <p:ph type="sldImg"/>
+          </p:nvPr>
+        </p:nvSpPr>
+        <p:spPr/>
+      </p:sp>
+      <p:sp>
+        <p:nvSpPr>
+          <p:cNvPr id="3" name="Notes Placeholder 2"/>
+          <p:cNvSpPr>
+            <a:spLocks noGrp="1"/>
+          </p:cNvSpPr>
+          <p:nvPr>
+            <p:ph type="body" idx="1"/>
+            <p:custDataLst>
+              <p:tags r:id="rId1"/>
+            </p:custDataLst>
+          </p:nvPr>
+        </p:nvSpPr>
+        <p:spPr/>
+        <p:txBody>
+          <a:bodyPr/>
+          <a:lstStyle/>
+          <a:p>
+            <a:endParaRPr lang="en-GB"/>
+          </a:p>
+        </p:txBody>
+      </p:sp>
+      <p:sp>
+        <p:nvSpPr>
+          <p:cNvPr id="4" name="Slide Number Placeholder 3"/>
+          <p:cNvSpPr>
+            <a:spLocks noGrp="1"/>
+          </p:cNvSpPr>
+          <p:nvPr>
+            <p:ph type="sldNum" sz="quarter" idx="10"/>
+          </p:nvPr>
+        </p:nvSpPr>
+        <p:spPr/>
+        <p:txBody>
+          <a:bodyPr/>
+          <a:lstStyle/>
+          <a:p>
+            <a:fld id="{1AE14B10-BA1F-4021-A7E8-52DEB9DD99BC}" type="slidenum">
+              <a:rPr lang="en-GB" smtClean="0"/>
+              <a:t>1</a:t>
+            </a:fld>
+            <a:endParaRPr lang="en-GB"/>
+          </a:p>
+        </p:txBody>
+      </p:sp>
+    </p:spTree>
+    <p:extLst>
+      <p:ext uri="{BB962C8B-B14F-4D97-AF65-F5344CB8AC3E}">
+        <p14:creationId xmlns:p14="http://schemas.microsoft.com/office/powerpoint/2010/main" val="4241186812"/>
+      </p:ext>
+    </p:extLst>
+  </p:cSld>
+  <p:clrMapOvr>
+    <a:masterClrMapping/>
+  </p:clrMapOvr>
+</p:notes>
+</file>
+
+<file path=ppt/notesSlides/notesSlide2.xml><?xml version="1.0" encoding="utf-8"?>
+<p:notes xmlns:a="http://schemas.openxmlformats.org/drawingml/2006/main" xmlns:r="http://schemas.openxmlformats.org/officeDocument/2006/relationships" xmlns:p="http://schemas.openxmlformats.org/presentationml/2006/main">
+  <p:cSld>
+    <p:spTree>
+      <p:nvGrpSpPr>
+        <p:cNvPr id="1" name=""/>
+        <p:cNvGrpSpPr/>
+        <p:nvPr/>
+      </p:nvGrpSpPr>
+      <p:grpSpPr>
+        <a:xfrm>
+          <a:off x="0" y="0"/>
+          <a:ext cx="0" cy="0"/>
+          <a:chOff x="0" y="0"/>
+          <a:chExt cx="0" cy="0"/>
+        </a:xfrm>
+      </p:grpSpPr>
+      <p:sp>
+        <p:nvSpPr>
+          <p:cNvPr id="2" name="Slide Image Placeholder 1"/>
+          <p:cNvSpPr>
+            <a:spLocks noGrp="1" noRot="1" noChangeAspect="1"/>
+          </p:cNvSpPr>
+          <p:nvPr>
+            <p:ph type="sldImg"/>
+          </p:nvPr>
+        </p:nvSpPr>
+        <p:spPr/>
+      </p:sp>
+      <p:sp>
+        <p:nvSpPr>
+          <p:cNvPr id="3" name="Notes Placeholder 2"/>
+          <p:cNvSpPr>
+            <a:spLocks noGrp="1"/>
+          </p:cNvSpPr>
+          <p:nvPr>
+            <p:ph type="body" idx="1"/>
+            <p:custDataLst>
+              <p:tags r:id="rId1"/>
+            </p:custDataLst>
+          </p:nvPr>
+        </p:nvSpPr>
+        <p:spPr/>
+        <p:txBody>
+          <a:bodyPr/>
+          <a:lstStyle/>
+          <a:p>
+            <a:endParaRPr lang="en-GB"/>
+          </a:p>
+        </p:txBody>
+      </p:sp>
+      <p:sp>
+        <p:nvSpPr>
+          <p:cNvPr id="4" name="Slide Number Placeholder 3"/>
+          <p:cNvSpPr>
+            <a:spLocks noGrp="1"/>
+          </p:cNvSpPr>
+          <p:nvPr>
+            <p:ph type="sldNum" sz="quarter" idx="10"/>
+          </p:nvPr>
+        </p:nvSpPr>
+        <p:spPr/>
+        <p:txBody>
+          <a:bodyPr/>
+          <a:lstStyle/>
+          <a:p>
+            <a:fld id="{1AE14B10-BA1F-4021-A7E8-52DEB9DD99BC}" type="slidenum">
+              <a:rPr lang="en-GB" smtClean="0"/>
+              <a:t>2</a:t>
+            </a:fld>
+            <a:endParaRPr lang="en-GB"/>
+          </a:p>
+        </p:txBody>
+      </p:sp>
+    </p:spTree>
+    <p:extLst>
+      <p:ext uri="{BB962C8B-B14F-4D97-AF65-F5344CB8AC3E}">
+        <p14:creationId xmlns:p14="http://schemas.microsoft.com/office/powerpoint/2010/main" val="3673109087"/>
+      </p:ext>
+    </p:extLst>
+  </p:cSld>
+  <p:clrMapOvr>
+    <a:masterClrMapping/>
+  </p:clrMapOvr>
+</p:notes>
+</file>
+
+<file path=ppt/notesSlides/notesSlide3.xml><?xml version="1.0" encoding="utf-8"?>
+<p:notes xmlns:a="http://schemas.openxmlformats.org/drawingml/2006/main" xmlns:r="http://schemas.openxmlformats.org/officeDocument/2006/relationships" xmlns:p="http://schemas.openxmlformats.org/presentationml/2006/main">
+  <p:cSld>
+    <p:spTree>
+      <p:nvGrpSpPr>
+        <p:cNvPr id="1" name=""/>
+        <p:cNvGrpSpPr/>
+        <p:nvPr/>
+      </p:nvGrpSpPr>
+      <p:grpSpPr>
+        <a:xfrm>
+          <a:off x="0" y="0"/>
+          <a:ext cx="0" cy="0"/>
+          <a:chOff x="0" y="0"/>
+          <a:chExt cx="0" cy="0"/>
+        </a:xfrm>
+      </p:grpSpPr>
+      <p:sp>
+        <p:nvSpPr>
+          <p:cNvPr id="2" name="Slide Image Placeholder 1"/>
+          <p:cNvSpPr>
+            <a:spLocks noGrp="1" noRot="1" noChangeAspect="1"/>
+          </p:cNvSpPr>
+          <p:nvPr>
+            <p:ph type="sldImg"/>
+          </p:nvPr>
+        </p:nvSpPr>
+        <p:spPr/>
+      </p:sp>
+      <p:sp>
+        <p:nvSpPr>
+          <p:cNvPr id="3" name="Notes Placeholder 2"/>
+          <p:cNvSpPr>
+            <a:spLocks noGrp="1"/>
+          </p:cNvSpPr>
+          <p:nvPr>
+            <p:ph type="body" idx="1"/>
+            <p:custDataLst>
+              <p:tags r:id="rId1"/>
+            </p:custDataLst>
+          </p:nvPr>
+        </p:nvSpPr>
+        <p:spPr/>
+        <p:txBody>
+          <a:bodyPr/>
+          <a:lstStyle/>
+          <a:p>
+            <a:endParaRPr lang="en-GB"/>
+          </a:p>
+        </p:txBody>
+      </p:sp>
+      <p:sp>
+        <p:nvSpPr>
+          <p:cNvPr id="4" name="Slide Number Placeholder 3"/>
+          <p:cNvSpPr>
+            <a:spLocks noGrp="1"/>
+          </p:cNvSpPr>
+          <p:nvPr>
+            <p:ph type="sldNum" sz="quarter" idx="10"/>
+          </p:nvPr>
+        </p:nvSpPr>
+        <p:spPr/>
+        <p:txBody>
+          <a:bodyPr/>
+          <a:lstStyle/>
+          <a:p>
+            <a:fld id="{1AE14B10-BA1F-4021-A7E8-52DEB9DD99BC}" type="slidenum">
+              <a:rPr lang="en-GB" smtClean="0"/>
+              <a:t>3</a:t>
+            </a:fld>
+            <a:endParaRPr lang="en-GB"/>
+          </a:p>
+        </p:txBody>
+      </p:sp>
+    </p:spTree>
+    <p:extLst>
+      <p:ext uri="{BB962C8B-B14F-4D97-AF65-F5344CB8AC3E}">
+        <p14:creationId xmlns:p14="http://schemas.microsoft.com/office/powerpoint/2010/main" val="1698051891"/>
+      </p:ext>
+    </p:extLst>
+  </p:cSld>
+  <p:clrMapOvr>
+    <a:masterClrMapping/>
+  </p:clrMapOvr>
+</p:notes>
+</file>
+
+<file path=ppt/notesSlides/notesSlide4.xml><?xml version="1.0" encoding="utf-8"?>
+<p:notes xmlns:a="http://schemas.openxmlformats.org/drawingml/2006/main" xmlns:r="http://schemas.openxmlformats.org/officeDocument/2006/relationships" xmlns:p="http://schemas.openxmlformats.org/presentationml/2006/main">
+  <p:cSld>
+    <p:spTree>
+      <p:nvGrpSpPr>
+        <p:cNvPr id="1" name=""/>
+        <p:cNvGrpSpPr/>
+        <p:nvPr/>
+      </p:nvGrpSpPr>
+      <p:grpSpPr>
+        <a:xfrm>
+          <a:off x="0" y="0"/>
+          <a:ext cx="0" cy="0"/>
+          <a:chOff x="0" y="0"/>
+          <a:chExt cx="0" cy="0"/>
+        </a:xfrm>
+      </p:grpSpPr>
+      <p:sp>
+        <p:nvSpPr>
+          <p:cNvPr id="2" name="Slide Image Placeholder 1"/>
+          <p:cNvSpPr>
+            <a:spLocks noGrp="1" noRot="1" noChangeAspect="1"/>
+          </p:cNvSpPr>
+          <p:nvPr>
+            <p:ph type="sldImg"/>
+          </p:nvPr>
+        </p:nvSpPr>
+        <p:spPr/>
+      </p:sp>
+      <p:sp>
+        <p:nvSpPr>
+          <p:cNvPr id="3" name="Notes Placeholder 2"/>
+          <p:cNvSpPr>
+            <a:spLocks noGrp="1"/>
+          </p:cNvSpPr>
+          <p:nvPr>
+            <p:ph type="body" idx="1"/>
+            <p:custDataLst>
+              <p:tags r:id="rId1"/>
+            </p:custDataLst>
+          </p:nvPr>
+        </p:nvSpPr>
+        <p:spPr/>
+        <p:txBody>
+          <a:bodyPr/>
+          <a:lstStyle/>
+          <a:p>
+            <a:endParaRPr lang="en-GB"/>
+          </a:p>
+        </p:txBody>
+      </p:sp>
+      <p:sp>
+        <p:nvSpPr>
+          <p:cNvPr id="4" name="Slide Number Placeholder 3"/>
+          <p:cNvSpPr>
+            <a:spLocks noGrp="1"/>
+          </p:cNvSpPr>
+          <p:nvPr>
+            <p:ph type="sldNum" sz="quarter" idx="10"/>
+          </p:nvPr>
+        </p:nvSpPr>
+        <p:spPr/>
+        <p:txBody>
+          <a:bodyPr/>
+          <a:lstStyle/>
+          <a:p>
+            <a:fld id="{1AE14B10-BA1F-4021-A7E8-52DEB9DD99BC}" type="slidenum">
+              <a:rPr lang="en-GB" smtClean="0"/>
+              <a:t>4</a:t>
+            </a:fld>
+            <a:endParaRPr lang="en-GB"/>
+          </a:p>
+        </p:txBody>
+      </p:sp>
+    </p:spTree>
+    <p:extLst>
+      <p:ext uri="{BB962C8B-B14F-4D97-AF65-F5344CB8AC3E}">
+        <p14:creationId xmlns:p14="http://schemas.microsoft.com/office/powerpoint/2010/main" val="3472435264"/>
+      </p:ext>
+    </p:extLst>
+  </p:cSld>
+  <p:clrMapOvr>
+    <a:masterClrMapping/>
+  </p:clrMapOvr>
+</p:notes>
+</file>
+
+<file path=ppt/notesSlides/notesSlide5.xml><?xml version="1.0" encoding="utf-8"?>
+<p:notes xmlns:a="http://schemas.openxmlformats.org/drawingml/2006/main" xmlns:r="http://schemas.openxmlformats.org/officeDocument/2006/relationships" xmlns:p="http://schemas.openxmlformats.org/presentationml/2006/main">
+  <p:cSld>
+    <p:spTree>
+      <p:nvGrpSpPr>
+        <p:cNvPr id="1" name=""/>
+        <p:cNvGrpSpPr/>
+        <p:nvPr/>
+      </p:nvGrpSpPr>
+      <p:grpSpPr>
+        <a:xfrm>
+          <a:off x="0" y="0"/>
+          <a:ext cx="0" cy="0"/>
+          <a:chOff x="0" y="0"/>
+          <a:chExt cx="0" cy="0"/>
+        </a:xfrm>
+      </p:grpSpPr>
+      <p:sp>
+        <p:nvSpPr>
+          <p:cNvPr id="2" name="Slide Image Placeholder 1"/>
+          <p:cNvSpPr>
+            <a:spLocks noGrp="1" noRot="1" noChangeAspect="1"/>
+          </p:cNvSpPr>
+          <p:nvPr>
+            <p:ph type="sldImg"/>
+          </p:nvPr>
+        </p:nvSpPr>
+        <p:spPr/>
+      </p:sp>
+      <p:sp>
+        <p:nvSpPr>
+          <p:cNvPr id="3" name="Notes Placeholder 2"/>
+          <p:cNvSpPr>
+            <a:spLocks noGrp="1"/>
+          </p:cNvSpPr>
+          <p:nvPr>
+            <p:ph type="body" idx="1"/>
+            <p:custDataLst>
+              <p:tags r:id="rId1"/>
+            </p:custDataLst>
+          </p:nvPr>
+        </p:nvSpPr>
+        <p:spPr/>
+        <p:txBody>
+          <a:bodyPr/>
+          <a:lstStyle/>
+          <a:p>
+            <a:endParaRPr lang="en-GB"/>
+          </a:p>
+        </p:txBody>
+      </p:sp>
+      <p:sp>
+        <p:nvSpPr>
+          <p:cNvPr id="4" name="Slide Number Placeholder 3"/>
+          <p:cNvSpPr>
+            <a:spLocks noGrp="1"/>
+          </p:cNvSpPr>
+          <p:nvPr>
+            <p:ph type="sldNum" sz="quarter" idx="10"/>
+          </p:nvPr>
+        </p:nvSpPr>
+        <p:spPr/>
+        <p:txBody>
+          <a:bodyPr/>
+          <a:lstStyle/>
+          <a:p>
+            <a:fld id="{1AE14B10-BA1F-4021-A7E8-52DEB9DD99BC}" type="slidenum">
+              <a:rPr lang="en-GB" smtClean="0"/>
+              <a:t>5</a:t>
+            </a:fld>
+            <a:endParaRPr lang="en-GB"/>
+          </a:p>
+        </p:txBody>
+      </p:sp>
+    </p:spTree>
+    <p:extLst>
+      <p:ext uri="{BB962C8B-B14F-4D97-AF65-F5344CB8AC3E}">
+        <p14:creationId xmlns:p14="http://schemas.microsoft.com/office/powerpoint/2010/main" val="2565935146"/>
+      </p:ext>
+    </p:extLst>
+  </p:cSld>
+  <p:clrMapOvr>
+    <a:masterClrMapping/>
+  </p:clrMapOvr>
+</p:notes>
 </file>
 
 <file path=ppt/slideLayouts/slideLayout1.xml><?xml version="1.0" encoding="utf-8"?>
@@ -307,7 +1108,7 @@
           <a:p>
             <a:fld id="{5176CD83-EC6D-4E6C-89BB-FEECE4F4A3E0}" type="datetimeFigureOut">
               <a:rPr lang="en-GB" smtClean="0"/>
-              <a:t>13/03/2017</a:t>
+              <a:t>08/04/2017</a:t>
             </a:fld>
             <a:endParaRPr lang="en-GB"/>
           </a:p>
@@ -528,7 +1329,7 @@
           <a:p>
             <a:fld id="{5176CD83-EC6D-4E6C-89BB-FEECE4F4A3E0}" type="datetimeFigureOut">
               <a:rPr lang="en-GB" smtClean="0"/>
-              <a:t>13/03/2017</a:t>
+              <a:t>08/04/2017</a:t>
             </a:fld>
             <a:endParaRPr lang="en-GB"/>
           </a:p>
@@ -708,7 +1509,7 @@
           <a:p>
             <a:fld id="{5176CD83-EC6D-4E6C-89BB-FEECE4F4A3E0}" type="datetimeFigureOut">
               <a:rPr lang="en-GB" smtClean="0"/>
-              <a:t>13/03/2017</a:t>
+              <a:t>08/04/2017</a:t>
             </a:fld>
             <a:endParaRPr lang="en-GB"/>
           </a:p>
@@ -878,7 +1679,7 @@
           <a:p>
             <a:fld id="{5176CD83-EC6D-4E6C-89BB-FEECE4F4A3E0}" type="datetimeFigureOut">
               <a:rPr lang="en-GB" smtClean="0"/>
-              <a:t>13/03/2017</a:t>
+              <a:t>08/04/2017</a:t>
             </a:fld>
             <a:endParaRPr lang="en-GB"/>
           </a:p>
@@ -1129,7 +1930,7 @@
           <a:p>
             <a:fld id="{5176CD83-EC6D-4E6C-89BB-FEECE4F4A3E0}" type="datetimeFigureOut">
               <a:rPr lang="en-GB" smtClean="0"/>
-              <a:t>13/03/2017</a:t>
+              <a:t>08/04/2017</a:t>
             </a:fld>
             <a:endParaRPr lang="en-GB"/>
           </a:p>
@@ -1452,7 +2253,7 @@
           <a:p>
             <a:fld id="{5176CD83-EC6D-4E6C-89BB-FEECE4F4A3E0}" type="datetimeFigureOut">
               <a:rPr lang="en-GB" smtClean="0"/>
-              <a:t>13/03/2017</a:t>
+              <a:t>08/04/2017</a:t>
             </a:fld>
             <a:endParaRPr lang="en-GB"/>
           </a:p>
@@ -1876,7 +2677,7 @@
           <a:p>
             <a:fld id="{5176CD83-EC6D-4E6C-89BB-FEECE4F4A3E0}" type="datetimeFigureOut">
               <a:rPr lang="en-GB" smtClean="0"/>
-              <a:t>13/03/2017</a:t>
+              <a:t>08/04/2017</a:t>
             </a:fld>
             <a:endParaRPr lang="en-GB"/>
           </a:p>
@@ -1994,7 +2795,7 @@
           <a:p>
             <a:fld id="{5176CD83-EC6D-4E6C-89BB-FEECE4F4A3E0}" type="datetimeFigureOut">
               <a:rPr lang="en-GB" smtClean="0"/>
-              <a:t>13/03/2017</a:t>
+              <a:t>08/04/2017</a:t>
             </a:fld>
             <a:endParaRPr lang="en-GB"/>
           </a:p>
@@ -2089,7 +2890,7 @@
           <a:p>
             <a:fld id="{5176CD83-EC6D-4E6C-89BB-FEECE4F4A3E0}" type="datetimeFigureOut">
               <a:rPr lang="en-GB" smtClean="0"/>
-              <a:t>13/03/2017</a:t>
+              <a:t>08/04/2017</a:t>
             </a:fld>
             <a:endParaRPr lang="en-GB"/>
           </a:p>
@@ -2379,7 +3180,7 @@
           <a:p>
             <a:fld id="{5176CD83-EC6D-4E6C-89BB-FEECE4F4A3E0}" type="datetimeFigureOut">
               <a:rPr lang="en-GB" smtClean="0"/>
-              <a:t>13/03/2017</a:t>
+              <a:t>08/04/2017</a:t>
             </a:fld>
             <a:endParaRPr lang="en-GB"/>
           </a:p>
@@ -2651,7 +3452,7 @@
           <a:p>
             <a:fld id="{5176CD83-EC6D-4E6C-89BB-FEECE4F4A3E0}" type="datetimeFigureOut">
               <a:rPr lang="en-GB" smtClean="0"/>
-              <a:t>13/03/2017</a:t>
+              <a:t>08/04/2017</a:t>
             </a:fld>
             <a:endParaRPr lang="en-GB"/>
           </a:p>
@@ -2905,7 +3706,7 @@
           <a:p>
             <a:fld id="{5176CD83-EC6D-4E6C-89BB-FEECE4F4A3E0}" type="datetimeFigureOut">
               <a:rPr lang="en-GB" smtClean="0"/>
-              <a:t>13/03/2017</a:t>
+              <a:t>08/04/2017</a:t>
             </a:fld>
             <a:endParaRPr lang="en-GB"/>
           </a:p>
@@ -3708,9 +4509,8 @@
           <a:p>
             <a:r>
               <a:rPr lang="en-GB" dirty="0"/>
-              <a:t>https://github.com/JennyO23/FCEPH</a:t>
-            </a:r>
-            <a:endParaRPr lang="en-GB" dirty="0"/>
+              <a:t>https://github.com/AKLBeast/AKLbeast-</a:t>
+            </a:r>
           </a:p>
         </p:txBody>
       </p:sp>
@@ -3730,6 +4530,491 @@
         <p:cTn id="1" dur="indefinite" restart="never" nodeType="tmRoot"/>
       </p:par>
     </p:tnLst>
+  </p:timing>
+</p:sld>
+</file>
+
+<file path=ppt/slides/slide10.xml><?xml version="1.0" encoding="utf-8"?>
+<p:sld xmlns:a="http://schemas.openxmlformats.org/drawingml/2006/main" xmlns:r="http://schemas.openxmlformats.org/officeDocument/2006/relationships" xmlns:p="http://schemas.openxmlformats.org/presentationml/2006/main">
+  <p:cSld>
+    <p:spTree>
+      <p:nvGrpSpPr>
+        <p:cNvPr id="1" name=""/>
+        <p:cNvGrpSpPr/>
+        <p:nvPr/>
+      </p:nvGrpSpPr>
+      <p:grpSpPr>
+        <a:xfrm>
+          <a:off x="0" y="0"/>
+          <a:ext cx="0" cy="0"/>
+          <a:chOff x="0" y="0"/>
+          <a:chExt cx="0" cy="0"/>
+        </a:xfrm>
+      </p:grpSpPr>
+      <p:sp>
+        <p:nvSpPr>
+          <p:cNvPr id="2" name="Title 1"/>
+          <p:cNvSpPr>
+            <a:spLocks noGrp="1"/>
+          </p:cNvSpPr>
+          <p:nvPr>
+            <p:ph type="title"/>
+          </p:nvPr>
+        </p:nvSpPr>
+        <p:spPr/>
+        <p:txBody>
+          <a:bodyPr/>
+          <a:lstStyle/>
+          <a:p>
+            <a:r>
+              <a:rPr lang="en-GB" dirty="0"/>
+              <a:t>FCEPH | </a:t>
+            </a:r>
+            <a:r>
+              <a:rPr lang="en-GB" dirty="0" err="1" smtClean="0"/>
+              <a:t>Nazir</a:t>
+            </a:r>
+            <a:r>
+              <a:rPr lang="en-GB" dirty="0" smtClean="0"/>
+              <a:t> </a:t>
+            </a:r>
+            <a:r>
+              <a:rPr lang="en-GB" dirty="0"/>
+              <a:t>– Project Plan</a:t>
+            </a:r>
+          </a:p>
+        </p:txBody>
+      </p:sp>
+      <p:sp>
+        <p:nvSpPr>
+          <p:cNvPr id="3" name="Content Placeholder 2"/>
+          <p:cNvSpPr>
+            <a:spLocks noGrp="1"/>
+          </p:cNvSpPr>
+          <p:nvPr>
+            <p:ph idx="1"/>
+          </p:nvPr>
+        </p:nvSpPr>
+        <p:spPr/>
+        <p:txBody>
+          <a:bodyPr/>
+          <a:lstStyle/>
+          <a:p>
+            <a:endParaRPr lang="en-GB"/>
+          </a:p>
+        </p:txBody>
+      </p:sp>
+    </p:spTree>
+    <p:extLst>
+      <p:ext uri="{BB962C8B-B14F-4D97-AF65-F5344CB8AC3E}">
+        <p14:creationId xmlns:p14="http://schemas.microsoft.com/office/powerpoint/2010/main" val="4135784811"/>
+      </p:ext>
+    </p:extLst>
+  </p:cSld>
+  <p:clrMapOvr>
+    <a:masterClrMapping/>
+  </p:clrMapOvr>
+  <p:timing>
+    <p:tnLst>
+      <p:par>
+        <p:cTn id="1" dur="indefinite" restart="never" nodeType="tmRoot"/>
+      </p:par>
+    </p:tnLst>
+  </p:timing>
+</p:sld>
+</file>
+
+<file path=ppt/slides/slide11.xml><?xml version="1.0" encoding="utf-8"?>
+<p:sld xmlns:a="http://schemas.openxmlformats.org/drawingml/2006/main" xmlns:r="http://schemas.openxmlformats.org/officeDocument/2006/relationships" xmlns:p="http://schemas.openxmlformats.org/presentationml/2006/main">
+  <p:cSld>
+    <p:spTree>
+      <p:nvGrpSpPr>
+        <p:cNvPr id="1" name=""/>
+        <p:cNvGrpSpPr/>
+        <p:nvPr/>
+      </p:nvGrpSpPr>
+      <p:grpSpPr>
+        <a:xfrm>
+          <a:off x="0" y="0"/>
+          <a:ext cx="0" cy="0"/>
+          <a:chOff x="0" y="0"/>
+          <a:chExt cx="0" cy="0"/>
+        </a:xfrm>
+      </p:grpSpPr>
+      <p:sp>
+        <p:nvSpPr>
+          <p:cNvPr id="2" name="Title 1"/>
+          <p:cNvSpPr>
+            <a:spLocks noGrp="1"/>
+          </p:cNvSpPr>
+          <p:nvPr>
+            <p:ph type="title"/>
+          </p:nvPr>
+        </p:nvSpPr>
+        <p:spPr/>
+        <p:txBody>
+          <a:bodyPr/>
+          <a:lstStyle/>
+          <a:p>
+            <a:r>
+              <a:rPr lang="en-GB" dirty="0"/>
+              <a:t>FCEPH | </a:t>
+            </a:r>
+            <a:r>
+              <a:rPr lang="en-GB" dirty="0" smtClean="0"/>
+              <a:t>Benjamin</a:t>
+            </a:r>
+            <a:endParaRPr lang="en-GB" dirty="0"/>
+          </a:p>
+        </p:txBody>
+      </p:sp>
+      <p:sp>
+        <p:nvSpPr>
+          <p:cNvPr id="3" name="Content Placeholder 2"/>
+          <p:cNvSpPr>
+            <a:spLocks noGrp="1"/>
+          </p:cNvSpPr>
+          <p:nvPr>
+            <p:ph idx="1"/>
+          </p:nvPr>
+        </p:nvSpPr>
+        <p:spPr/>
+        <p:txBody>
+          <a:bodyPr/>
+          <a:lstStyle/>
+          <a:p>
+            <a:r>
+              <a:rPr lang="en-GB" dirty="0" smtClean="0"/>
+              <a:t>Quality Assurance</a:t>
+            </a:r>
+          </a:p>
+          <a:p>
+            <a:r>
+              <a:rPr lang="en-GB" dirty="0" smtClean="0"/>
+              <a:t>Marketing</a:t>
+            </a:r>
+            <a:endParaRPr lang="en-GB" dirty="0"/>
+          </a:p>
+        </p:txBody>
+      </p:sp>
+    </p:spTree>
+    <p:extLst>
+      <p:ext uri="{BB962C8B-B14F-4D97-AF65-F5344CB8AC3E}">
+        <p14:creationId xmlns:p14="http://schemas.microsoft.com/office/powerpoint/2010/main" val="380566579"/>
+      </p:ext>
+    </p:extLst>
+  </p:cSld>
+  <p:clrMapOvr>
+    <a:masterClrMapping/>
+  </p:clrMapOvr>
+  <p:timing>
+    <p:tnLst>
+      <p:par>
+        <p:cTn id="1" dur="indefinite" restart="never" nodeType="tmRoot"/>
+      </p:par>
+    </p:tnLst>
+  </p:timing>
+</p:sld>
+</file>
+
+<file path=ppt/slides/slide12.xml><?xml version="1.0" encoding="utf-8"?>
+<p:sld xmlns:a="http://schemas.openxmlformats.org/drawingml/2006/main" xmlns:r="http://schemas.openxmlformats.org/officeDocument/2006/relationships" xmlns:p="http://schemas.openxmlformats.org/presentationml/2006/main">
+  <p:cSld>
+    <p:spTree>
+      <p:nvGrpSpPr>
+        <p:cNvPr id="1" name=""/>
+        <p:cNvGrpSpPr/>
+        <p:nvPr/>
+      </p:nvGrpSpPr>
+      <p:grpSpPr>
+        <a:xfrm>
+          <a:off x="0" y="0"/>
+          <a:ext cx="0" cy="0"/>
+          <a:chOff x="0" y="0"/>
+          <a:chExt cx="0" cy="0"/>
+        </a:xfrm>
+      </p:grpSpPr>
+      <p:sp>
+        <p:nvSpPr>
+          <p:cNvPr id="2" name="Title 1"/>
+          <p:cNvSpPr>
+            <a:spLocks noGrp="1"/>
+          </p:cNvSpPr>
+          <p:nvPr>
+            <p:ph type="title"/>
+          </p:nvPr>
+        </p:nvSpPr>
+        <p:spPr/>
+        <p:txBody>
+          <a:bodyPr/>
+          <a:lstStyle/>
+          <a:p>
+            <a:r>
+              <a:rPr lang="en-GB" dirty="0"/>
+              <a:t>FCEPH | </a:t>
+            </a:r>
+            <a:r>
+              <a:rPr lang="en-GB" dirty="0" smtClean="0"/>
+              <a:t>Benjamin </a:t>
+            </a:r>
+            <a:r>
+              <a:rPr lang="en-GB" dirty="0"/>
+              <a:t>– Project Plan</a:t>
+            </a:r>
+          </a:p>
+        </p:txBody>
+      </p:sp>
+      <p:sp>
+        <p:nvSpPr>
+          <p:cNvPr id="3" name="Content Placeholder 2"/>
+          <p:cNvSpPr>
+            <a:spLocks noGrp="1"/>
+          </p:cNvSpPr>
+          <p:nvPr>
+            <p:ph idx="1"/>
+          </p:nvPr>
+        </p:nvSpPr>
+        <p:spPr/>
+        <p:txBody>
+          <a:bodyPr/>
+          <a:lstStyle/>
+          <a:p>
+            <a:endParaRPr lang="en-GB"/>
+          </a:p>
+        </p:txBody>
+      </p:sp>
+    </p:spTree>
+    <p:extLst>
+      <p:ext uri="{BB962C8B-B14F-4D97-AF65-F5344CB8AC3E}">
+        <p14:creationId xmlns:p14="http://schemas.microsoft.com/office/powerpoint/2010/main" val="1428611620"/>
+      </p:ext>
+    </p:extLst>
+  </p:cSld>
+  <p:clrMapOvr>
+    <a:masterClrMapping/>
+  </p:clrMapOvr>
+  <p:timing>
+    <p:tnLst>
+      <p:par>
+        <p:cTn id="1" dur="indefinite" restart="never" nodeType="tmRoot"/>
+      </p:par>
+    </p:tnLst>
+  </p:timing>
+</p:sld>
+</file>
+
+<file path=ppt/slides/slide13.xml><?xml version="1.0" encoding="utf-8"?>
+<p:sld xmlns:a="http://schemas.openxmlformats.org/drawingml/2006/main" xmlns:r="http://schemas.openxmlformats.org/officeDocument/2006/relationships" xmlns:p="http://schemas.openxmlformats.org/presentationml/2006/main">
+  <p:cSld>
+    <p:spTree>
+      <p:nvGrpSpPr>
+        <p:cNvPr id="1" name=""/>
+        <p:cNvGrpSpPr/>
+        <p:nvPr/>
+      </p:nvGrpSpPr>
+      <p:grpSpPr>
+        <a:xfrm>
+          <a:off x="0" y="0"/>
+          <a:ext cx="0" cy="0"/>
+          <a:chOff x="0" y="0"/>
+          <a:chExt cx="0" cy="0"/>
+        </a:xfrm>
+      </p:grpSpPr>
+      <p:sp>
+        <p:nvSpPr>
+          <p:cNvPr id="4" name="Title 1"/>
+          <p:cNvSpPr>
+            <a:spLocks noGrp="1"/>
+          </p:cNvSpPr>
+          <p:nvPr>
+            <p:ph type="title"/>
+          </p:nvPr>
+        </p:nvSpPr>
+        <p:spPr>
+          <a:xfrm>
+            <a:off x="1978268" y="2552700"/>
+            <a:ext cx="8027377" cy="1356360"/>
+          </a:xfrm>
+        </p:spPr>
+        <p:txBody>
+          <a:bodyPr>
+            <a:noAutofit/>
+          </a:bodyPr>
+          <a:lstStyle/>
+          <a:p>
+            <a:pPr algn="ctr"/>
+            <a:r>
+              <a:rPr lang="en-GB" sz="11500" dirty="0" smtClean="0"/>
+              <a:t>Any Questions?</a:t>
+            </a:r>
+            <a:endParaRPr lang="en-GB" sz="11500" dirty="0"/>
+          </a:p>
+        </p:txBody>
+      </p:sp>
+    </p:spTree>
+    <p:extLst>
+      <p:ext uri="{BB962C8B-B14F-4D97-AF65-F5344CB8AC3E}">
+        <p14:creationId xmlns:p14="http://schemas.microsoft.com/office/powerpoint/2010/main" val="912534041"/>
+      </p:ext>
+    </p:extLst>
+  </p:cSld>
+  <p:clrMapOvr>
+    <a:masterClrMapping/>
+  </p:clrMapOvr>
+  <p:timing>
+    <p:tnLst>
+      <p:par>
+        <p:cTn id="1" dur="indefinite" restart="never" nodeType="tmRoot">
+          <p:childTnLst>
+            <p:seq concurrent="1" nextAc="seek">
+              <p:cTn id="2" dur="indefinite" nodeType="mainSeq">
+                <p:childTnLst>
+                  <p:par>
+                    <p:cTn id="3" fill="hold">
+                      <p:stCondLst>
+                        <p:cond delay="indefinite"/>
+                      </p:stCondLst>
+                      <p:childTnLst>
+                        <p:par>
+                          <p:cTn id="4" fill="hold">
+                            <p:stCondLst>
+                              <p:cond delay="0"/>
+                            </p:stCondLst>
+                            <p:childTnLst>
+                              <p:par>
+                                <p:cTn id="5" presetID="31" presetClass="exit" presetSubtype="0" fill="hold" grpId="0" nodeType="clickEffect">
+                                  <p:stCondLst>
+                                    <p:cond delay="0"/>
+                                  </p:stCondLst>
+                                  <p:childTnLst>
+                                    <p:anim calcmode="lin" valueType="num">
+                                      <p:cBhvr>
+                                        <p:cTn id="6" dur="1000"/>
+                                        <p:tgtEl>
+                                          <p:spTgt spid="4"/>
+                                        </p:tgtEl>
+                                        <p:attrNameLst>
+                                          <p:attrName>ppt_w</p:attrName>
+                                        </p:attrNameLst>
+                                      </p:cBhvr>
+                                      <p:tavLst>
+                                        <p:tav tm="0">
+                                          <p:val>
+                                            <p:strVal val="ppt_w"/>
+                                          </p:val>
+                                        </p:tav>
+                                        <p:tav tm="100000">
+                                          <p:val>
+                                            <p:fltVal val="0"/>
+                                          </p:val>
+                                        </p:tav>
+                                      </p:tavLst>
+                                    </p:anim>
+                                    <p:anim calcmode="lin" valueType="num">
+                                      <p:cBhvr>
+                                        <p:cTn id="7" dur="1000"/>
+                                        <p:tgtEl>
+                                          <p:spTgt spid="4"/>
+                                        </p:tgtEl>
+                                        <p:attrNameLst>
+                                          <p:attrName>ppt_h</p:attrName>
+                                        </p:attrNameLst>
+                                      </p:cBhvr>
+                                      <p:tavLst>
+                                        <p:tav tm="0">
+                                          <p:val>
+                                            <p:strVal val="ppt_h"/>
+                                          </p:val>
+                                        </p:tav>
+                                        <p:tav tm="100000">
+                                          <p:val>
+                                            <p:fltVal val="0"/>
+                                          </p:val>
+                                        </p:tav>
+                                      </p:tavLst>
+                                    </p:anim>
+                                    <p:anim calcmode="lin" valueType="num">
+                                      <p:cBhvr>
+                                        <p:cTn id="8" dur="1000"/>
+                                        <p:tgtEl>
+                                          <p:spTgt spid="4"/>
+                                        </p:tgtEl>
+                                        <p:attrNameLst>
+                                          <p:attrName>style.rotation</p:attrName>
+                                        </p:attrNameLst>
+                                      </p:cBhvr>
+                                      <p:tavLst>
+                                        <p:tav tm="0">
+                                          <p:val>
+                                            <p:fltVal val="0"/>
+                                          </p:val>
+                                        </p:tav>
+                                        <p:tav tm="100000">
+                                          <p:val>
+                                            <p:fltVal val="90"/>
+                                          </p:val>
+                                        </p:tav>
+                                      </p:tavLst>
+                                    </p:anim>
+                                    <p:animEffect transition="out" filter="fade">
+                                      <p:cBhvr>
+                                        <p:cTn id="9" dur="1000"/>
+                                        <p:tgtEl>
+                                          <p:spTgt spid="4"/>
+                                        </p:tgtEl>
+                                      </p:cBhvr>
+                                    </p:animEffect>
+                                    <p:set>
+                                      <p:cBhvr>
+                                        <p:cTn id="10" dur="1" fill="hold">
+                                          <p:stCondLst>
+                                            <p:cond delay="999"/>
+                                          </p:stCondLst>
+                                        </p:cTn>
+                                        <p:tgtEl>
+                                          <p:spTgt spid="4"/>
+                                        </p:tgtEl>
+                                        <p:attrNameLst>
+                                          <p:attrName>style.visibility</p:attrName>
+                                        </p:attrNameLst>
+                                      </p:cBhvr>
+                                      <p:to>
+                                        <p:strVal val="hidden"/>
+                                      </p:to>
+                                    </p:set>
+                                  </p:childTnLst>
+                                </p:cTn>
+                              </p:par>
+                            </p:childTnLst>
+                          </p:cTn>
+                        </p:par>
+                      </p:childTnLst>
+                    </p:cTn>
+                  </p:par>
+                </p:childTnLst>
+              </p:cTn>
+              <p:prevCondLst>
+                <p:cond evt="onPrev" delay="0">
+                  <p:tgtEl>
+                    <p:sldTgt/>
+                  </p:tgtEl>
+                </p:cond>
+              </p:prevCondLst>
+              <p:nextCondLst>
+                <p:cond evt="onNext" delay="0">
+                  <p:tgtEl>
+                    <p:sldTgt/>
+                  </p:tgtEl>
+                </p:cond>
+              </p:nextCondLst>
+            </p:seq>
+          </p:childTnLst>
+        </p:cTn>
+      </p:par>
+    </p:tnLst>
+    <p:bldLst>
+      <p:bldP spid="4" grpId="0"/>
+    </p:bldLst>
   </p:timing>
 </p:sld>
 </file>
@@ -3766,29 +5051,67 @@
           <a:bodyPr/>
           <a:lstStyle/>
           <a:p>
+            <a:r>
+              <a:rPr lang="en-GB" dirty="0"/>
+              <a:t>FCEPH | </a:t>
+            </a:r>
+            <a:r>
+              <a:rPr lang="en-GB" dirty="0" smtClean="0"/>
+              <a:t>Introduction</a:t>
+            </a:r>
+            <a:endParaRPr lang="en-GB" dirty="0"/>
+          </a:p>
+        </p:txBody>
+      </p:sp>
+      <p:sp>
+        <p:nvSpPr>
+          <p:cNvPr id="3" name="Content Placeholder 2"/>
+          <p:cNvSpPr>
+            <a:spLocks noGrp="1"/>
+          </p:cNvSpPr>
+          <p:nvPr>
+            <p:ph idx="1"/>
+          </p:nvPr>
+        </p:nvSpPr>
+        <p:spPr/>
+        <p:txBody>
+          <a:bodyPr/>
+          <a:lstStyle/>
+          <a:p>
             <a:endParaRPr lang="en-GB"/>
           </a:p>
         </p:txBody>
       </p:sp>
-      <p:sp>
-        <p:nvSpPr>
-          <p:cNvPr id="3" name="Content Placeholder 2"/>
-          <p:cNvSpPr>
-            <a:spLocks noGrp="1"/>
-          </p:cNvSpPr>
-          <p:nvPr>
-            <p:ph idx="1"/>
-          </p:nvPr>
-        </p:nvSpPr>
-        <p:spPr/>
-        <p:txBody>
-          <a:bodyPr/>
-          <a:lstStyle/>
-          <a:p>
-            <a:endParaRPr lang="en-GB"/>
-          </a:p>
-        </p:txBody>
-      </p:sp>
+      <p:pic>
+        <p:nvPicPr>
+          <p:cNvPr id="4" name="Picture 3"/>
+          <p:cNvPicPr>
+            <a:picLocks noChangeAspect="1"/>
+          </p:cNvPicPr>
+          <p:nvPr/>
+        </p:nvPicPr>
+        <p:blipFill>
+          <a:blip r:embed="rId3">
+            <a:extLst>
+              <a:ext uri="{28A0092B-C50C-407E-A947-70E740481C1C}">
+                <a14:useLocalDpi xmlns:a14="http://schemas.microsoft.com/office/drawing/2010/main" val="0"/>
+              </a:ext>
+            </a:extLst>
+          </a:blip>
+          <a:stretch>
+            <a:fillRect/>
+          </a:stretch>
+        </p:blipFill>
+        <p:spPr>
+          <a:xfrm>
+            <a:off x="8583621" y="334785"/>
+            <a:ext cx="3255546" cy="1822862"/>
+          </a:xfrm>
+          <a:prstGeom prst="rect">
+            <a:avLst/>
+          </a:prstGeom>
+        </p:spPr>
+      </p:pic>
     </p:spTree>
     <p:extLst>
       <p:ext uri="{BB962C8B-B14F-4D97-AF65-F5344CB8AC3E}">
@@ -3841,7 +5164,11 @@
           <a:bodyPr/>
           <a:lstStyle/>
           <a:p>
-            <a:endParaRPr lang="en-GB"/>
+            <a:r>
+              <a:rPr lang="en-GB" dirty="0"/>
+              <a:t>FCEPH | Recap</a:t>
+            </a:r>
+            <a:endParaRPr lang="en-GB" dirty="0"/>
           </a:p>
         </p:txBody>
       </p:sp>
@@ -3916,7 +5243,11 @@
           <a:bodyPr/>
           <a:lstStyle/>
           <a:p>
-            <a:endParaRPr lang="en-GB"/>
+            <a:r>
+              <a:rPr lang="en-GB" dirty="0"/>
+              <a:t>FCEPH | Recap</a:t>
+            </a:r>
+            <a:endParaRPr lang="en-GB" dirty="0"/>
           </a:p>
         </p:txBody>
       </p:sp>
@@ -3991,7 +5322,15 @@
           <a:bodyPr/>
           <a:lstStyle/>
           <a:p>
-            <a:endParaRPr lang="en-GB"/>
+            <a:r>
+              <a:rPr lang="en-GB" dirty="0"/>
+              <a:t>FCEPH | </a:t>
+            </a:r>
+            <a:r>
+              <a:rPr lang="en-GB" dirty="0" err="1"/>
+              <a:t>Anis</a:t>
+            </a:r>
+            <a:endParaRPr lang="en-GB" dirty="0"/>
           </a:p>
         </p:txBody>
       </p:sp>
@@ -4010,7 +5349,21 @@
           <a:bodyPr/>
           <a:lstStyle/>
           <a:p>
-            <a:endParaRPr lang="en-GB"/>
+            <a:r>
+              <a:rPr lang="en-GB" sz="2400" b="1" dirty="0"/>
+              <a:t>Project </a:t>
+            </a:r>
+            <a:r>
+              <a:rPr lang="en-GB" sz="2400" b="1" dirty="0" smtClean="0"/>
+              <a:t>Manager</a:t>
+            </a:r>
+          </a:p>
+          <a:p>
+            <a:r>
+              <a:rPr lang="en-GB" sz="2400" b="1" dirty="0" smtClean="0"/>
+              <a:t>Suppliers Interface</a:t>
+            </a:r>
+            <a:endParaRPr lang="en-GB" sz="2400" b="1" dirty="0"/>
           </a:p>
         </p:txBody>
       </p:sp>
@@ -4032,6 +5385,395 @@
     </p:tnLst>
   </p:timing>
 </p:sld>
+</file>
+
+<file path=ppt/slides/slide6.xml><?xml version="1.0" encoding="utf-8"?>
+<p:sld xmlns:a="http://schemas.openxmlformats.org/drawingml/2006/main" xmlns:r="http://schemas.openxmlformats.org/officeDocument/2006/relationships" xmlns:p="http://schemas.openxmlformats.org/presentationml/2006/main">
+  <p:cSld>
+    <p:spTree>
+      <p:nvGrpSpPr>
+        <p:cNvPr id="1" name=""/>
+        <p:cNvGrpSpPr/>
+        <p:nvPr/>
+      </p:nvGrpSpPr>
+      <p:grpSpPr>
+        <a:xfrm>
+          <a:off x="0" y="0"/>
+          <a:ext cx="0" cy="0"/>
+          <a:chOff x="0" y="0"/>
+          <a:chExt cx="0" cy="0"/>
+        </a:xfrm>
+      </p:grpSpPr>
+      <p:sp>
+        <p:nvSpPr>
+          <p:cNvPr id="2" name="Title 1"/>
+          <p:cNvSpPr>
+            <a:spLocks noGrp="1"/>
+          </p:cNvSpPr>
+          <p:nvPr>
+            <p:ph type="title"/>
+          </p:nvPr>
+        </p:nvSpPr>
+        <p:spPr/>
+        <p:txBody>
+          <a:bodyPr/>
+          <a:lstStyle/>
+          <a:p>
+            <a:r>
+              <a:rPr lang="en-GB" dirty="0"/>
+              <a:t>FCEPH | </a:t>
+            </a:r>
+            <a:r>
+              <a:rPr lang="en-GB" dirty="0" err="1" smtClean="0"/>
+              <a:t>Anis</a:t>
+            </a:r>
+            <a:r>
+              <a:rPr lang="en-GB" dirty="0" smtClean="0"/>
+              <a:t> – Project Plan</a:t>
+            </a:r>
+            <a:endParaRPr lang="en-GB" dirty="0"/>
+          </a:p>
+        </p:txBody>
+      </p:sp>
+      <p:sp>
+        <p:nvSpPr>
+          <p:cNvPr id="3" name="Content Placeholder 2"/>
+          <p:cNvSpPr>
+            <a:spLocks noGrp="1"/>
+          </p:cNvSpPr>
+          <p:nvPr>
+            <p:ph idx="1"/>
+          </p:nvPr>
+        </p:nvSpPr>
+        <p:spPr/>
+        <p:txBody>
+          <a:bodyPr/>
+          <a:lstStyle/>
+          <a:p>
+            <a:endParaRPr lang="en-GB"/>
+          </a:p>
+        </p:txBody>
+      </p:sp>
+    </p:spTree>
+    <p:extLst>
+      <p:ext uri="{BB962C8B-B14F-4D97-AF65-F5344CB8AC3E}">
+        <p14:creationId xmlns:p14="http://schemas.microsoft.com/office/powerpoint/2010/main" val="1291797238"/>
+      </p:ext>
+    </p:extLst>
+  </p:cSld>
+  <p:clrMapOvr>
+    <a:masterClrMapping/>
+  </p:clrMapOvr>
+  <p:timing>
+    <p:tnLst>
+      <p:par>
+        <p:cTn id="1" dur="indefinite" restart="never" nodeType="tmRoot"/>
+      </p:par>
+    </p:tnLst>
+  </p:timing>
+</p:sld>
+</file>
+
+<file path=ppt/slides/slide7.xml><?xml version="1.0" encoding="utf-8"?>
+<p:sld xmlns:a="http://schemas.openxmlformats.org/drawingml/2006/main" xmlns:r="http://schemas.openxmlformats.org/officeDocument/2006/relationships" xmlns:p="http://schemas.openxmlformats.org/presentationml/2006/main">
+  <p:cSld>
+    <p:spTree>
+      <p:nvGrpSpPr>
+        <p:cNvPr id="1" name=""/>
+        <p:cNvGrpSpPr/>
+        <p:nvPr/>
+      </p:nvGrpSpPr>
+      <p:grpSpPr>
+        <a:xfrm>
+          <a:off x="0" y="0"/>
+          <a:ext cx="0" cy="0"/>
+          <a:chOff x="0" y="0"/>
+          <a:chExt cx="0" cy="0"/>
+        </a:xfrm>
+      </p:grpSpPr>
+      <p:sp>
+        <p:nvSpPr>
+          <p:cNvPr id="2" name="Title 1"/>
+          <p:cNvSpPr>
+            <a:spLocks noGrp="1"/>
+          </p:cNvSpPr>
+          <p:nvPr>
+            <p:ph type="title"/>
+          </p:nvPr>
+        </p:nvSpPr>
+        <p:spPr/>
+        <p:txBody>
+          <a:bodyPr/>
+          <a:lstStyle/>
+          <a:p>
+            <a:r>
+              <a:rPr lang="en-GB" dirty="0"/>
+              <a:t>FCEPH | </a:t>
+            </a:r>
+            <a:r>
+              <a:rPr lang="en-GB" dirty="0" smtClean="0"/>
+              <a:t>Jennifer</a:t>
+            </a:r>
+            <a:endParaRPr lang="en-GB" dirty="0"/>
+          </a:p>
+        </p:txBody>
+      </p:sp>
+      <p:sp>
+        <p:nvSpPr>
+          <p:cNvPr id="3" name="Content Placeholder 2"/>
+          <p:cNvSpPr>
+            <a:spLocks noGrp="1"/>
+          </p:cNvSpPr>
+          <p:nvPr>
+            <p:ph idx="1"/>
+          </p:nvPr>
+        </p:nvSpPr>
+        <p:spPr/>
+        <p:txBody>
+          <a:bodyPr/>
+          <a:lstStyle/>
+          <a:p>
+            <a:r>
+              <a:rPr lang="en-GB" dirty="0" smtClean="0"/>
+              <a:t>Documentation</a:t>
+            </a:r>
+          </a:p>
+          <a:p>
+            <a:r>
+              <a:rPr lang="en-GB" dirty="0" smtClean="0"/>
+              <a:t>Loyalty Scheme</a:t>
+            </a:r>
+            <a:endParaRPr lang="en-GB" dirty="0"/>
+          </a:p>
+        </p:txBody>
+      </p:sp>
+    </p:spTree>
+    <p:extLst>
+      <p:ext uri="{BB962C8B-B14F-4D97-AF65-F5344CB8AC3E}">
+        <p14:creationId xmlns:p14="http://schemas.microsoft.com/office/powerpoint/2010/main" val="3229383263"/>
+      </p:ext>
+    </p:extLst>
+  </p:cSld>
+  <p:clrMapOvr>
+    <a:masterClrMapping/>
+  </p:clrMapOvr>
+  <p:timing>
+    <p:tnLst>
+      <p:par>
+        <p:cTn id="1" dur="indefinite" restart="never" nodeType="tmRoot"/>
+      </p:par>
+    </p:tnLst>
+  </p:timing>
+</p:sld>
+</file>
+
+<file path=ppt/slides/slide8.xml><?xml version="1.0" encoding="utf-8"?>
+<p:sld xmlns:a="http://schemas.openxmlformats.org/drawingml/2006/main" xmlns:r="http://schemas.openxmlformats.org/officeDocument/2006/relationships" xmlns:p="http://schemas.openxmlformats.org/presentationml/2006/main">
+  <p:cSld>
+    <p:spTree>
+      <p:nvGrpSpPr>
+        <p:cNvPr id="1" name=""/>
+        <p:cNvGrpSpPr/>
+        <p:nvPr/>
+      </p:nvGrpSpPr>
+      <p:grpSpPr>
+        <a:xfrm>
+          <a:off x="0" y="0"/>
+          <a:ext cx="0" cy="0"/>
+          <a:chOff x="0" y="0"/>
+          <a:chExt cx="0" cy="0"/>
+        </a:xfrm>
+      </p:grpSpPr>
+      <p:sp>
+        <p:nvSpPr>
+          <p:cNvPr id="2" name="Title 1"/>
+          <p:cNvSpPr>
+            <a:spLocks noGrp="1"/>
+          </p:cNvSpPr>
+          <p:nvPr>
+            <p:ph type="title"/>
+          </p:nvPr>
+        </p:nvSpPr>
+        <p:spPr/>
+        <p:txBody>
+          <a:bodyPr/>
+          <a:lstStyle/>
+          <a:p>
+            <a:r>
+              <a:rPr lang="en-GB" dirty="0"/>
+              <a:t>FCEPH | </a:t>
+            </a:r>
+            <a:r>
+              <a:rPr lang="en-GB" dirty="0" smtClean="0"/>
+              <a:t>Jennifer </a:t>
+            </a:r>
+            <a:r>
+              <a:rPr lang="en-GB" dirty="0"/>
+              <a:t>– Project Plan</a:t>
+            </a:r>
+          </a:p>
+        </p:txBody>
+      </p:sp>
+      <p:sp>
+        <p:nvSpPr>
+          <p:cNvPr id="3" name="Content Placeholder 2"/>
+          <p:cNvSpPr>
+            <a:spLocks noGrp="1"/>
+          </p:cNvSpPr>
+          <p:nvPr>
+            <p:ph idx="1"/>
+          </p:nvPr>
+        </p:nvSpPr>
+        <p:spPr/>
+        <p:txBody>
+          <a:bodyPr/>
+          <a:lstStyle/>
+          <a:p>
+            <a:endParaRPr lang="en-GB"/>
+          </a:p>
+        </p:txBody>
+      </p:sp>
+    </p:spTree>
+    <p:extLst>
+      <p:ext uri="{BB962C8B-B14F-4D97-AF65-F5344CB8AC3E}">
+        <p14:creationId xmlns:p14="http://schemas.microsoft.com/office/powerpoint/2010/main" val="3594997535"/>
+      </p:ext>
+    </p:extLst>
+  </p:cSld>
+  <p:clrMapOvr>
+    <a:masterClrMapping/>
+  </p:clrMapOvr>
+  <p:timing>
+    <p:tnLst>
+      <p:par>
+        <p:cTn id="1" dur="indefinite" restart="never" nodeType="tmRoot"/>
+      </p:par>
+    </p:tnLst>
+  </p:timing>
+</p:sld>
+</file>
+
+<file path=ppt/slides/slide9.xml><?xml version="1.0" encoding="utf-8"?>
+<p:sld xmlns:a="http://schemas.openxmlformats.org/drawingml/2006/main" xmlns:r="http://schemas.openxmlformats.org/officeDocument/2006/relationships" xmlns:p="http://schemas.openxmlformats.org/presentationml/2006/main">
+  <p:cSld>
+    <p:spTree>
+      <p:nvGrpSpPr>
+        <p:cNvPr id="1" name=""/>
+        <p:cNvGrpSpPr/>
+        <p:nvPr/>
+      </p:nvGrpSpPr>
+      <p:grpSpPr>
+        <a:xfrm>
+          <a:off x="0" y="0"/>
+          <a:ext cx="0" cy="0"/>
+          <a:chOff x="0" y="0"/>
+          <a:chExt cx="0" cy="0"/>
+        </a:xfrm>
+      </p:grpSpPr>
+      <p:sp>
+        <p:nvSpPr>
+          <p:cNvPr id="2" name="Title 1"/>
+          <p:cNvSpPr>
+            <a:spLocks noGrp="1"/>
+          </p:cNvSpPr>
+          <p:nvPr>
+            <p:ph type="title"/>
+          </p:nvPr>
+        </p:nvSpPr>
+        <p:spPr/>
+        <p:txBody>
+          <a:bodyPr/>
+          <a:lstStyle/>
+          <a:p>
+            <a:r>
+              <a:rPr lang="en-GB" dirty="0"/>
+              <a:t>FCEPH | </a:t>
+            </a:r>
+            <a:r>
+              <a:rPr lang="en-GB" dirty="0" err="1" smtClean="0"/>
+              <a:t>Nazir</a:t>
+            </a:r>
+            <a:endParaRPr lang="en-GB" dirty="0"/>
+          </a:p>
+        </p:txBody>
+      </p:sp>
+      <p:sp>
+        <p:nvSpPr>
+          <p:cNvPr id="3" name="Content Placeholder 2"/>
+          <p:cNvSpPr>
+            <a:spLocks noGrp="1"/>
+          </p:cNvSpPr>
+          <p:nvPr>
+            <p:ph idx="1"/>
+          </p:nvPr>
+        </p:nvSpPr>
+        <p:spPr/>
+        <p:txBody>
+          <a:bodyPr/>
+          <a:lstStyle/>
+          <a:p>
+            <a:r>
+              <a:rPr lang="en-GB" dirty="0" smtClean="0"/>
+              <a:t>Integration</a:t>
+            </a:r>
+          </a:p>
+          <a:p>
+            <a:r>
+              <a:rPr lang="en-GB" dirty="0" smtClean="0"/>
+              <a:t>Payment</a:t>
+            </a:r>
+            <a:endParaRPr lang="en-GB" dirty="0"/>
+          </a:p>
+        </p:txBody>
+      </p:sp>
+    </p:spTree>
+    <p:extLst>
+      <p:ext uri="{BB962C8B-B14F-4D97-AF65-F5344CB8AC3E}">
+        <p14:creationId xmlns:p14="http://schemas.microsoft.com/office/powerpoint/2010/main" val="3725537250"/>
+      </p:ext>
+    </p:extLst>
+  </p:cSld>
+  <p:clrMapOvr>
+    <a:masterClrMapping/>
+  </p:clrMapOvr>
+  <p:timing>
+    <p:tnLst>
+      <p:par>
+        <p:cTn id="1" dur="indefinite" restart="never" nodeType="tmRoot"/>
+      </p:par>
+    </p:tnLst>
+  </p:timing>
+</p:sld>
+</file>
+
+<file path=ppt/tags/tag1.xml><?xml version="1.0" encoding="utf-8"?>
+<p:tagLst xmlns:a="http://schemas.openxmlformats.org/drawingml/2006/main" xmlns:r="http://schemas.openxmlformats.org/officeDocument/2006/relationships" xmlns:p="http://schemas.openxmlformats.org/presentationml/2006/main">
+  <p:tag name="__PE_HAS_URLS" val="oh hey this is notes box, due to this not being an empty string. woot."/>
+</p:tagLst>
+</file>
+
+<file path=ppt/tags/tag2.xml><?xml version="1.0" encoding="utf-8"?>
+<p:tagLst xmlns:a="http://schemas.openxmlformats.org/drawingml/2006/main" xmlns:r="http://schemas.openxmlformats.org/officeDocument/2006/relationships" xmlns:p="http://schemas.openxmlformats.org/presentationml/2006/main">
+  <p:tag name="__PE_HAS_URLS" val="oh hey this is notes box, due to this not being an empty string. woot."/>
+</p:tagLst>
+</file>
+
+<file path=ppt/tags/tag3.xml><?xml version="1.0" encoding="utf-8"?>
+<p:tagLst xmlns:a="http://schemas.openxmlformats.org/drawingml/2006/main" xmlns:r="http://schemas.openxmlformats.org/officeDocument/2006/relationships" xmlns:p="http://schemas.openxmlformats.org/presentationml/2006/main">
+  <p:tag name="__PE_HAS_URLS" val="oh hey this is notes box, due to this not being an empty string. woot."/>
+</p:tagLst>
+</file>
+
+<file path=ppt/tags/tag4.xml><?xml version="1.0" encoding="utf-8"?>
+<p:tagLst xmlns:a="http://schemas.openxmlformats.org/drawingml/2006/main" xmlns:r="http://schemas.openxmlformats.org/officeDocument/2006/relationships" xmlns:p="http://schemas.openxmlformats.org/presentationml/2006/main">
+  <p:tag name="__PE_HAS_URLS" val="oh hey this is notes box, due to this not being an empty string. woot."/>
+</p:tagLst>
+</file>
+
+<file path=ppt/tags/tag5.xml><?xml version="1.0" encoding="utf-8"?>
+<p:tagLst xmlns:a="http://schemas.openxmlformats.org/drawingml/2006/main" xmlns:r="http://schemas.openxmlformats.org/officeDocument/2006/relationships" xmlns:p="http://schemas.openxmlformats.org/presentationml/2006/main">
+  <p:tag name="__PE_HAS_URLS" val="oh hey this is notes box, due to this not being an empty string. woot."/>
+</p:tagLst>
 </file>
 
 <file path=ppt/theme/theme1.xml><?xml version="1.0" encoding="utf-8"?>
@@ -4269,4 +6011,265 @@
     </a:ext>
   </a:extLst>
 </a:theme>
+</file>
+
+<file path=ppt/theme/theme2.xml><?xml version="1.0" encoding="utf-8"?>
+<a:theme xmlns:a="http://schemas.openxmlformats.org/drawingml/2006/main" name="Office Theme">
+  <a:themeElements>
+    <a:clrScheme name="Office">
+      <a:dk1>
+        <a:sysClr val="windowText" lastClr="000000"/>
+      </a:dk1>
+      <a:lt1>
+        <a:sysClr val="window" lastClr="FFFFFF"/>
+      </a:lt1>
+      <a:dk2>
+        <a:srgbClr val="44546A"/>
+      </a:dk2>
+      <a:lt2>
+        <a:srgbClr val="E7E6E6"/>
+      </a:lt2>
+      <a:accent1>
+        <a:srgbClr val="5B9BD5"/>
+      </a:accent1>
+      <a:accent2>
+        <a:srgbClr val="ED7D31"/>
+      </a:accent2>
+      <a:accent3>
+        <a:srgbClr val="A5A5A5"/>
+      </a:accent3>
+      <a:accent4>
+        <a:srgbClr val="FFC000"/>
+      </a:accent4>
+      <a:accent5>
+        <a:srgbClr val="4472C4"/>
+      </a:accent5>
+      <a:accent6>
+        <a:srgbClr val="70AD47"/>
+      </a:accent6>
+      <a:hlink>
+        <a:srgbClr val="0563C1"/>
+      </a:hlink>
+      <a:folHlink>
+        <a:srgbClr val="954F72"/>
+      </a:folHlink>
+    </a:clrScheme>
+    <a:fontScheme name="Office">
+      <a:majorFont>
+        <a:latin typeface="Calibri Light" panose="020F0302020204030204"/>
+        <a:ea typeface=""/>
+        <a:cs typeface=""/>
+        <a:font script="Jpan" typeface="游ゴシック Light"/>
+        <a:font script="Hang" typeface="맑은 고딕"/>
+        <a:font script="Hans" typeface="等线 Light"/>
+        <a:font script="Hant" typeface="新細明體"/>
+        <a:font script="Arab" typeface="Times New Roman"/>
+        <a:font script="Hebr" typeface="Times New Roman"/>
+        <a:font script="Thai" typeface="Angsana New"/>
+        <a:font script="Ethi" typeface="Nyala"/>
+        <a:font script="Beng" typeface="Vrinda"/>
+        <a:font script="Gujr" typeface="Shruti"/>
+        <a:font script="Khmr" typeface="MoolBoran"/>
+        <a:font script="Knda" typeface="Tunga"/>
+        <a:font script="Guru" typeface="Raavi"/>
+        <a:font script="Cans" typeface="Euphemia"/>
+        <a:font script="Cher" typeface="Plantagenet Cherokee"/>
+        <a:font script="Yiii" typeface="Microsoft Yi Baiti"/>
+        <a:font script="Tibt" typeface="Microsoft Himalaya"/>
+        <a:font script="Thaa" typeface="MV Boli"/>
+        <a:font script="Deva" typeface="Mangal"/>
+        <a:font script="Telu" typeface="Gautami"/>
+        <a:font script="Taml" typeface="Latha"/>
+        <a:font script="Syrc" typeface="Estrangelo Edessa"/>
+        <a:font script="Orya" typeface="Kalinga"/>
+        <a:font script="Mlym" typeface="Kartika"/>
+        <a:font script="Laoo" typeface="DokChampa"/>
+        <a:font script="Sinh" typeface="Iskoola Pota"/>
+        <a:font script="Mong" typeface="Mongolian Baiti"/>
+        <a:font script="Viet" typeface="Times New Roman"/>
+        <a:font script="Uigh" typeface="Microsoft Uighur"/>
+        <a:font script="Geor" typeface="Sylfaen"/>
+      </a:majorFont>
+      <a:minorFont>
+        <a:latin typeface="Calibri" panose="020F0502020204030204"/>
+        <a:ea typeface=""/>
+        <a:cs typeface=""/>
+        <a:font script="Jpan" typeface="游ゴシック"/>
+        <a:font script="Hang" typeface="맑은 고딕"/>
+        <a:font script="Hans" typeface="等线"/>
+        <a:font script="Hant" typeface="新細明體"/>
+        <a:font script="Arab" typeface="Arial"/>
+        <a:font script="Hebr" typeface="Arial"/>
+        <a:font script="Thai" typeface="Cordia New"/>
+        <a:font script="Ethi" typeface="Nyala"/>
+        <a:font script="Beng" typeface="Vrinda"/>
+        <a:font script="Gujr" typeface="Shruti"/>
+        <a:font script="Khmr" typeface="DaunPenh"/>
+        <a:font script="Knda" typeface="Tunga"/>
+        <a:font script="Guru" typeface="Raavi"/>
+        <a:font script="Cans" typeface="Euphemia"/>
+        <a:font script="Cher" typeface="Plantagenet Cherokee"/>
+        <a:font script="Yiii" typeface="Microsoft Yi Baiti"/>
+        <a:font script="Tibt" typeface="Microsoft Himalaya"/>
+        <a:font script="Thaa" typeface="MV Boli"/>
+        <a:font script="Deva" typeface="Mangal"/>
+        <a:font script="Telu" typeface="Gautami"/>
+        <a:font script="Taml" typeface="Latha"/>
+        <a:font script="Syrc" typeface="Estrangelo Edessa"/>
+        <a:font script="Orya" typeface="Kalinga"/>
+        <a:font script="Mlym" typeface="Kartika"/>
+        <a:font script="Laoo" typeface="DokChampa"/>
+        <a:font script="Sinh" typeface="Iskoola Pota"/>
+        <a:font script="Mong" typeface="Mongolian Baiti"/>
+        <a:font script="Viet" typeface="Arial"/>
+        <a:font script="Uigh" typeface="Microsoft Uighur"/>
+        <a:font script="Geor" typeface="Sylfaen"/>
+      </a:minorFont>
+    </a:fontScheme>
+    <a:fmtScheme name="Office">
+      <a:fillStyleLst>
+        <a:solidFill>
+          <a:schemeClr val="phClr"/>
+        </a:solidFill>
+        <a:gradFill rotWithShape="1">
+          <a:gsLst>
+            <a:gs pos="0">
+              <a:schemeClr val="phClr">
+                <a:lumMod val="110000"/>
+                <a:satMod val="105000"/>
+                <a:tint val="67000"/>
+              </a:schemeClr>
+            </a:gs>
+            <a:gs pos="50000">
+              <a:schemeClr val="phClr">
+                <a:lumMod val="105000"/>
+                <a:satMod val="103000"/>
+                <a:tint val="73000"/>
+              </a:schemeClr>
+            </a:gs>
+            <a:gs pos="100000">
+              <a:schemeClr val="phClr">
+                <a:lumMod val="105000"/>
+                <a:satMod val="109000"/>
+                <a:tint val="81000"/>
+              </a:schemeClr>
+            </a:gs>
+          </a:gsLst>
+          <a:lin ang="5400000" scaled="0"/>
+        </a:gradFill>
+        <a:gradFill rotWithShape="1">
+          <a:gsLst>
+            <a:gs pos="0">
+              <a:schemeClr val="phClr">
+                <a:satMod val="103000"/>
+                <a:lumMod val="102000"/>
+                <a:tint val="94000"/>
+              </a:schemeClr>
+            </a:gs>
+            <a:gs pos="50000">
+              <a:schemeClr val="phClr">
+                <a:satMod val="110000"/>
+                <a:lumMod val="100000"/>
+                <a:shade val="100000"/>
+              </a:schemeClr>
+            </a:gs>
+            <a:gs pos="100000">
+              <a:schemeClr val="phClr">
+                <a:lumMod val="99000"/>
+                <a:satMod val="120000"/>
+                <a:shade val="78000"/>
+              </a:schemeClr>
+            </a:gs>
+          </a:gsLst>
+          <a:lin ang="5400000" scaled="0"/>
+        </a:gradFill>
+      </a:fillStyleLst>
+      <a:lnStyleLst>
+        <a:ln w="6350" cap="flat" cmpd="sng" algn="ctr">
+          <a:solidFill>
+            <a:schemeClr val="phClr"/>
+          </a:solidFill>
+          <a:prstDash val="solid"/>
+          <a:miter lim="800000"/>
+        </a:ln>
+        <a:ln w="12700" cap="flat" cmpd="sng" algn="ctr">
+          <a:solidFill>
+            <a:schemeClr val="phClr"/>
+          </a:solidFill>
+          <a:prstDash val="solid"/>
+          <a:miter lim="800000"/>
+        </a:ln>
+        <a:ln w="19050" cap="flat" cmpd="sng" algn="ctr">
+          <a:solidFill>
+            <a:schemeClr val="phClr"/>
+          </a:solidFill>
+          <a:prstDash val="solid"/>
+          <a:miter lim="800000"/>
+        </a:ln>
+      </a:lnStyleLst>
+      <a:effectStyleLst>
+        <a:effectStyle>
+          <a:effectLst/>
+        </a:effectStyle>
+        <a:effectStyle>
+          <a:effectLst/>
+        </a:effectStyle>
+        <a:effectStyle>
+          <a:effectLst>
+            <a:outerShdw blurRad="57150" dist="19050" dir="5400000" algn="ctr" rotWithShape="0">
+              <a:srgbClr val="000000">
+                <a:alpha val="63000"/>
+              </a:srgbClr>
+            </a:outerShdw>
+          </a:effectLst>
+        </a:effectStyle>
+      </a:effectStyleLst>
+      <a:bgFillStyleLst>
+        <a:solidFill>
+          <a:schemeClr val="phClr"/>
+        </a:solidFill>
+        <a:solidFill>
+          <a:schemeClr val="phClr">
+            <a:tint val="95000"/>
+            <a:satMod val="170000"/>
+          </a:schemeClr>
+        </a:solidFill>
+        <a:gradFill rotWithShape="1">
+          <a:gsLst>
+            <a:gs pos="0">
+              <a:schemeClr val="phClr">
+                <a:tint val="93000"/>
+                <a:satMod val="150000"/>
+                <a:shade val="98000"/>
+                <a:lumMod val="102000"/>
+              </a:schemeClr>
+            </a:gs>
+            <a:gs pos="50000">
+              <a:schemeClr val="phClr">
+                <a:tint val="98000"/>
+                <a:satMod val="130000"/>
+                <a:shade val="90000"/>
+                <a:lumMod val="103000"/>
+              </a:schemeClr>
+            </a:gs>
+            <a:gs pos="100000">
+              <a:schemeClr val="phClr">
+                <a:shade val="63000"/>
+                <a:satMod val="120000"/>
+              </a:schemeClr>
+            </a:gs>
+          </a:gsLst>
+          <a:lin ang="5400000" scaled="0"/>
+        </a:gradFill>
+      </a:bgFillStyleLst>
+    </a:fmtScheme>
+  </a:themeElements>
+  <a:objectDefaults/>
+  <a:extraClrSchemeLst/>
+  <a:extLst>
+    <a:ext uri="{05A4C25C-085E-4340-85A3-A5531E510DB2}">
+      <thm15:themeFamily xmlns:thm15="http://schemas.microsoft.com/office/thememl/2012/main" name="Office Theme" id="{62F939B6-93AF-4DB8-9C6B-D6C7DFDC589F}" vid="{4A3C46E8-61CC-4603-A589-7422A47A8E4A}"/>
+    </a:ext>
+  </a:extLst>
+</a:theme>
 </file>
--- a/Documentation/Group 3 -FCEPH Final.pptx
+++ b/Documentation/Group 3 -FCEPH Final.pptx
@@ -209,7 +209,7 @@
           <a:p>
             <a:fld id="{1C6426D4-858D-42B4-8A03-639BFCE1679A}" type="datetimeFigureOut">
               <a:rPr lang="en-GB" smtClean="0"/>
-              <a:t>08/04/2017</a:t>
+              <a:t>10/04/2017</a:t>
             </a:fld>
             <a:endParaRPr lang="en-GB"/>
           </a:p>
@@ -1108,7 +1108,7 @@
           <a:p>
             <a:fld id="{5176CD83-EC6D-4E6C-89BB-FEECE4F4A3E0}" type="datetimeFigureOut">
               <a:rPr lang="en-GB" smtClean="0"/>
-              <a:t>08/04/2017</a:t>
+              <a:t>10/04/2017</a:t>
             </a:fld>
             <a:endParaRPr lang="en-GB"/>
           </a:p>
@@ -1329,7 +1329,7 @@
           <a:p>
             <a:fld id="{5176CD83-EC6D-4E6C-89BB-FEECE4F4A3E0}" type="datetimeFigureOut">
               <a:rPr lang="en-GB" smtClean="0"/>
-              <a:t>08/04/2017</a:t>
+              <a:t>10/04/2017</a:t>
             </a:fld>
             <a:endParaRPr lang="en-GB"/>
           </a:p>
@@ -1509,7 +1509,7 @@
           <a:p>
             <a:fld id="{5176CD83-EC6D-4E6C-89BB-FEECE4F4A3E0}" type="datetimeFigureOut">
               <a:rPr lang="en-GB" smtClean="0"/>
-              <a:t>08/04/2017</a:t>
+              <a:t>10/04/2017</a:t>
             </a:fld>
             <a:endParaRPr lang="en-GB"/>
           </a:p>
@@ -1679,7 +1679,7 @@
           <a:p>
             <a:fld id="{5176CD83-EC6D-4E6C-89BB-FEECE4F4A3E0}" type="datetimeFigureOut">
               <a:rPr lang="en-GB" smtClean="0"/>
-              <a:t>08/04/2017</a:t>
+              <a:t>10/04/2017</a:t>
             </a:fld>
             <a:endParaRPr lang="en-GB"/>
           </a:p>
@@ -1930,7 +1930,7 @@
           <a:p>
             <a:fld id="{5176CD83-EC6D-4E6C-89BB-FEECE4F4A3E0}" type="datetimeFigureOut">
               <a:rPr lang="en-GB" smtClean="0"/>
-              <a:t>08/04/2017</a:t>
+              <a:t>10/04/2017</a:t>
             </a:fld>
             <a:endParaRPr lang="en-GB"/>
           </a:p>
@@ -2253,7 +2253,7 @@
           <a:p>
             <a:fld id="{5176CD83-EC6D-4E6C-89BB-FEECE4F4A3E0}" type="datetimeFigureOut">
               <a:rPr lang="en-GB" smtClean="0"/>
-              <a:t>08/04/2017</a:t>
+              <a:t>10/04/2017</a:t>
             </a:fld>
             <a:endParaRPr lang="en-GB"/>
           </a:p>
@@ -2677,7 +2677,7 @@
           <a:p>
             <a:fld id="{5176CD83-EC6D-4E6C-89BB-FEECE4F4A3E0}" type="datetimeFigureOut">
               <a:rPr lang="en-GB" smtClean="0"/>
-              <a:t>08/04/2017</a:t>
+              <a:t>10/04/2017</a:t>
             </a:fld>
             <a:endParaRPr lang="en-GB"/>
           </a:p>
@@ -2795,7 +2795,7 @@
           <a:p>
             <a:fld id="{5176CD83-EC6D-4E6C-89BB-FEECE4F4A3E0}" type="datetimeFigureOut">
               <a:rPr lang="en-GB" smtClean="0"/>
-              <a:t>08/04/2017</a:t>
+              <a:t>10/04/2017</a:t>
             </a:fld>
             <a:endParaRPr lang="en-GB"/>
           </a:p>
@@ -2890,7 +2890,7 @@
           <a:p>
             <a:fld id="{5176CD83-EC6D-4E6C-89BB-FEECE4F4A3E0}" type="datetimeFigureOut">
               <a:rPr lang="en-GB" smtClean="0"/>
-              <a:t>08/04/2017</a:t>
+              <a:t>10/04/2017</a:t>
             </a:fld>
             <a:endParaRPr lang="en-GB"/>
           </a:p>
@@ -3180,7 +3180,7 @@
           <a:p>
             <a:fld id="{5176CD83-EC6D-4E6C-89BB-FEECE4F4A3E0}" type="datetimeFigureOut">
               <a:rPr lang="en-GB" smtClean="0"/>
-              <a:t>08/04/2017</a:t>
+              <a:t>10/04/2017</a:t>
             </a:fld>
             <a:endParaRPr lang="en-GB"/>
           </a:p>
@@ -3452,7 +3452,7 @@
           <a:p>
             <a:fld id="{5176CD83-EC6D-4E6C-89BB-FEECE4F4A3E0}" type="datetimeFigureOut">
               <a:rPr lang="en-GB" smtClean="0"/>
-              <a:t>08/04/2017</a:t>
+              <a:t>10/04/2017</a:t>
             </a:fld>
             <a:endParaRPr lang="en-GB"/>
           </a:p>
@@ -3706,7 +3706,7 @@
           <a:p>
             <a:fld id="{5176CD83-EC6D-4E6C-89BB-FEECE4F4A3E0}" type="datetimeFigureOut">
               <a:rPr lang="en-GB" smtClean="0"/>
-              <a:t>08/04/2017</a:t>
+              <a:t>10/04/2017</a:t>
             </a:fld>
             <a:endParaRPr lang="en-GB"/>
           </a:p>
@@ -5168,7 +5168,6 @@
               <a:rPr lang="en-GB" dirty="0"/>
               <a:t>FCEPH | Recap</a:t>
             </a:r>
-            <a:endParaRPr lang="en-GB" dirty="0"/>
           </a:p>
         </p:txBody>
       </p:sp>
@@ -5247,7 +5246,6 @@
               <a:rPr lang="en-GB" dirty="0"/>
               <a:t>FCEPH | Recap</a:t>
             </a:r>
-            <a:endParaRPr lang="en-GB" dirty="0"/>
           </a:p>
         </p:txBody>
       </p:sp>
@@ -5346,7 +5344,9 @@
         </p:nvSpPr>
         <p:spPr/>
         <p:txBody>
-          <a:bodyPr/>
+          <a:bodyPr>
+            <a:normAutofit lnSpcReduction="10000"/>
+          </a:bodyPr>
           <a:lstStyle/>
           <a:p>
             <a:r>
@@ -5359,10 +5359,115 @@
             </a:r>
           </a:p>
           <a:p>
+            <a:pPr>
+              <a:buFont typeface="Wingdings" charset="2"/>
+              <a:buChar char="§"/>
+            </a:pPr>
+            <a:r>
+              <a:rPr lang="en-GB" sz="1700" dirty="0" smtClean="0"/>
+              <a:t>Meeting Minute Documentation </a:t>
+            </a:r>
+          </a:p>
+          <a:p>
+            <a:pPr>
+              <a:buFont typeface="Wingdings" charset="2"/>
+              <a:buChar char="§"/>
+            </a:pPr>
+            <a:r>
+              <a:rPr lang="en-GB" sz="1700" dirty="0" smtClean="0"/>
+              <a:t>Project Planning with the team</a:t>
+            </a:r>
+            <a:endParaRPr lang="en-GB" sz="1700" dirty="0" smtClean="0"/>
+          </a:p>
+          <a:p>
             <a:r>
               <a:rPr lang="en-GB" sz="2400" b="1" dirty="0" smtClean="0"/>
-              <a:t>Suppliers Interface</a:t>
-            </a:r>
+              <a:t>Suppliers </a:t>
+            </a:r>
+            <a:r>
+              <a:rPr lang="en-GB" sz="2400" b="1" dirty="0" smtClean="0"/>
+              <a:t>Interface</a:t>
+            </a:r>
+          </a:p>
+          <a:p>
+            <a:pPr lvl="0">
+              <a:buFont typeface="Wingdings" charset="2"/>
+              <a:buChar char="§"/>
+            </a:pPr>
+            <a:r>
+              <a:rPr lang="en-GB" sz="1600" dirty="0" smtClean="0"/>
+              <a:t>User </a:t>
+            </a:r>
+            <a:r>
+              <a:rPr lang="en-GB" sz="1600" dirty="0"/>
+              <a:t>should be able to view stock amount. </a:t>
+            </a:r>
+            <a:r>
+              <a:rPr lang="en-GB" sz="1600" b="1" dirty="0"/>
+              <a:t>REMOVED</a:t>
+            </a:r>
+            <a:endParaRPr lang="en-GB" sz="1600" dirty="0"/>
+          </a:p>
+          <a:p>
+            <a:pPr lvl="0">
+              <a:buFont typeface="Wingdings" charset="2"/>
+              <a:buChar char="§"/>
+            </a:pPr>
+            <a:r>
+              <a:rPr lang="en-GB" sz="1600" dirty="0"/>
+              <a:t>There should be a list of suppliers with their details.</a:t>
+            </a:r>
+          </a:p>
+          <a:p>
+            <a:pPr lvl="0">
+              <a:buFont typeface="Wingdings" charset="2"/>
+              <a:buChar char="§"/>
+            </a:pPr>
+            <a:r>
+              <a:rPr lang="en-GB" sz="1600" dirty="0"/>
+              <a:t>User should be able to select a supplier.</a:t>
+            </a:r>
+          </a:p>
+          <a:p>
+            <a:pPr lvl="0">
+              <a:buFont typeface="Wingdings" charset="2"/>
+              <a:buChar char="§"/>
+            </a:pPr>
+            <a:r>
+              <a:rPr lang="en-GB" sz="1600" dirty="0"/>
+              <a:t>User should be able to select type of product from supplier.</a:t>
+            </a:r>
+          </a:p>
+          <a:p>
+            <a:pPr lvl="0">
+              <a:buFont typeface="Wingdings" charset="2"/>
+              <a:buChar char="§"/>
+            </a:pPr>
+            <a:r>
+              <a:rPr lang="en-GB" sz="1600" dirty="0"/>
+              <a:t>User should be able to place order with supplier.</a:t>
+            </a:r>
+          </a:p>
+          <a:p>
+            <a:pPr lvl="0">
+              <a:buFont typeface="Wingdings" charset="2"/>
+              <a:buChar char="§"/>
+            </a:pPr>
+            <a:r>
+              <a:rPr lang="en-GB" sz="1600" dirty="0"/>
+              <a:t>Stock should be updated.</a:t>
+            </a:r>
+            <a:r>
+              <a:rPr lang="en-GB" sz="1600" b="1" dirty="0"/>
+              <a:t> REMOVED</a:t>
+            </a:r>
+            <a:endParaRPr lang="en-GB" sz="1600" dirty="0"/>
+          </a:p>
+          <a:p>
+            <a:pPr>
+              <a:buFont typeface="Wingdings" charset="2"/>
+              <a:buChar char="§"/>
+            </a:pPr>
             <a:endParaRPr lang="en-GB" sz="2400" b="1" dirty="0"/>
           </a:p>
         </p:txBody>
@@ -5414,7 +5519,12 @@
             <p:ph type="title"/>
           </p:nvPr>
         </p:nvSpPr>
-        <p:spPr/>
+        <p:spPr>
+          <a:xfrm>
+            <a:off x="144378" y="119280"/>
+            <a:ext cx="9875520" cy="1356360"/>
+          </a:xfrm>
+        </p:spPr>
         <p:txBody>
           <a:bodyPr/>
           <a:lstStyle/>
@@ -5445,12 +5555,927 @@
             <p:ph idx="1"/>
           </p:nvPr>
         </p:nvSpPr>
-        <p:spPr/>
-        <p:txBody>
-          <a:bodyPr/>
-          <a:lstStyle/>
-          <a:p>
-            <a:endParaRPr lang="en-GB"/>
+        <p:spPr>
+          <a:xfrm>
+            <a:off x="4665321" y="1331660"/>
+            <a:ext cx="3545307" cy="859928"/>
+          </a:xfrm>
+        </p:spPr>
+        <p:txBody>
+          <a:bodyPr>
+            <a:normAutofit fontScale="92500" lnSpcReduction="10000"/>
+          </a:bodyPr>
+          <a:lstStyle/>
+          <a:p>
+            <a:r>
+              <a:rPr lang="en-GB" dirty="0" smtClean="0"/>
+              <a:t>WBS: It tell you what divides my roles and duties in the whole project.  </a:t>
+            </a:r>
+          </a:p>
+          <a:p>
+            <a:endParaRPr lang="en-GB" dirty="0"/>
+          </a:p>
+        </p:txBody>
+      </p:sp>
+      <p:pic>
+        <p:nvPicPr>
+          <p:cNvPr id="4" name="Picture 3" descr="../../../../Desktop/Screen%20Shot%202017-04-09%20at%2018.5"/>
+          <p:cNvPicPr/>
+          <p:nvPr/>
+        </p:nvPicPr>
+        <p:blipFill rotWithShape="1">
+          <a:blip r:embed="rId2">
+            <a:extLst>
+              <a:ext uri="{28A0092B-C50C-407E-A947-70E740481C1C}">
+                <a14:useLocalDpi xmlns:a14="http://schemas.microsoft.com/office/drawing/2010/main" val="0"/>
+              </a:ext>
+            </a:extLst>
+          </a:blip>
+          <a:srcRect t="10347" r="7158" b="11262"/>
+          <a:stretch/>
+        </p:blipFill>
+        <p:spPr bwMode="auto">
+          <a:xfrm>
+            <a:off x="8142090" y="325931"/>
+            <a:ext cx="3745112" cy="2791326"/>
+          </a:xfrm>
+          <a:prstGeom prst="rect">
+            <a:avLst/>
+          </a:prstGeom>
+          <a:noFill/>
+          <a:ln>
+            <a:noFill/>
+          </a:ln>
+        </p:spPr>
+      </p:pic>
+      <p:pic>
+        <p:nvPicPr>
+          <p:cNvPr id="5" name="Picture 4" descr="../../../../Desktop/Screen%20Shot%202017-04-09%20at%2002.5"/>
+          <p:cNvPicPr/>
+          <p:nvPr/>
+        </p:nvPicPr>
+        <p:blipFill rotWithShape="1">
+          <a:blip r:embed="rId3">
+            <a:extLst>
+              <a:ext uri="{28A0092B-C50C-407E-A947-70E740481C1C}">
+                <a14:useLocalDpi xmlns:a14="http://schemas.microsoft.com/office/drawing/2010/main" val="0"/>
+              </a:ext>
+            </a:extLst>
+          </a:blip>
+          <a:srcRect b="17979"/>
+          <a:stretch/>
+        </p:blipFill>
+        <p:spPr bwMode="auto">
+          <a:xfrm>
+            <a:off x="274153" y="5762324"/>
+            <a:ext cx="11613049" cy="850231"/>
+          </a:xfrm>
+          <a:prstGeom prst="rect">
+            <a:avLst/>
+          </a:prstGeom>
+          <a:noFill/>
+          <a:ln>
+            <a:noFill/>
+          </a:ln>
+        </p:spPr>
+      </p:pic>
+      <p:sp>
+        <p:nvSpPr>
+          <p:cNvPr id="6" name="Content Placeholder 2"/>
+          <p:cNvSpPr txBox="1">
+            <a:spLocks/>
+          </p:cNvSpPr>
+          <p:nvPr/>
+        </p:nvSpPr>
+        <p:spPr>
+          <a:xfrm>
+            <a:off x="274153" y="5110734"/>
+            <a:ext cx="5321968" cy="649211"/>
+          </a:xfrm>
+          <a:prstGeom prst="rect">
+            <a:avLst/>
+          </a:prstGeom>
+        </p:spPr>
+        <p:txBody>
+          <a:bodyPr vert="horz" lIns="91440" tIns="45720" rIns="91440" bIns="45720" rtlCol="0">
+            <a:normAutofit fontScale="85000" lnSpcReduction="10000"/>
+          </a:bodyPr>
+          <a:lstStyle>
+            <a:lvl1pPr marL="228600" indent="-182880" algn="l" defTabSz="914400" rtl="0" eaLnBrk="1" latinLnBrk="0" hangingPunct="1">
+              <a:lnSpc>
+                <a:spcPct val="90000"/>
+              </a:lnSpc>
+              <a:spcBef>
+                <a:spcPts val="1400"/>
+              </a:spcBef>
+              <a:buClr>
+                <a:schemeClr val="accent1"/>
+              </a:buClr>
+              <a:buSzPct val="80000"/>
+              <a:buFont typeface="Corbel" pitchFamily="34" charset="0"/>
+              <a:buChar char="•"/>
+              <a:defRPr sz="2200" kern="1200">
+                <a:solidFill>
+                  <a:schemeClr val="accent1"/>
+                </a:solidFill>
+                <a:latin typeface="+mn-lt"/>
+                <a:ea typeface="+mn-ea"/>
+                <a:cs typeface="+mn-cs"/>
+              </a:defRPr>
+            </a:lvl1pPr>
+            <a:lvl2pPr marL="457200" indent="-182880" algn="l" defTabSz="914400" rtl="0" eaLnBrk="1" latinLnBrk="0" hangingPunct="1">
+              <a:lnSpc>
+                <a:spcPct val="90000"/>
+              </a:lnSpc>
+              <a:spcBef>
+                <a:spcPts val="200"/>
+              </a:spcBef>
+              <a:spcAft>
+                <a:spcPts val="400"/>
+              </a:spcAft>
+              <a:buClr>
+                <a:schemeClr val="accent1"/>
+              </a:buClr>
+              <a:buSzPct val="80000"/>
+              <a:buFont typeface="Corbel" pitchFamily="34" charset="0"/>
+              <a:buChar char="•"/>
+              <a:defRPr sz="2000" kern="1200">
+                <a:solidFill>
+                  <a:schemeClr val="accent1"/>
+                </a:solidFill>
+                <a:latin typeface="+mn-lt"/>
+                <a:ea typeface="+mn-ea"/>
+                <a:cs typeface="+mn-cs"/>
+              </a:defRPr>
+            </a:lvl2pPr>
+            <a:lvl3pPr marL="731520" indent="-182880" algn="l" defTabSz="914400" rtl="0" eaLnBrk="1" latinLnBrk="0" hangingPunct="1">
+              <a:lnSpc>
+                <a:spcPct val="90000"/>
+              </a:lnSpc>
+              <a:spcBef>
+                <a:spcPts val="200"/>
+              </a:spcBef>
+              <a:spcAft>
+                <a:spcPts val="400"/>
+              </a:spcAft>
+              <a:buClr>
+                <a:schemeClr val="accent1"/>
+              </a:buClr>
+              <a:buSzPct val="80000"/>
+              <a:buFont typeface="Corbel" pitchFamily="34" charset="0"/>
+              <a:buChar char="•"/>
+              <a:defRPr sz="1800" kern="1200">
+                <a:solidFill>
+                  <a:schemeClr val="accent1"/>
+                </a:solidFill>
+                <a:latin typeface="+mn-lt"/>
+                <a:ea typeface="+mn-ea"/>
+                <a:cs typeface="+mn-cs"/>
+              </a:defRPr>
+            </a:lvl3pPr>
+            <a:lvl4pPr marL="1005840" indent="-182880" algn="l" defTabSz="914400" rtl="0" eaLnBrk="1" latinLnBrk="0" hangingPunct="1">
+              <a:lnSpc>
+                <a:spcPct val="90000"/>
+              </a:lnSpc>
+              <a:spcBef>
+                <a:spcPts val="200"/>
+              </a:spcBef>
+              <a:spcAft>
+                <a:spcPts val="400"/>
+              </a:spcAft>
+              <a:buClr>
+                <a:schemeClr val="accent1"/>
+              </a:buClr>
+              <a:buSzPct val="80000"/>
+              <a:buFont typeface="Corbel" pitchFamily="34" charset="0"/>
+              <a:buChar char="•"/>
+              <a:defRPr sz="1600" kern="1200">
+                <a:solidFill>
+                  <a:schemeClr val="accent1"/>
+                </a:solidFill>
+                <a:latin typeface="+mn-lt"/>
+                <a:ea typeface="+mn-ea"/>
+                <a:cs typeface="+mn-cs"/>
+              </a:defRPr>
+            </a:lvl4pPr>
+            <a:lvl5pPr marL="1280160" indent="-182880" algn="l" defTabSz="914400" rtl="0" eaLnBrk="1" latinLnBrk="0" hangingPunct="1">
+              <a:lnSpc>
+                <a:spcPct val="90000"/>
+              </a:lnSpc>
+              <a:spcBef>
+                <a:spcPts val="200"/>
+              </a:spcBef>
+              <a:spcAft>
+                <a:spcPts val="400"/>
+              </a:spcAft>
+              <a:buClr>
+                <a:schemeClr val="accent1"/>
+              </a:buClr>
+              <a:buSzPct val="80000"/>
+              <a:buFont typeface="Corbel" pitchFamily="34" charset="0"/>
+              <a:buChar char="•"/>
+              <a:defRPr sz="1600" kern="1200">
+                <a:solidFill>
+                  <a:schemeClr val="accent1"/>
+                </a:solidFill>
+                <a:latin typeface="+mn-lt"/>
+                <a:ea typeface="+mn-ea"/>
+                <a:cs typeface="+mn-cs"/>
+              </a:defRPr>
+            </a:lvl5pPr>
+            <a:lvl6pPr marL="1600000" indent="-228600" algn="l" defTabSz="914400" rtl="0" eaLnBrk="1" latinLnBrk="0" hangingPunct="1">
+              <a:lnSpc>
+                <a:spcPct val="90000"/>
+              </a:lnSpc>
+              <a:spcBef>
+                <a:spcPts val="200"/>
+              </a:spcBef>
+              <a:spcAft>
+                <a:spcPts val="400"/>
+              </a:spcAft>
+              <a:buClr>
+                <a:schemeClr val="accent1"/>
+              </a:buClr>
+              <a:buSzPct val="80000"/>
+              <a:buFont typeface="Corbel" pitchFamily="34" charset="0"/>
+              <a:buChar char="•"/>
+              <a:defRPr sz="1600" kern="1200">
+                <a:solidFill>
+                  <a:schemeClr val="accent1"/>
+                </a:solidFill>
+                <a:latin typeface="+mn-lt"/>
+                <a:ea typeface="+mn-ea"/>
+                <a:cs typeface="+mn-cs"/>
+              </a:defRPr>
+            </a:lvl6pPr>
+            <a:lvl7pPr marL="1900000" indent="-228600" algn="l" defTabSz="914400" rtl="0" eaLnBrk="1" latinLnBrk="0" hangingPunct="1">
+              <a:lnSpc>
+                <a:spcPct val="90000"/>
+              </a:lnSpc>
+              <a:spcBef>
+                <a:spcPts val="200"/>
+              </a:spcBef>
+              <a:spcAft>
+                <a:spcPts val="400"/>
+              </a:spcAft>
+              <a:buClr>
+                <a:schemeClr val="accent1"/>
+              </a:buClr>
+              <a:buSzPct val="80000"/>
+              <a:buFont typeface="Corbel" pitchFamily="34" charset="0"/>
+              <a:buChar char="•"/>
+              <a:defRPr sz="1600" kern="1200">
+                <a:solidFill>
+                  <a:schemeClr val="accent1"/>
+                </a:solidFill>
+                <a:latin typeface="+mn-lt"/>
+                <a:ea typeface="+mn-ea"/>
+                <a:cs typeface="+mn-cs"/>
+              </a:defRPr>
+            </a:lvl7pPr>
+            <a:lvl8pPr marL="2200000" indent="-228600" algn="l" defTabSz="914400" rtl="0" eaLnBrk="1" latinLnBrk="0" hangingPunct="1">
+              <a:lnSpc>
+                <a:spcPct val="90000"/>
+              </a:lnSpc>
+              <a:spcBef>
+                <a:spcPts val="200"/>
+              </a:spcBef>
+              <a:spcAft>
+                <a:spcPts val="400"/>
+              </a:spcAft>
+              <a:buClr>
+                <a:schemeClr val="accent1"/>
+              </a:buClr>
+              <a:buSzPct val="80000"/>
+              <a:buFont typeface="Corbel" pitchFamily="34" charset="0"/>
+              <a:buChar char="•"/>
+              <a:defRPr sz="1600" kern="1200">
+                <a:solidFill>
+                  <a:schemeClr val="accent1"/>
+                </a:solidFill>
+                <a:latin typeface="+mn-lt"/>
+                <a:ea typeface="+mn-ea"/>
+                <a:cs typeface="+mn-cs"/>
+              </a:defRPr>
+            </a:lvl8pPr>
+            <a:lvl9pPr marL="2500000" indent="-228600" algn="l" defTabSz="914400" rtl="0" eaLnBrk="1" latinLnBrk="0" hangingPunct="1">
+              <a:lnSpc>
+                <a:spcPct val="90000"/>
+              </a:lnSpc>
+              <a:spcBef>
+                <a:spcPts val="200"/>
+              </a:spcBef>
+              <a:spcAft>
+                <a:spcPts val="400"/>
+              </a:spcAft>
+              <a:buClr>
+                <a:schemeClr val="accent1"/>
+              </a:buClr>
+              <a:buSzPct val="80000"/>
+              <a:buFont typeface="Corbel" pitchFamily="34" charset="0"/>
+              <a:buChar char="•"/>
+              <a:defRPr sz="1600" kern="1200">
+                <a:solidFill>
+                  <a:schemeClr val="accent1"/>
+                </a:solidFill>
+                <a:latin typeface="+mn-lt"/>
+                <a:ea typeface="+mn-ea"/>
+                <a:cs typeface="+mn-cs"/>
+              </a:defRPr>
+            </a:lvl9pPr>
+          </a:lstStyle>
+          <a:p>
+            <a:r>
+              <a:rPr lang="en-GB" dirty="0" smtClean="0"/>
+              <a:t>Risk Registry : Show you some of the Positive Risk and Negative Risk developed in the project. </a:t>
+            </a:r>
+          </a:p>
+          <a:p>
+            <a:endParaRPr lang="en-GB" dirty="0"/>
+          </a:p>
+        </p:txBody>
+      </p:sp>
+      <p:pic>
+        <p:nvPicPr>
+          <p:cNvPr id="8" name="Picture 7" descr="../../../../Desktop/Screen%20Shot%202017-04-09%20at%2018.1"/>
+          <p:cNvPicPr/>
+          <p:nvPr/>
+        </p:nvPicPr>
+        <p:blipFill rotWithShape="1">
+          <a:blip r:embed="rId4">
+            <a:extLst>
+              <a:ext uri="{28A0092B-C50C-407E-A947-70E740481C1C}">
+                <a14:useLocalDpi xmlns:a14="http://schemas.microsoft.com/office/drawing/2010/main" val="0"/>
+              </a:ext>
+            </a:extLst>
+          </a:blip>
+          <a:srcRect l="34585"/>
+          <a:stretch/>
+        </p:blipFill>
+        <p:spPr bwMode="auto">
+          <a:xfrm>
+            <a:off x="274153" y="1300818"/>
+            <a:ext cx="4459705" cy="3468505"/>
+          </a:xfrm>
+          <a:prstGeom prst="rect">
+            <a:avLst/>
+          </a:prstGeom>
+          <a:noFill/>
+          <a:ln>
+            <a:noFill/>
+          </a:ln>
+        </p:spPr>
+      </p:pic>
+      <p:sp>
+        <p:nvSpPr>
+          <p:cNvPr id="9" name="Content Placeholder 2"/>
+          <p:cNvSpPr txBox="1">
+            <a:spLocks/>
+          </p:cNvSpPr>
+          <p:nvPr/>
+        </p:nvSpPr>
+        <p:spPr>
+          <a:xfrm>
+            <a:off x="4730209" y="2830352"/>
+            <a:ext cx="3545307" cy="925670"/>
+          </a:xfrm>
+          <a:prstGeom prst="rect">
+            <a:avLst/>
+          </a:prstGeom>
+        </p:spPr>
+        <p:txBody>
+          <a:bodyPr vert="horz" lIns="91440" tIns="45720" rIns="91440" bIns="45720" rtlCol="0">
+            <a:normAutofit fontScale="85000" lnSpcReduction="10000"/>
+          </a:bodyPr>
+          <a:lstStyle>
+            <a:lvl1pPr marL="228600" indent="-182880" algn="l" defTabSz="914400" rtl="0" eaLnBrk="1" latinLnBrk="0" hangingPunct="1">
+              <a:lnSpc>
+                <a:spcPct val="90000"/>
+              </a:lnSpc>
+              <a:spcBef>
+                <a:spcPts val="1400"/>
+              </a:spcBef>
+              <a:buClr>
+                <a:schemeClr val="accent1"/>
+              </a:buClr>
+              <a:buSzPct val="80000"/>
+              <a:buFont typeface="Corbel" pitchFamily="34" charset="0"/>
+              <a:buChar char="•"/>
+              <a:defRPr sz="2200" kern="1200">
+                <a:solidFill>
+                  <a:schemeClr val="accent1"/>
+                </a:solidFill>
+                <a:latin typeface="+mn-lt"/>
+                <a:ea typeface="+mn-ea"/>
+                <a:cs typeface="+mn-cs"/>
+              </a:defRPr>
+            </a:lvl1pPr>
+            <a:lvl2pPr marL="457200" indent="-182880" algn="l" defTabSz="914400" rtl="0" eaLnBrk="1" latinLnBrk="0" hangingPunct="1">
+              <a:lnSpc>
+                <a:spcPct val="90000"/>
+              </a:lnSpc>
+              <a:spcBef>
+                <a:spcPts val="200"/>
+              </a:spcBef>
+              <a:spcAft>
+                <a:spcPts val="400"/>
+              </a:spcAft>
+              <a:buClr>
+                <a:schemeClr val="accent1"/>
+              </a:buClr>
+              <a:buSzPct val="80000"/>
+              <a:buFont typeface="Corbel" pitchFamily="34" charset="0"/>
+              <a:buChar char="•"/>
+              <a:defRPr sz="2000" kern="1200">
+                <a:solidFill>
+                  <a:schemeClr val="accent1"/>
+                </a:solidFill>
+                <a:latin typeface="+mn-lt"/>
+                <a:ea typeface="+mn-ea"/>
+                <a:cs typeface="+mn-cs"/>
+              </a:defRPr>
+            </a:lvl2pPr>
+            <a:lvl3pPr marL="731520" indent="-182880" algn="l" defTabSz="914400" rtl="0" eaLnBrk="1" latinLnBrk="0" hangingPunct="1">
+              <a:lnSpc>
+                <a:spcPct val="90000"/>
+              </a:lnSpc>
+              <a:spcBef>
+                <a:spcPts val="200"/>
+              </a:spcBef>
+              <a:spcAft>
+                <a:spcPts val="400"/>
+              </a:spcAft>
+              <a:buClr>
+                <a:schemeClr val="accent1"/>
+              </a:buClr>
+              <a:buSzPct val="80000"/>
+              <a:buFont typeface="Corbel" pitchFamily="34" charset="0"/>
+              <a:buChar char="•"/>
+              <a:defRPr sz="1800" kern="1200">
+                <a:solidFill>
+                  <a:schemeClr val="accent1"/>
+                </a:solidFill>
+                <a:latin typeface="+mn-lt"/>
+                <a:ea typeface="+mn-ea"/>
+                <a:cs typeface="+mn-cs"/>
+              </a:defRPr>
+            </a:lvl3pPr>
+            <a:lvl4pPr marL="1005840" indent="-182880" algn="l" defTabSz="914400" rtl="0" eaLnBrk="1" latinLnBrk="0" hangingPunct="1">
+              <a:lnSpc>
+                <a:spcPct val="90000"/>
+              </a:lnSpc>
+              <a:spcBef>
+                <a:spcPts val="200"/>
+              </a:spcBef>
+              <a:spcAft>
+                <a:spcPts val="400"/>
+              </a:spcAft>
+              <a:buClr>
+                <a:schemeClr val="accent1"/>
+              </a:buClr>
+              <a:buSzPct val="80000"/>
+              <a:buFont typeface="Corbel" pitchFamily="34" charset="0"/>
+              <a:buChar char="•"/>
+              <a:defRPr sz="1600" kern="1200">
+                <a:solidFill>
+                  <a:schemeClr val="accent1"/>
+                </a:solidFill>
+                <a:latin typeface="+mn-lt"/>
+                <a:ea typeface="+mn-ea"/>
+                <a:cs typeface="+mn-cs"/>
+              </a:defRPr>
+            </a:lvl4pPr>
+            <a:lvl5pPr marL="1280160" indent="-182880" algn="l" defTabSz="914400" rtl="0" eaLnBrk="1" latinLnBrk="0" hangingPunct="1">
+              <a:lnSpc>
+                <a:spcPct val="90000"/>
+              </a:lnSpc>
+              <a:spcBef>
+                <a:spcPts val="200"/>
+              </a:spcBef>
+              <a:spcAft>
+                <a:spcPts val="400"/>
+              </a:spcAft>
+              <a:buClr>
+                <a:schemeClr val="accent1"/>
+              </a:buClr>
+              <a:buSzPct val="80000"/>
+              <a:buFont typeface="Corbel" pitchFamily="34" charset="0"/>
+              <a:buChar char="•"/>
+              <a:defRPr sz="1600" kern="1200">
+                <a:solidFill>
+                  <a:schemeClr val="accent1"/>
+                </a:solidFill>
+                <a:latin typeface="+mn-lt"/>
+                <a:ea typeface="+mn-ea"/>
+                <a:cs typeface="+mn-cs"/>
+              </a:defRPr>
+            </a:lvl5pPr>
+            <a:lvl6pPr marL="1600000" indent="-228600" algn="l" defTabSz="914400" rtl="0" eaLnBrk="1" latinLnBrk="0" hangingPunct="1">
+              <a:lnSpc>
+                <a:spcPct val="90000"/>
+              </a:lnSpc>
+              <a:spcBef>
+                <a:spcPts val="200"/>
+              </a:spcBef>
+              <a:spcAft>
+                <a:spcPts val="400"/>
+              </a:spcAft>
+              <a:buClr>
+                <a:schemeClr val="accent1"/>
+              </a:buClr>
+              <a:buSzPct val="80000"/>
+              <a:buFont typeface="Corbel" pitchFamily="34" charset="0"/>
+              <a:buChar char="•"/>
+              <a:defRPr sz="1600" kern="1200">
+                <a:solidFill>
+                  <a:schemeClr val="accent1"/>
+                </a:solidFill>
+                <a:latin typeface="+mn-lt"/>
+                <a:ea typeface="+mn-ea"/>
+                <a:cs typeface="+mn-cs"/>
+              </a:defRPr>
+            </a:lvl6pPr>
+            <a:lvl7pPr marL="1900000" indent="-228600" algn="l" defTabSz="914400" rtl="0" eaLnBrk="1" latinLnBrk="0" hangingPunct="1">
+              <a:lnSpc>
+                <a:spcPct val="90000"/>
+              </a:lnSpc>
+              <a:spcBef>
+                <a:spcPts val="200"/>
+              </a:spcBef>
+              <a:spcAft>
+                <a:spcPts val="400"/>
+              </a:spcAft>
+              <a:buClr>
+                <a:schemeClr val="accent1"/>
+              </a:buClr>
+              <a:buSzPct val="80000"/>
+              <a:buFont typeface="Corbel" pitchFamily="34" charset="0"/>
+              <a:buChar char="•"/>
+              <a:defRPr sz="1600" kern="1200">
+                <a:solidFill>
+                  <a:schemeClr val="accent1"/>
+                </a:solidFill>
+                <a:latin typeface="+mn-lt"/>
+                <a:ea typeface="+mn-ea"/>
+                <a:cs typeface="+mn-cs"/>
+              </a:defRPr>
+            </a:lvl7pPr>
+            <a:lvl8pPr marL="2200000" indent="-228600" algn="l" defTabSz="914400" rtl="0" eaLnBrk="1" latinLnBrk="0" hangingPunct="1">
+              <a:lnSpc>
+                <a:spcPct val="90000"/>
+              </a:lnSpc>
+              <a:spcBef>
+                <a:spcPts val="200"/>
+              </a:spcBef>
+              <a:spcAft>
+                <a:spcPts val="400"/>
+              </a:spcAft>
+              <a:buClr>
+                <a:schemeClr val="accent1"/>
+              </a:buClr>
+              <a:buSzPct val="80000"/>
+              <a:buFont typeface="Corbel" pitchFamily="34" charset="0"/>
+              <a:buChar char="•"/>
+              <a:defRPr sz="1600" kern="1200">
+                <a:solidFill>
+                  <a:schemeClr val="accent1"/>
+                </a:solidFill>
+                <a:latin typeface="+mn-lt"/>
+                <a:ea typeface="+mn-ea"/>
+                <a:cs typeface="+mn-cs"/>
+              </a:defRPr>
+            </a:lvl8pPr>
+            <a:lvl9pPr marL="2500000" indent="-228600" algn="l" defTabSz="914400" rtl="0" eaLnBrk="1" latinLnBrk="0" hangingPunct="1">
+              <a:lnSpc>
+                <a:spcPct val="90000"/>
+              </a:lnSpc>
+              <a:spcBef>
+                <a:spcPts val="200"/>
+              </a:spcBef>
+              <a:spcAft>
+                <a:spcPts val="400"/>
+              </a:spcAft>
+              <a:buClr>
+                <a:schemeClr val="accent1"/>
+              </a:buClr>
+              <a:buSzPct val="80000"/>
+              <a:buFont typeface="Corbel" pitchFamily="34" charset="0"/>
+              <a:buChar char="•"/>
+              <a:defRPr sz="1600" kern="1200">
+                <a:solidFill>
+                  <a:schemeClr val="accent1"/>
+                </a:solidFill>
+                <a:latin typeface="+mn-lt"/>
+                <a:ea typeface="+mn-ea"/>
+                <a:cs typeface="+mn-cs"/>
+              </a:defRPr>
+            </a:lvl9pPr>
+          </a:lstStyle>
+          <a:p>
+            <a:r>
+              <a:rPr lang="en-GB" dirty="0" smtClean="0"/>
+              <a:t>Gantt Chart showing you how much time it took me to finish certain aspect </a:t>
+            </a:r>
+            <a:r>
+              <a:rPr lang="en-GB" smtClean="0"/>
+              <a:t>of the projects.</a:t>
+            </a:r>
+            <a:endParaRPr lang="en-GB" dirty="0" smtClean="0"/>
+          </a:p>
+          <a:p>
+            <a:endParaRPr lang="en-GB" dirty="0"/>
+          </a:p>
+        </p:txBody>
+      </p:sp>
+      <p:pic>
+        <p:nvPicPr>
+          <p:cNvPr id="10" name="Picture 9" descr="/Users/anis/Desktop/Screen Shot 2017-04-07 at 21.03.34.png"/>
+          <p:cNvPicPr/>
+          <p:nvPr/>
+        </p:nvPicPr>
+        <p:blipFill rotWithShape="1">
+          <a:blip r:embed="rId5">
+            <a:extLst>
+              <a:ext uri="{28A0092B-C50C-407E-A947-70E740481C1C}">
+                <a14:useLocalDpi xmlns:a14="http://schemas.microsoft.com/office/drawing/2010/main" val="0"/>
+              </a:ext>
+            </a:extLst>
+          </a:blip>
+          <a:srcRect t="13826"/>
+          <a:stretch/>
+        </p:blipFill>
+        <p:spPr bwMode="auto">
+          <a:xfrm>
+            <a:off x="7748337" y="3787633"/>
+            <a:ext cx="4138865" cy="1984576"/>
+          </a:xfrm>
+          <a:prstGeom prst="rect">
+            <a:avLst/>
+          </a:prstGeom>
+          <a:noFill/>
+          <a:ln>
+            <a:noFill/>
+          </a:ln>
+        </p:spPr>
+      </p:pic>
+      <p:sp>
+        <p:nvSpPr>
+          <p:cNvPr id="11" name="Content Placeholder 2"/>
+          <p:cNvSpPr txBox="1">
+            <a:spLocks/>
+          </p:cNvSpPr>
+          <p:nvPr/>
+        </p:nvSpPr>
+        <p:spPr>
+          <a:xfrm>
+            <a:off x="4665322" y="4197890"/>
+            <a:ext cx="3083016" cy="602275"/>
+          </a:xfrm>
+          <a:prstGeom prst="rect">
+            <a:avLst/>
+          </a:prstGeom>
+        </p:spPr>
+        <p:txBody>
+          <a:bodyPr vert="horz" lIns="91440" tIns="45720" rIns="91440" bIns="45720" rtlCol="0">
+            <a:normAutofit fontScale="92500" lnSpcReduction="10000"/>
+          </a:bodyPr>
+          <a:lstStyle>
+            <a:lvl1pPr marL="228600" indent="-182880" algn="l" defTabSz="914400" rtl="0" eaLnBrk="1" latinLnBrk="0" hangingPunct="1">
+              <a:lnSpc>
+                <a:spcPct val="90000"/>
+              </a:lnSpc>
+              <a:spcBef>
+                <a:spcPts val="1400"/>
+              </a:spcBef>
+              <a:buClr>
+                <a:schemeClr val="accent1"/>
+              </a:buClr>
+              <a:buSzPct val="80000"/>
+              <a:buFont typeface="Corbel" pitchFamily="34" charset="0"/>
+              <a:buChar char="•"/>
+              <a:defRPr sz="2200" kern="1200">
+                <a:solidFill>
+                  <a:schemeClr val="accent1"/>
+                </a:solidFill>
+                <a:latin typeface="+mn-lt"/>
+                <a:ea typeface="+mn-ea"/>
+                <a:cs typeface="+mn-cs"/>
+              </a:defRPr>
+            </a:lvl1pPr>
+            <a:lvl2pPr marL="457200" indent="-182880" algn="l" defTabSz="914400" rtl="0" eaLnBrk="1" latinLnBrk="0" hangingPunct="1">
+              <a:lnSpc>
+                <a:spcPct val="90000"/>
+              </a:lnSpc>
+              <a:spcBef>
+                <a:spcPts val="200"/>
+              </a:spcBef>
+              <a:spcAft>
+                <a:spcPts val="400"/>
+              </a:spcAft>
+              <a:buClr>
+                <a:schemeClr val="accent1"/>
+              </a:buClr>
+              <a:buSzPct val="80000"/>
+              <a:buFont typeface="Corbel" pitchFamily="34" charset="0"/>
+              <a:buChar char="•"/>
+              <a:defRPr sz="2000" kern="1200">
+                <a:solidFill>
+                  <a:schemeClr val="accent1"/>
+                </a:solidFill>
+                <a:latin typeface="+mn-lt"/>
+                <a:ea typeface="+mn-ea"/>
+                <a:cs typeface="+mn-cs"/>
+              </a:defRPr>
+            </a:lvl2pPr>
+            <a:lvl3pPr marL="731520" indent="-182880" algn="l" defTabSz="914400" rtl="0" eaLnBrk="1" latinLnBrk="0" hangingPunct="1">
+              <a:lnSpc>
+                <a:spcPct val="90000"/>
+              </a:lnSpc>
+              <a:spcBef>
+                <a:spcPts val="200"/>
+              </a:spcBef>
+              <a:spcAft>
+                <a:spcPts val="400"/>
+              </a:spcAft>
+              <a:buClr>
+                <a:schemeClr val="accent1"/>
+              </a:buClr>
+              <a:buSzPct val="80000"/>
+              <a:buFont typeface="Corbel" pitchFamily="34" charset="0"/>
+              <a:buChar char="•"/>
+              <a:defRPr sz="1800" kern="1200">
+                <a:solidFill>
+                  <a:schemeClr val="accent1"/>
+                </a:solidFill>
+                <a:latin typeface="+mn-lt"/>
+                <a:ea typeface="+mn-ea"/>
+                <a:cs typeface="+mn-cs"/>
+              </a:defRPr>
+            </a:lvl3pPr>
+            <a:lvl4pPr marL="1005840" indent="-182880" algn="l" defTabSz="914400" rtl="0" eaLnBrk="1" latinLnBrk="0" hangingPunct="1">
+              <a:lnSpc>
+                <a:spcPct val="90000"/>
+              </a:lnSpc>
+              <a:spcBef>
+                <a:spcPts val="200"/>
+              </a:spcBef>
+              <a:spcAft>
+                <a:spcPts val="400"/>
+              </a:spcAft>
+              <a:buClr>
+                <a:schemeClr val="accent1"/>
+              </a:buClr>
+              <a:buSzPct val="80000"/>
+              <a:buFont typeface="Corbel" pitchFamily="34" charset="0"/>
+              <a:buChar char="•"/>
+              <a:defRPr sz="1600" kern="1200">
+                <a:solidFill>
+                  <a:schemeClr val="accent1"/>
+                </a:solidFill>
+                <a:latin typeface="+mn-lt"/>
+                <a:ea typeface="+mn-ea"/>
+                <a:cs typeface="+mn-cs"/>
+              </a:defRPr>
+            </a:lvl4pPr>
+            <a:lvl5pPr marL="1280160" indent="-182880" algn="l" defTabSz="914400" rtl="0" eaLnBrk="1" latinLnBrk="0" hangingPunct="1">
+              <a:lnSpc>
+                <a:spcPct val="90000"/>
+              </a:lnSpc>
+              <a:spcBef>
+                <a:spcPts val="200"/>
+              </a:spcBef>
+              <a:spcAft>
+                <a:spcPts val="400"/>
+              </a:spcAft>
+              <a:buClr>
+                <a:schemeClr val="accent1"/>
+              </a:buClr>
+              <a:buSzPct val="80000"/>
+              <a:buFont typeface="Corbel" pitchFamily="34" charset="0"/>
+              <a:buChar char="•"/>
+              <a:defRPr sz="1600" kern="1200">
+                <a:solidFill>
+                  <a:schemeClr val="accent1"/>
+                </a:solidFill>
+                <a:latin typeface="+mn-lt"/>
+                <a:ea typeface="+mn-ea"/>
+                <a:cs typeface="+mn-cs"/>
+              </a:defRPr>
+            </a:lvl5pPr>
+            <a:lvl6pPr marL="1600000" indent="-228600" algn="l" defTabSz="914400" rtl="0" eaLnBrk="1" latinLnBrk="0" hangingPunct="1">
+              <a:lnSpc>
+                <a:spcPct val="90000"/>
+              </a:lnSpc>
+              <a:spcBef>
+                <a:spcPts val="200"/>
+              </a:spcBef>
+              <a:spcAft>
+                <a:spcPts val="400"/>
+              </a:spcAft>
+              <a:buClr>
+                <a:schemeClr val="accent1"/>
+              </a:buClr>
+              <a:buSzPct val="80000"/>
+              <a:buFont typeface="Corbel" pitchFamily="34" charset="0"/>
+              <a:buChar char="•"/>
+              <a:defRPr sz="1600" kern="1200">
+                <a:solidFill>
+                  <a:schemeClr val="accent1"/>
+                </a:solidFill>
+                <a:latin typeface="+mn-lt"/>
+                <a:ea typeface="+mn-ea"/>
+                <a:cs typeface="+mn-cs"/>
+              </a:defRPr>
+            </a:lvl6pPr>
+            <a:lvl7pPr marL="1900000" indent="-228600" algn="l" defTabSz="914400" rtl="0" eaLnBrk="1" latinLnBrk="0" hangingPunct="1">
+              <a:lnSpc>
+                <a:spcPct val="90000"/>
+              </a:lnSpc>
+              <a:spcBef>
+                <a:spcPts val="200"/>
+              </a:spcBef>
+              <a:spcAft>
+                <a:spcPts val="400"/>
+              </a:spcAft>
+              <a:buClr>
+                <a:schemeClr val="accent1"/>
+              </a:buClr>
+              <a:buSzPct val="80000"/>
+              <a:buFont typeface="Corbel" pitchFamily="34" charset="0"/>
+              <a:buChar char="•"/>
+              <a:defRPr sz="1600" kern="1200">
+                <a:solidFill>
+                  <a:schemeClr val="accent1"/>
+                </a:solidFill>
+                <a:latin typeface="+mn-lt"/>
+                <a:ea typeface="+mn-ea"/>
+                <a:cs typeface="+mn-cs"/>
+              </a:defRPr>
+            </a:lvl7pPr>
+            <a:lvl8pPr marL="2200000" indent="-228600" algn="l" defTabSz="914400" rtl="0" eaLnBrk="1" latinLnBrk="0" hangingPunct="1">
+              <a:lnSpc>
+                <a:spcPct val="90000"/>
+              </a:lnSpc>
+              <a:spcBef>
+                <a:spcPts val="200"/>
+              </a:spcBef>
+              <a:spcAft>
+                <a:spcPts val="400"/>
+              </a:spcAft>
+              <a:buClr>
+                <a:schemeClr val="accent1"/>
+              </a:buClr>
+              <a:buSzPct val="80000"/>
+              <a:buFont typeface="Corbel" pitchFamily="34" charset="0"/>
+              <a:buChar char="•"/>
+              <a:defRPr sz="1600" kern="1200">
+                <a:solidFill>
+                  <a:schemeClr val="accent1"/>
+                </a:solidFill>
+                <a:latin typeface="+mn-lt"/>
+                <a:ea typeface="+mn-ea"/>
+                <a:cs typeface="+mn-cs"/>
+              </a:defRPr>
+            </a:lvl8pPr>
+            <a:lvl9pPr marL="2500000" indent="-228600" algn="l" defTabSz="914400" rtl="0" eaLnBrk="1" latinLnBrk="0" hangingPunct="1">
+              <a:lnSpc>
+                <a:spcPct val="90000"/>
+              </a:lnSpc>
+              <a:spcBef>
+                <a:spcPts val="200"/>
+              </a:spcBef>
+              <a:spcAft>
+                <a:spcPts val="400"/>
+              </a:spcAft>
+              <a:buClr>
+                <a:schemeClr val="accent1"/>
+              </a:buClr>
+              <a:buSzPct val="80000"/>
+              <a:buFont typeface="Corbel" pitchFamily="34" charset="0"/>
+              <a:buChar char="•"/>
+              <a:defRPr sz="1600" kern="1200">
+                <a:solidFill>
+                  <a:schemeClr val="accent1"/>
+                </a:solidFill>
+                <a:latin typeface="+mn-lt"/>
+                <a:ea typeface="+mn-ea"/>
+                <a:cs typeface="+mn-cs"/>
+              </a:defRPr>
+            </a:lvl9pPr>
+          </a:lstStyle>
+          <a:p>
+            <a:r>
+              <a:rPr lang="en-GB" dirty="0" smtClean="0"/>
+              <a:t>This is </a:t>
+            </a:r>
+            <a:r>
+              <a:rPr lang="en-GB" smtClean="0"/>
+              <a:t>a preview of my Supplier Page.</a:t>
+            </a:r>
+            <a:endParaRPr lang="en-GB" dirty="0" smtClean="0"/>
+          </a:p>
+          <a:p>
+            <a:endParaRPr lang="en-GB" dirty="0"/>
           </a:p>
         </p:txBody>
       </p:sp>

--- a/Documentation/Group 3 -FCEPH Final.pptx
+++ b/Documentation/Group 3 -FCEPH Final.pptx
@@ -11,11 +11,11 @@
     <p:sldId id="256" r:id="rId2"/>
     <p:sldId id="257" r:id="rId3"/>
     <p:sldId id="258" r:id="rId4"/>
-    <p:sldId id="259" r:id="rId5"/>
-    <p:sldId id="260" r:id="rId6"/>
-    <p:sldId id="264" r:id="rId7"/>
-    <p:sldId id="261" r:id="rId8"/>
-    <p:sldId id="265" r:id="rId9"/>
+    <p:sldId id="270" r:id="rId5"/>
+    <p:sldId id="271" r:id="rId6"/>
+    <p:sldId id="261" r:id="rId7"/>
+    <p:sldId id="265" r:id="rId8"/>
+    <p:sldId id="269" r:id="rId9"/>
     <p:sldId id="262" r:id="rId10"/>
     <p:sldId id="266" r:id="rId11"/>
     <p:sldId id="263" r:id="rId12"/>
@@ -209,7 +209,7 @@
           <a:p>
             <a:fld id="{1C6426D4-858D-42B4-8A03-639BFCE1679A}" type="datetimeFigureOut">
               <a:rPr lang="en-GB" smtClean="0"/>
-              <a:t>10/04/2017</a:t>
+              <a:t>11/04/2017</a:t>
             </a:fld>
             <a:endParaRPr lang="en-GB"/>
           </a:p>
@@ -564,6 +564,180 @@
 </p:notes>
 </file>
 
+<file path=ppt/notesSlides/notesSlide10.xml><?xml version="1.0" encoding="utf-8"?>
+<p:notes xmlns:a="http://schemas.openxmlformats.org/drawingml/2006/main" xmlns:r="http://schemas.openxmlformats.org/officeDocument/2006/relationships" xmlns:p="http://schemas.openxmlformats.org/presentationml/2006/main">
+  <p:cSld>
+    <p:spTree>
+      <p:nvGrpSpPr>
+        <p:cNvPr id="1" name=""/>
+        <p:cNvGrpSpPr/>
+        <p:nvPr/>
+      </p:nvGrpSpPr>
+      <p:grpSpPr>
+        <a:xfrm>
+          <a:off x="0" y="0"/>
+          <a:ext cx="0" cy="0"/>
+          <a:chOff x="0" y="0"/>
+          <a:chExt cx="0" cy="0"/>
+        </a:xfrm>
+      </p:grpSpPr>
+      <p:sp>
+        <p:nvSpPr>
+          <p:cNvPr id="2" name="Slide Image Placeholder 1"/>
+          <p:cNvSpPr>
+            <a:spLocks noGrp="1" noRot="1" noChangeAspect="1"/>
+          </p:cNvSpPr>
+          <p:nvPr>
+            <p:ph type="sldImg"/>
+          </p:nvPr>
+        </p:nvSpPr>
+        <p:spPr/>
+      </p:sp>
+      <p:sp>
+        <p:nvSpPr>
+          <p:cNvPr id="3" name="Notes Placeholder 2"/>
+          <p:cNvSpPr>
+            <a:spLocks noGrp="1"/>
+          </p:cNvSpPr>
+          <p:nvPr>
+            <p:ph type="body" idx="1"/>
+            <p:custDataLst>
+              <p:tags r:id="rId1"/>
+            </p:custDataLst>
+          </p:nvPr>
+        </p:nvSpPr>
+        <p:spPr/>
+        <p:txBody>
+          <a:bodyPr/>
+          <a:lstStyle/>
+          <a:p>
+            <a:endParaRPr lang="en-GB"/>
+          </a:p>
+        </p:txBody>
+      </p:sp>
+      <p:sp>
+        <p:nvSpPr>
+          <p:cNvPr id="4" name="Slide Number Placeholder 3"/>
+          <p:cNvSpPr>
+            <a:spLocks noGrp="1"/>
+          </p:cNvSpPr>
+          <p:nvPr>
+            <p:ph type="sldNum" sz="quarter" idx="10"/>
+          </p:nvPr>
+        </p:nvSpPr>
+        <p:spPr/>
+        <p:txBody>
+          <a:bodyPr/>
+          <a:lstStyle/>
+          <a:p>
+            <a:fld id="{1AE14B10-BA1F-4021-A7E8-52DEB9DD99BC}" type="slidenum">
+              <a:rPr lang="en-GB" smtClean="0"/>
+              <a:t>12</a:t>
+            </a:fld>
+            <a:endParaRPr lang="en-GB"/>
+          </a:p>
+        </p:txBody>
+      </p:sp>
+    </p:spTree>
+    <p:extLst>
+      <p:ext uri="{BB962C8B-B14F-4D97-AF65-F5344CB8AC3E}">
+        <p14:creationId xmlns:p14="http://schemas.microsoft.com/office/powerpoint/2010/main" val="4207812481"/>
+      </p:ext>
+    </p:extLst>
+  </p:cSld>
+  <p:clrMapOvr>
+    <a:masterClrMapping/>
+  </p:clrMapOvr>
+</p:notes>
+</file>
+
+<file path=ppt/notesSlides/notesSlide11.xml><?xml version="1.0" encoding="utf-8"?>
+<p:notes xmlns:a="http://schemas.openxmlformats.org/drawingml/2006/main" xmlns:r="http://schemas.openxmlformats.org/officeDocument/2006/relationships" xmlns:p="http://schemas.openxmlformats.org/presentationml/2006/main">
+  <p:cSld>
+    <p:spTree>
+      <p:nvGrpSpPr>
+        <p:cNvPr id="1" name=""/>
+        <p:cNvGrpSpPr/>
+        <p:nvPr/>
+      </p:nvGrpSpPr>
+      <p:grpSpPr>
+        <a:xfrm>
+          <a:off x="0" y="0"/>
+          <a:ext cx="0" cy="0"/>
+          <a:chOff x="0" y="0"/>
+          <a:chExt cx="0" cy="0"/>
+        </a:xfrm>
+      </p:grpSpPr>
+      <p:sp>
+        <p:nvSpPr>
+          <p:cNvPr id="2" name="Slide Image Placeholder 1"/>
+          <p:cNvSpPr>
+            <a:spLocks noGrp="1" noRot="1" noChangeAspect="1"/>
+          </p:cNvSpPr>
+          <p:nvPr>
+            <p:ph type="sldImg"/>
+          </p:nvPr>
+        </p:nvSpPr>
+        <p:spPr/>
+      </p:sp>
+      <p:sp>
+        <p:nvSpPr>
+          <p:cNvPr id="3" name="Notes Placeholder 2"/>
+          <p:cNvSpPr>
+            <a:spLocks noGrp="1"/>
+          </p:cNvSpPr>
+          <p:nvPr>
+            <p:ph type="body" idx="1"/>
+            <p:custDataLst>
+              <p:tags r:id="rId1"/>
+            </p:custDataLst>
+          </p:nvPr>
+        </p:nvSpPr>
+        <p:spPr/>
+        <p:txBody>
+          <a:bodyPr/>
+          <a:lstStyle/>
+          <a:p>
+            <a:endParaRPr lang="en-GB"/>
+          </a:p>
+        </p:txBody>
+      </p:sp>
+      <p:sp>
+        <p:nvSpPr>
+          <p:cNvPr id="4" name="Slide Number Placeholder 3"/>
+          <p:cNvSpPr>
+            <a:spLocks noGrp="1"/>
+          </p:cNvSpPr>
+          <p:nvPr>
+            <p:ph type="sldNum" sz="quarter" idx="10"/>
+          </p:nvPr>
+        </p:nvSpPr>
+        <p:spPr/>
+        <p:txBody>
+          <a:bodyPr/>
+          <a:lstStyle/>
+          <a:p>
+            <a:fld id="{1AE14B10-BA1F-4021-A7E8-52DEB9DD99BC}" type="slidenum">
+              <a:rPr lang="en-GB" smtClean="0"/>
+              <a:t>13</a:t>
+            </a:fld>
+            <a:endParaRPr lang="en-GB"/>
+          </a:p>
+        </p:txBody>
+      </p:sp>
+    </p:spTree>
+    <p:extLst>
+      <p:ext uri="{BB962C8B-B14F-4D97-AF65-F5344CB8AC3E}">
+        <p14:creationId xmlns:p14="http://schemas.microsoft.com/office/powerpoint/2010/main" val="2127042219"/>
+      </p:ext>
+    </p:extLst>
+  </p:cSld>
+  <p:clrMapOvr>
+    <a:masterClrMapping/>
+  </p:clrMapOvr>
+</p:notes>
+</file>
+
 <file path=ppt/notesSlides/notesSlide2.xml><?xml version="1.0" encoding="utf-8"?>
 <p:notes xmlns:a="http://schemas.openxmlformats.org/drawingml/2006/main" xmlns:r="http://schemas.openxmlformats.org/officeDocument/2006/relationships" xmlns:p="http://schemas.openxmlformats.org/presentationml/2006/main">
   <p:cSld>
@@ -815,7 +989,7 @@
     </p:spTree>
     <p:extLst>
       <p:ext uri="{BB962C8B-B14F-4D97-AF65-F5344CB8AC3E}">
-        <p14:creationId xmlns:p14="http://schemas.microsoft.com/office/powerpoint/2010/main" val="3472435264"/>
+        <p14:creationId xmlns:p14="http://schemas.microsoft.com/office/powerpoint/2010/main" val="2134540796"/>
       </p:ext>
     </p:extLst>
   </p:cSld>
@@ -893,7 +1067,7 @@
           <a:p>
             <a:fld id="{1AE14B10-BA1F-4021-A7E8-52DEB9DD99BC}" type="slidenum">
               <a:rPr lang="en-GB" smtClean="0"/>
-              <a:t>5</a:t>
+              <a:t>6</a:t>
             </a:fld>
             <a:endParaRPr lang="en-GB"/>
           </a:p>
@@ -902,7 +1076,355 @@
     </p:spTree>
     <p:extLst>
       <p:ext uri="{BB962C8B-B14F-4D97-AF65-F5344CB8AC3E}">
-        <p14:creationId xmlns:p14="http://schemas.microsoft.com/office/powerpoint/2010/main" val="2565935146"/>
+        <p14:creationId xmlns:p14="http://schemas.microsoft.com/office/powerpoint/2010/main" val="3649663619"/>
+      </p:ext>
+    </p:extLst>
+  </p:cSld>
+  <p:clrMapOvr>
+    <a:masterClrMapping/>
+  </p:clrMapOvr>
+</p:notes>
+</file>
+
+<file path=ppt/notesSlides/notesSlide6.xml><?xml version="1.0" encoding="utf-8"?>
+<p:notes xmlns:a="http://schemas.openxmlformats.org/drawingml/2006/main" xmlns:r="http://schemas.openxmlformats.org/officeDocument/2006/relationships" xmlns:p="http://schemas.openxmlformats.org/presentationml/2006/main">
+  <p:cSld>
+    <p:spTree>
+      <p:nvGrpSpPr>
+        <p:cNvPr id="1" name=""/>
+        <p:cNvGrpSpPr/>
+        <p:nvPr/>
+      </p:nvGrpSpPr>
+      <p:grpSpPr>
+        <a:xfrm>
+          <a:off x="0" y="0"/>
+          <a:ext cx="0" cy="0"/>
+          <a:chOff x="0" y="0"/>
+          <a:chExt cx="0" cy="0"/>
+        </a:xfrm>
+      </p:grpSpPr>
+      <p:sp>
+        <p:nvSpPr>
+          <p:cNvPr id="2" name="Slide Image Placeholder 1"/>
+          <p:cNvSpPr>
+            <a:spLocks noGrp="1" noRot="1" noChangeAspect="1"/>
+          </p:cNvSpPr>
+          <p:nvPr>
+            <p:ph type="sldImg"/>
+          </p:nvPr>
+        </p:nvSpPr>
+        <p:spPr/>
+      </p:sp>
+      <p:sp>
+        <p:nvSpPr>
+          <p:cNvPr id="3" name="Notes Placeholder 2"/>
+          <p:cNvSpPr>
+            <a:spLocks noGrp="1"/>
+          </p:cNvSpPr>
+          <p:nvPr>
+            <p:ph type="body" idx="1"/>
+            <p:custDataLst>
+              <p:tags r:id="rId1"/>
+            </p:custDataLst>
+          </p:nvPr>
+        </p:nvSpPr>
+        <p:spPr/>
+        <p:txBody>
+          <a:bodyPr/>
+          <a:lstStyle/>
+          <a:p>
+            <a:endParaRPr lang="en-GB"/>
+          </a:p>
+        </p:txBody>
+      </p:sp>
+      <p:sp>
+        <p:nvSpPr>
+          <p:cNvPr id="4" name="Slide Number Placeholder 3"/>
+          <p:cNvSpPr>
+            <a:spLocks noGrp="1"/>
+          </p:cNvSpPr>
+          <p:nvPr>
+            <p:ph type="sldNum" sz="quarter" idx="10"/>
+          </p:nvPr>
+        </p:nvSpPr>
+        <p:spPr/>
+        <p:txBody>
+          <a:bodyPr/>
+          <a:lstStyle/>
+          <a:p>
+            <a:fld id="{1AE14B10-BA1F-4021-A7E8-52DEB9DD99BC}" type="slidenum">
+              <a:rPr lang="en-GB" smtClean="0"/>
+              <a:t>7</a:t>
+            </a:fld>
+            <a:endParaRPr lang="en-GB"/>
+          </a:p>
+        </p:txBody>
+      </p:sp>
+    </p:spTree>
+    <p:extLst>
+      <p:ext uri="{BB962C8B-B14F-4D97-AF65-F5344CB8AC3E}">
+        <p14:creationId xmlns:p14="http://schemas.microsoft.com/office/powerpoint/2010/main" val="955738261"/>
+      </p:ext>
+    </p:extLst>
+  </p:cSld>
+  <p:clrMapOvr>
+    <a:masterClrMapping/>
+  </p:clrMapOvr>
+</p:notes>
+</file>
+
+<file path=ppt/notesSlides/notesSlide7.xml><?xml version="1.0" encoding="utf-8"?>
+<p:notes xmlns:a="http://schemas.openxmlformats.org/drawingml/2006/main" xmlns:r="http://schemas.openxmlformats.org/officeDocument/2006/relationships" xmlns:p="http://schemas.openxmlformats.org/presentationml/2006/main">
+  <p:cSld>
+    <p:spTree>
+      <p:nvGrpSpPr>
+        <p:cNvPr id="1" name=""/>
+        <p:cNvGrpSpPr/>
+        <p:nvPr/>
+      </p:nvGrpSpPr>
+      <p:grpSpPr>
+        <a:xfrm>
+          <a:off x="0" y="0"/>
+          <a:ext cx="0" cy="0"/>
+          <a:chOff x="0" y="0"/>
+          <a:chExt cx="0" cy="0"/>
+        </a:xfrm>
+      </p:grpSpPr>
+      <p:sp>
+        <p:nvSpPr>
+          <p:cNvPr id="2" name="Slide Image Placeholder 1"/>
+          <p:cNvSpPr>
+            <a:spLocks noGrp="1" noRot="1" noChangeAspect="1"/>
+          </p:cNvSpPr>
+          <p:nvPr>
+            <p:ph type="sldImg"/>
+          </p:nvPr>
+        </p:nvSpPr>
+        <p:spPr/>
+      </p:sp>
+      <p:sp>
+        <p:nvSpPr>
+          <p:cNvPr id="3" name="Notes Placeholder 2"/>
+          <p:cNvSpPr>
+            <a:spLocks noGrp="1"/>
+          </p:cNvSpPr>
+          <p:nvPr>
+            <p:ph type="body" idx="1"/>
+            <p:custDataLst>
+              <p:tags r:id="rId1"/>
+            </p:custDataLst>
+          </p:nvPr>
+        </p:nvSpPr>
+        <p:spPr/>
+        <p:txBody>
+          <a:bodyPr/>
+          <a:lstStyle/>
+          <a:p>
+            <a:endParaRPr lang="en-GB"/>
+          </a:p>
+        </p:txBody>
+      </p:sp>
+      <p:sp>
+        <p:nvSpPr>
+          <p:cNvPr id="4" name="Slide Number Placeholder 3"/>
+          <p:cNvSpPr>
+            <a:spLocks noGrp="1"/>
+          </p:cNvSpPr>
+          <p:nvPr>
+            <p:ph type="sldNum" sz="quarter" idx="10"/>
+          </p:nvPr>
+        </p:nvSpPr>
+        <p:spPr/>
+        <p:txBody>
+          <a:bodyPr/>
+          <a:lstStyle/>
+          <a:p>
+            <a:fld id="{1AE14B10-BA1F-4021-A7E8-52DEB9DD99BC}" type="slidenum">
+              <a:rPr lang="en-GB" smtClean="0"/>
+              <a:t>9</a:t>
+            </a:fld>
+            <a:endParaRPr lang="en-GB"/>
+          </a:p>
+        </p:txBody>
+      </p:sp>
+    </p:spTree>
+    <p:extLst>
+      <p:ext uri="{BB962C8B-B14F-4D97-AF65-F5344CB8AC3E}">
+        <p14:creationId xmlns:p14="http://schemas.microsoft.com/office/powerpoint/2010/main" val="3569874942"/>
+      </p:ext>
+    </p:extLst>
+  </p:cSld>
+  <p:clrMapOvr>
+    <a:masterClrMapping/>
+  </p:clrMapOvr>
+</p:notes>
+</file>
+
+<file path=ppt/notesSlides/notesSlide8.xml><?xml version="1.0" encoding="utf-8"?>
+<p:notes xmlns:a="http://schemas.openxmlformats.org/drawingml/2006/main" xmlns:r="http://schemas.openxmlformats.org/officeDocument/2006/relationships" xmlns:p="http://schemas.openxmlformats.org/presentationml/2006/main">
+  <p:cSld>
+    <p:spTree>
+      <p:nvGrpSpPr>
+        <p:cNvPr id="1" name=""/>
+        <p:cNvGrpSpPr/>
+        <p:nvPr/>
+      </p:nvGrpSpPr>
+      <p:grpSpPr>
+        <a:xfrm>
+          <a:off x="0" y="0"/>
+          <a:ext cx="0" cy="0"/>
+          <a:chOff x="0" y="0"/>
+          <a:chExt cx="0" cy="0"/>
+        </a:xfrm>
+      </p:grpSpPr>
+      <p:sp>
+        <p:nvSpPr>
+          <p:cNvPr id="2" name="Slide Image Placeholder 1"/>
+          <p:cNvSpPr>
+            <a:spLocks noGrp="1" noRot="1" noChangeAspect="1"/>
+          </p:cNvSpPr>
+          <p:nvPr>
+            <p:ph type="sldImg"/>
+          </p:nvPr>
+        </p:nvSpPr>
+        <p:spPr/>
+      </p:sp>
+      <p:sp>
+        <p:nvSpPr>
+          <p:cNvPr id="3" name="Notes Placeholder 2"/>
+          <p:cNvSpPr>
+            <a:spLocks noGrp="1"/>
+          </p:cNvSpPr>
+          <p:nvPr>
+            <p:ph type="body" idx="1"/>
+            <p:custDataLst>
+              <p:tags r:id="rId1"/>
+            </p:custDataLst>
+          </p:nvPr>
+        </p:nvSpPr>
+        <p:spPr/>
+        <p:txBody>
+          <a:bodyPr/>
+          <a:lstStyle/>
+          <a:p>
+            <a:endParaRPr lang="en-GB"/>
+          </a:p>
+        </p:txBody>
+      </p:sp>
+      <p:sp>
+        <p:nvSpPr>
+          <p:cNvPr id="4" name="Slide Number Placeholder 3"/>
+          <p:cNvSpPr>
+            <a:spLocks noGrp="1"/>
+          </p:cNvSpPr>
+          <p:nvPr>
+            <p:ph type="sldNum" sz="quarter" idx="10"/>
+          </p:nvPr>
+        </p:nvSpPr>
+        <p:spPr/>
+        <p:txBody>
+          <a:bodyPr/>
+          <a:lstStyle/>
+          <a:p>
+            <a:fld id="{1AE14B10-BA1F-4021-A7E8-52DEB9DD99BC}" type="slidenum">
+              <a:rPr lang="en-GB" smtClean="0"/>
+              <a:t>10</a:t>
+            </a:fld>
+            <a:endParaRPr lang="en-GB"/>
+          </a:p>
+        </p:txBody>
+      </p:sp>
+    </p:spTree>
+    <p:extLst>
+      <p:ext uri="{BB962C8B-B14F-4D97-AF65-F5344CB8AC3E}">
+        <p14:creationId xmlns:p14="http://schemas.microsoft.com/office/powerpoint/2010/main" val="3194864880"/>
+      </p:ext>
+    </p:extLst>
+  </p:cSld>
+  <p:clrMapOvr>
+    <a:masterClrMapping/>
+  </p:clrMapOvr>
+</p:notes>
+</file>
+
+<file path=ppt/notesSlides/notesSlide9.xml><?xml version="1.0" encoding="utf-8"?>
+<p:notes xmlns:a="http://schemas.openxmlformats.org/drawingml/2006/main" xmlns:r="http://schemas.openxmlformats.org/officeDocument/2006/relationships" xmlns:p="http://schemas.openxmlformats.org/presentationml/2006/main">
+  <p:cSld>
+    <p:spTree>
+      <p:nvGrpSpPr>
+        <p:cNvPr id="1" name=""/>
+        <p:cNvGrpSpPr/>
+        <p:nvPr/>
+      </p:nvGrpSpPr>
+      <p:grpSpPr>
+        <a:xfrm>
+          <a:off x="0" y="0"/>
+          <a:ext cx="0" cy="0"/>
+          <a:chOff x="0" y="0"/>
+          <a:chExt cx="0" cy="0"/>
+        </a:xfrm>
+      </p:grpSpPr>
+      <p:sp>
+        <p:nvSpPr>
+          <p:cNvPr id="2" name="Slide Image Placeholder 1"/>
+          <p:cNvSpPr>
+            <a:spLocks noGrp="1" noRot="1" noChangeAspect="1"/>
+          </p:cNvSpPr>
+          <p:nvPr>
+            <p:ph type="sldImg"/>
+          </p:nvPr>
+        </p:nvSpPr>
+        <p:spPr/>
+      </p:sp>
+      <p:sp>
+        <p:nvSpPr>
+          <p:cNvPr id="3" name="Notes Placeholder 2"/>
+          <p:cNvSpPr>
+            <a:spLocks noGrp="1"/>
+          </p:cNvSpPr>
+          <p:nvPr>
+            <p:ph type="body" idx="1"/>
+            <p:custDataLst>
+              <p:tags r:id="rId1"/>
+            </p:custDataLst>
+          </p:nvPr>
+        </p:nvSpPr>
+        <p:spPr/>
+        <p:txBody>
+          <a:bodyPr/>
+          <a:lstStyle/>
+          <a:p>
+            <a:endParaRPr lang="en-GB"/>
+          </a:p>
+        </p:txBody>
+      </p:sp>
+      <p:sp>
+        <p:nvSpPr>
+          <p:cNvPr id="4" name="Slide Number Placeholder 3"/>
+          <p:cNvSpPr>
+            <a:spLocks noGrp="1"/>
+          </p:cNvSpPr>
+          <p:nvPr>
+            <p:ph type="sldNum" sz="quarter" idx="10"/>
+          </p:nvPr>
+        </p:nvSpPr>
+        <p:spPr/>
+        <p:txBody>
+          <a:bodyPr/>
+          <a:lstStyle/>
+          <a:p>
+            <a:fld id="{1AE14B10-BA1F-4021-A7E8-52DEB9DD99BC}" type="slidenum">
+              <a:rPr lang="en-GB" smtClean="0"/>
+              <a:t>11</a:t>
+            </a:fld>
+            <a:endParaRPr lang="en-GB"/>
+          </a:p>
+        </p:txBody>
+      </p:sp>
+    </p:spTree>
+    <p:extLst>
+      <p:ext uri="{BB962C8B-B14F-4D97-AF65-F5344CB8AC3E}">
+        <p14:creationId xmlns:p14="http://schemas.microsoft.com/office/powerpoint/2010/main" val="58551656"/>
       </p:ext>
     </p:extLst>
   </p:cSld>
@@ -1108,7 +1630,7 @@
           <a:p>
             <a:fld id="{5176CD83-EC6D-4E6C-89BB-FEECE4F4A3E0}" type="datetimeFigureOut">
               <a:rPr lang="en-GB" smtClean="0"/>
-              <a:t>10/04/2017</a:t>
+              <a:t>11/04/2017</a:t>
             </a:fld>
             <a:endParaRPr lang="en-GB"/>
           </a:p>
@@ -1329,7 +1851,7 @@
           <a:p>
             <a:fld id="{5176CD83-EC6D-4E6C-89BB-FEECE4F4A3E0}" type="datetimeFigureOut">
               <a:rPr lang="en-GB" smtClean="0"/>
-              <a:t>10/04/2017</a:t>
+              <a:t>11/04/2017</a:t>
             </a:fld>
             <a:endParaRPr lang="en-GB"/>
           </a:p>
@@ -1509,7 +2031,7 @@
           <a:p>
             <a:fld id="{5176CD83-EC6D-4E6C-89BB-FEECE4F4A3E0}" type="datetimeFigureOut">
               <a:rPr lang="en-GB" smtClean="0"/>
-              <a:t>10/04/2017</a:t>
+              <a:t>11/04/2017</a:t>
             </a:fld>
             <a:endParaRPr lang="en-GB"/>
           </a:p>
@@ -1679,7 +2201,7 @@
           <a:p>
             <a:fld id="{5176CD83-EC6D-4E6C-89BB-FEECE4F4A3E0}" type="datetimeFigureOut">
               <a:rPr lang="en-GB" smtClean="0"/>
-              <a:t>10/04/2017</a:t>
+              <a:t>11/04/2017</a:t>
             </a:fld>
             <a:endParaRPr lang="en-GB"/>
           </a:p>
@@ -1930,7 +2452,7 @@
           <a:p>
             <a:fld id="{5176CD83-EC6D-4E6C-89BB-FEECE4F4A3E0}" type="datetimeFigureOut">
               <a:rPr lang="en-GB" smtClean="0"/>
-              <a:t>10/04/2017</a:t>
+              <a:t>11/04/2017</a:t>
             </a:fld>
             <a:endParaRPr lang="en-GB"/>
           </a:p>
@@ -2253,7 +2775,7 @@
           <a:p>
             <a:fld id="{5176CD83-EC6D-4E6C-89BB-FEECE4F4A3E0}" type="datetimeFigureOut">
               <a:rPr lang="en-GB" smtClean="0"/>
-              <a:t>10/04/2017</a:t>
+              <a:t>11/04/2017</a:t>
             </a:fld>
             <a:endParaRPr lang="en-GB"/>
           </a:p>
@@ -2677,7 +3199,7 @@
           <a:p>
             <a:fld id="{5176CD83-EC6D-4E6C-89BB-FEECE4F4A3E0}" type="datetimeFigureOut">
               <a:rPr lang="en-GB" smtClean="0"/>
-              <a:t>10/04/2017</a:t>
+              <a:t>11/04/2017</a:t>
             </a:fld>
             <a:endParaRPr lang="en-GB"/>
           </a:p>
@@ -2795,7 +3317,7 @@
           <a:p>
             <a:fld id="{5176CD83-EC6D-4E6C-89BB-FEECE4F4A3E0}" type="datetimeFigureOut">
               <a:rPr lang="en-GB" smtClean="0"/>
-              <a:t>10/04/2017</a:t>
+              <a:t>11/04/2017</a:t>
             </a:fld>
             <a:endParaRPr lang="en-GB"/>
           </a:p>
@@ -2890,7 +3412,7 @@
           <a:p>
             <a:fld id="{5176CD83-EC6D-4E6C-89BB-FEECE4F4A3E0}" type="datetimeFigureOut">
               <a:rPr lang="en-GB" smtClean="0"/>
-              <a:t>10/04/2017</a:t>
+              <a:t>11/04/2017</a:t>
             </a:fld>
             <a:endParaRPr lang="en-GB"/>
           </a:p>
@@ -3180,7 +3702,7 @@
           <a:p>
             <a:fld id="{5176CD83-EC6D-4E6C-89BB-FEECE4F4A3E0}" type="datetimeFigureOut">
               <a:rPr lang="en-GB" smtClean="0"/>
-              <a:t>10/04/2017</a:t>
+              <a:t>11/04/2017</a:t>
             </a:fld>
             <a:endParaRPr lang="en-GB"/>
           </a:p>
@@ -3452,7 +3974,7 @@
           <a:p>
             <a:fld id="{5176CD83-EC6D-4E6C-89BB-FEECE4F4A3E0}" type="datetimeFigureOut">
               <a:rPr lang="en-GB" smtClean="0"/>
-              <a:t>10/04/2017</a:t>
+              <a:t>11/04/2017</a:t>
             </a:fld>
             <a:endParaRPr lang="en-GB"/>
           </a:p>
@@ -3706,7 +4228,7 @@
           <a:p>
             <a:fld id="{5176CD83-EC6D-4E6C-89BB-FEECE4F4A3E0}" type="datetimeFigureOut">
               <a:rPr lang="en-GB" smtClean="0"/>
-              <a:t>10/04/2017</a:t>
+              <a:t>11/04/2017</a:t>
             </a:fld>
             <a:endParaRPr lang="en-GB"/>
           </a:p>
@@ -4680,20 +5202,66 @@
         </p:nvSpPr>
         <p:spPr/>
         <p:txBody>
-          <a:bodyPr/>
+          <a:bodyPr>
+            <a:normAutofit/>
+          </a:bodyPr>
           <a:lstStyle/>
           <a:p>
             <a:r>
-              <a:rPr lang="en-GB" dirty="0" smtClean="0"/>
+              <a:rPr lang="en-GB" sz="2800" b="1" dirty="0" smtClean="0"/>
               <a:t>Quality Assurance</a:t>
             </a:r>
           </a:p>
           <a:p>
-            <a:r>
-              <a:rPr lang="en-GB" dirty="0" smtClean="0"/>
+            <a:pPr lvl="1">
+              <a:buFont typeface="Courier New" panose="02070309020205020404" pitchFamily="49" charset="0"/>
+              <a:buChar char="o"/>
+            </a:pPr>
+            <a:r>
+              <a:rPr lang="en-GB" sz="2800" dirty="0"/>
+              <a:t>Checking the quality of work produced by the team</a:t>
+            </a:r>
+          </a:p>
+          <a:p>
+            <a:pPr lvl="1">
+              <a:buFont typeface="Courier New" panose="02070309020205020404" pitchFamily="49" charset="0"/>
+              <a:buChar char="o"/>
+            </a:pPr>
+            <a:r>
+              <a:rPr lang="en-GB" sz="2800" dirty="0"/>
+              <a:t>Risk Register</a:t>
+            </a:r>
+          </a:p>
+          <a:p>
+            <a:r>
+              <a:rPr lang="en-GB" sz="2800" b="1" dirty="0" smtClean="0"/>
               <a:t>Marketing</a:t>
             </a:r>
-            <a:endParaRPr lang="en-GB" dirty="0"/>
+          </a:p>
+          <a:p>
+            <a:pPr lvl="1">
+              <a:buFont typeface="Courier New" panose="02070309020205020404" pitchFamily="49" charset="0"/>
+              <a:buChar char="o"/>
+            </a:pPr>
+            <a:r>
+              <a:rPr lang="en-GB" sz="2800" dirty="0"/>
+              <a:t>User should be able to view the types of items purchased by a customer.</a:t>
+            </a:r>
+          </a:p>
+          <a:p>
+            <a:pPr lvl="1">
+              <a:buFont typeface="Courier New" panose="02070309020205020404" pitchFamily="49" charset="0"/>
+              <a:buChar char="o"/>
+            </a:pPr>
+            <a:r>
+              <a:rPr lang="en-GB" sz="2800" dirty="0"/>
+              <a:t>User should be able to send recommendations/deals to customers</a:t>
+            </a:r>
+            <a:r>
+              <a:rPr lang="en-GB" sz="2800" dirty="0" smtClean="0"/>
+              <a:t>.</a:t>
+            </a:r>
+            <a:endParaRPr lang="en-GB" sz="2800" dirty="0"/>
           </a:p>
         </p:txBody>
       </p:sp>
@@ -4744,7 +5312,12 @@
             <p:ph type="title"/>
           </p:nvPr>
         </p:nvSpPr>
-        <p:spPr/>
+        <p:spPr>
+          <a:xfrm>
+            <a:off x="1142998" y="151708"/>
+            <a:ext cx="9875520" cy="1356360"/>
+          </a:xfrm>
+        </p:spPr>
         <p:txBody>
           <a:bodyPr/>
           <a:lstStyle/>
@@ -4774,15 +5347,58 @@
             <p:ph idx="1"/>
           </p:nvPr>
         </p:nvSpPr>
-        <p:spPr/>
+        <p:spPr>
+          <a:xfrm>
+            <a:off x="1142998" y="1159626"/>
+            <a:ext cx="9872871" cy="4038600"/>
+          </a:xfrm>
+        </p:spPr>
         <p:txBody>
           <a:bodyPr/>
           <a:lstStyle/>
           <a:p>
-            <a:endParaRPr lang="en-GB"/>
-          </a:p>
-        </p:txBody>
-      </p:sp>
+            <a:pPr marL="45720" indent="0">
+              <a:buNone/>
+            </a:pPr>
+            <a:r>
+              <a:rPr lang="en-GB" b="1" dirty="0" smtClean="0"/>
+              <a:t>Risk Breakdown Structure</a:t>
+            </a:r>
+          </a:p>
+          <a:p>
+            <a:endParaRPr lang="en-GB" b="1" dirty="0"/>
+          </a:p>
+        </p:txBody>
+      </p:sp>
+      <p:pic>
+        <p:nvPicPr>
+          <p:cNvPr id="4" name="Picture 3"/>
+          <p:cNvPicPr/>
+          <p:nvPr/>
+        </p:nvPicPr>
+        <p:blipFill rotWithShape="1">
+          <a:blip r:embed="rId3"/>
+          <a:srcRect l="21272" t="18916" r="22354" b="17516"/>
+          <a:stretch/>
+        </p:blipFill>
+        <p:spPr bwMode="auto">
+          <a:xfrm>
+            <a:off x="1895994" y="1508068"/>
+            <a:ext cx="8366878" cy="5117176"/>
+          </a:xfrm>
+          <a:prstGeom prst="rect">
+            <a:avLst/>
+          </a:prstGeom>
+          <a:ln>
+            <a:noFill/>
+          </a:ln>
+          <a:extLst>
+            <a:ext uri="{53640926-AAD7-44D8-BBD7-CCE9431645EC}">
+              <a14:shadowObscured xmlns:a14="http://schemas.microsoft.com/office/drawing/2010/main"/>
+            </a:ext>
+          </a:extLst>
+        </p:spPr>
+      </p:pic>
     </p:spTree>
     <p:extLst>
       <p:ext uri="{BB962C8B-B14F-4D97-AF65-F5344CB8AC3E}">
@@ -5078,7 +5694,7 @@
           <a:bodyPr/>
           <a:lstStyle/>
           <a:p>
-            <a:endParaRPr lang="en-GB"/>
+            <a:endParaRPr lang="en-GB" dirty="0"/>
           </a:p>
         </p:txBody>
       </p:sp>
@@ -5104,8 +5720,8 @@
         </p:blipFill>
         <p:spPr>
           <a:xfrm>
-            <a:off x="8583621" y="334785"/>
-            <a:ext cx="3255546" cy="1822862"/>
+            <a:off x="3080596" y="2057400"/>
+            <a:ext cx="5647768" cy="3162327"/>
           </a:xfrm>
           <a:prstGeom prst="rect">
             <a:avLst/>
@@ -5183,10 +5799,52 @@
         </p:nvSpPr>
         <p:spPr/>
         <p:txBody>
-          <a:bodyPr/>
+          <a:bodyPr>
+            <a:normAutofit/>
+          </a:bodyPr>
           <a:lstStyle/>
           <a:p>
-            <a:endParaRPr lang="en-GB"/>
+            <a:r>
+              <a:rPr lang="en-GB" sz="2800" dirty="0" smtClean="0"/>
+              <a:t>FCEPH </a:t>
+            </a:r>
+            <a:r>
+              <a:rPr lang="en-GB" sz="2800" dirty="0"/>
+              <a:t>is a supermarket that sells Food, Clothes, Electronics, Health &amp; beauty and Household products. </a:t>
+            </a:r>
+            <a:endParaRPr lang="en-GB" sz="2800" dirty="0" smtClean="0"/>
+          </a:p>
+          <a:p>
+            <a:r>
+              <a:rPr lang="en-GB" sz="2800" dirty="0" smtClean="0"/>
+              <a:t>We </a:t>
+            </a:r>
+            <a:r>
+              <a:rPr lang="en-GB" sz="2800" dirty="0"/>
+              <a:t>chose the name FCEPH because it stands for Food, Clothing, Electronics, Pharmacy and </a:t>
+            </a:r>
+            <a:r>
+              <a:rPr lang="en-GB" sz="2800" dirty="0" smtClean="0"/>
+              <a:t>Household. </a:t>
+            </a:r>
+            <a:endParaRPr lang="en-GB" sz="2800" dirty="0"/>
+          </a:p>
+          <a:p>
+            <a:pPr marL="45720" indent="0">
+              <a:buNone/>
+            </a:pPr>
+            <a:r>
+              <a:rPr lang="en-GB" sz="2800" b="1" dirty="0" smtClean="0"/>
+              <a:t>What did we do</a:t>
+            </a:r>
+            <a:endParaRPr lang="en-GB" sz="2800" b="1" dirty="0"/>
+          </a:p>
+          <a:p>
+            <a:r>
+              <a:rPr lang="en-GB" sz="2800" dirty="0" smtClean="0"/>
+              <a:t>We created a website for our project. </a:t>
+            </a:r>
+            <a:endParaRPr lang="en-GB" sz="2800" dirty="0"/>
           </a:p>
         </p:txBody>
       </p:sp>
@@ -5244,8 +5902,13 @@
           <a:p>
             <a:r>
               <a:rPr lang="en-GB" dirty="0"/>
-              <a:t>FCEPH | Recap</a:t>
-            </a:r>
+              <a:t>FCEPH | </a:t>
+            </a:r>
+            <a:r>
+              <a:rPr lang="en-GB" dirty="0" err="1"/>
+              <a:t>Anis</a:t>
+            </a:r>
+            <a:endParaRPr lang="en-GB" dirty="0"/>
           </a:p>
         </p:txBody>
       </p:sp>
@@ -5261,17 +5924,130 @@
         </p:nvSpPr>
         <p:spPr/>
         <p:txBody>
-          <a:bodyPr/>
+          <a:bodyPr>
+            <a:normAutofit/>
+          </a:bodyPr>
           <a:lstStyle/>
           <a:p>
-            <a:endParaRPr lang="en-GB"/>
+            <a:r>
+              <a:rPr lang="en-GB" sz="3200" b="1" dirty="0"/>
+              <a:t>Project </a:t>
+            </a:r>
+            <a:r>
+              <a:rPr lang="en-GB" sz="3200" b="1" dirty="0" smtClean="0"/>
+              <a:t>Manager</a:t>
+            </a:r>
+          </a:p>
+          <a:p>
+            <a:pPr lvl="1">
+              <a:buFont typeface="Courier New" panose="02070309020205020404" pitchFamily="49" charset="0"/>
+              <a:buChar char="o"/>
+            </a:pPr>
+            <a:r>
+              <a:rPr lang="en-GB" sz="1800" dirty="0" smtClean="0"/>
+              <a:t>Meeting Minute Documentation </a:t>
+            </a:r>
+          </a:p>
+          <a:p>
+            <a:pPr lvl="1">
+              <a:buFont typeface="Courier New" panose="02070309020205020404" pitchFamily="49" charset="0"/>
+              <a:buChar char="o"/>
+            </a:pPr>
+            <a:r>
+              <a:rPr lang="en-GB" sz="1800" dirty="0" smtClean="0"/>
+              <a:t>Project Planning with the team</a:t>
+            </a:r>
+          </a:p>
+          <a:p>
+            <a:r>
+              <a:rPr lang="en-GB" sz="3200" b="1" dirty="0" smtClean="0"/>
+              <a:t>Suppliers Interface</a:t>
+            </a:r>
+          </a:p>
+          <a:p>
+            <a:pPr lvl="1">
+              <a:buFont typeface="Courier New" panose="02070309020205020404" pitchFamily="49" charset="0"/>
+              <a:buChar char="o"/>
+            </a:pPr>
+            <a:r>
+              <a:rPr lang="en-GB" sz="1800" dirty="0" smtClean="0"/>
+              <a:t>User </a:t>
+            </a:r>
+            <a:r>
+              <a:rPr lang="en-GB" sz="1800" dirty="0"/>
+              <a:t>should be able to view stock amount. </a:t>
+            </a:r>
+            <a:r>
+              <a:rPr lang="en-GB" sz="1800" b="1" dirty="0"/>
+              <a:t>REMOVED</a:t>
+            </a:r>
+            <a:endParaRPr lang="en-GB" sz="1800" dirty="0"/>
+          </a:p>
+          <a:p>
+            <a:pPr lvl="1">
+              <a:buFont typeface="Courier New" panose="02070309020205020404" pitchFamily="49" charset="0"/>
+              <a:buChar char="o"/>
+            </a:pPr>
+            <a:r>
+              <a:rPr lang="en-GB" sz="1800" dirty="0"/>
+              <a:t>There should be a list of suppliers with their details.</a:t>
+            </a:r>
+          </a:p>
+          <a:p>
+            <a:pPr lvl="1">
+              <a:buFont typeface="Courier New" panose="02070309020205020404" pitchFamily="49" charset="0"/>
+              <a:buChar char="o"/>
+            </a:pPr>
+            <a:r>
+              <a:rPr lang="en-GB" sz="1800" dirty="0"/>
+              <a:t>User should be able to select a supplier.</a:t>
+            </a:r>
+          </a:p>
+          <a:p>
+            <a:pPr lvl="1">
+              <a:buFont typeface="Courier New" panose="02070309020205020404" pitchFamily="49" charset="0"/>
+              <a:buChar char="o"/>
+            </a:pPr>
+            <a:r>
+              <a:rPr lang="en-GB" sz="1800" dirty="0"/>
+              <a:t>User should be able to select type of product from supplier.</a:t>
+            </a:r>
+          </a:p>
+          <a:p>
+            <a:pPr lvl="1">
+              <a:buFont typeface="Courier New" panose="02070309020205020404" pitchFamily="49" charset="0"/>
+              <a:buChar char="o"/>
+            </a:pPr>
+            <a:r>
+              <a:rPr lang="en-GB" sz="1800" dirty="0"/>
+              <a:t>User should be able to place order with supplier.</a:t>
+            </a:r>
+          </a:p>
+          <a:p>
+            <a:pPr lvl="1">
+              <a:buFont typeface="Courier New" panose="02070309020205020404" pitchFamily="49" charset="0"/>
+              <a:buChar char="o"/>
+            </a:pPr>
+            <a:r>
+              <a:rPr lang="en-GB" sz="1800" dirty="0"/>
+              <a:t>Stock should be updated.</a:t>
+            </a:r>
+            <a:r>
+              <a:rPr lang="en-GB" sz="1800" b="1" dirty="0"/>
+              <a:t> </a:t>
+            </a:r>
+            <a:r>
+              <a:rPr lang="en-GB" sz="1800" b="1" dirty="0" smtClean="0"/>
+              <a:t>REMOVED</a:t>
+            </a:r>
+            <a:endParaRPr lang="en-GB" sz="1800" dirty="0"/>
           </a:p>
         </p:txBody>
       </p:sp>
     </p:spTree>
     <p:extLst>
       <p:ext uri="{BB962C8B-B14F-4D97-AF65-F5344CB8AC3E}">
-        <p14:creationId xmlns:p14="http://schemas.microsoft.com/office/powerpoint/2010/main" val="177952864"/>
+        <p14:creationId xmlns:p14="http://schemas.microsoft.com/office/powerpoint/2010/main" val="1369754473"/>
       </p:ext>
     </p:extLst>
   </p:cSld>
@@ -5289,210 +6065,6 @@
 </file>
 
 <file path=ppt/slides/slide5.xml><?xml version="1.0" encoding="utf-8"?>
-<p:sld xmlns:a="http://schemas.openxmlformats.org/drawingml/2006/main" xmlns:r="http://schemas.openxmlformats.org/officeDocument/2006/relationships" xmlns:p="http://schemas.openxmlformats.org/presentationml/2006/main">
-  <p:cSld>
-    <p:spTree>
-      <p:nvGrpSpPr>
-        <p:cNvPr id="1" name=""/>
-        <p:cNvGrpSpPr/>
-        <p:nvPr/>
-      </p:nvGrpSpPr>
-      <p:grpSpPr>
-        <a:xfrm>
-          <a:off x="0" y="0"/>
-          <a:ext cx="0" cy="0"/>
-          <a:chOff x="0" y="0"/>
-          <a:chExt cx="0" cy="0"/>
-        </a:xfrm>
-      </p:grpSpPr>
-      <p:sp>
-        <p:nvSpPr>
-          <p:cNvPr id="2" name="Title 1"/>
-          <p:cNvSpPr>
-            <a:spLocks noGrp="1"/>
-          </p:cNvSpPr>
-          <p:nvPr>
-            <p:ph type="title"/>
-          </p:nvPr>
-        </p:nvSpPr>
-        <p:spPr/>
-        <p:txBody>
-          <a:bodyPr/>
-          <a:lstStyle/>
-          <a:p>
-            <a:r>
-              <a:rPr lang="en-GB" dirty="0"/>
-              <a:t>FCEPH | </a:t>
-            </a:r>
-            <a:r>
-              <a:rPr lang="en-GB" dirty="0" err="1"/>
-              <a:t>Anis</a:t>
-            </a:r>
-            <a:endParaRPr lang="en-GB" dirty="0"/>
-          </a:p>
-        </p:txBody>
-      </p:sp>
-      <p:sp>
-        <p:nvSpPr>
-          <p:cNvPr id="3" name="Content Placeholder 2"/>
-          <p:cNvSpPr>
-            <a:spLocks noGrp="1"/>
-          </p:cNvSpPr>
-          <p:nvPr>
-            <p:ph idx="1"/>
-          </p:nvPr>
-        </p:nvSpPr>
-        <p:spPr/>
-        <p:txBody>
-          <a:bodyPr>
-            <a:normAutofit lnSpcReduction="10000"/>
-          </a:bodyPr>
-          <a:lstStyle/>
-          <a:p>
-            <a:r>
-              <a:rPr lang="en-GB" sz="2400" b="1" dirty="0"/>
-              <a:t>Project </a:t>
-            </a:r>
-            <a:r>
-              <a:rPr lang="en-GB" sz="2400" b="1" dirty="0" smtClean="0"/>
-              <a:t>Manager</a:t>
-            </a:r>
-          </a:p>
-          <a:p>
-            <a:pPr>
-              <a:buFont typeface="Wingdings" charset="2"/>
-              <a:buChar char="§"/>
-            </a:pPr>
-            <a:r>
-              <a:rPr lang="en-GB" sz="1700" dirty="0" smtClean="0"/>
-              <a:t>Meeting Minute Documentation </a:t>
-            </a:r>
-          </a:p>
-          <a:p>
-            <a:pPr>
-              <a:buFont typeface="Wingdings" charset="2"/>
-              <a:buChar char="§"/>
-            </a:pPr>
-            <a:r>
-              <a:rPr lang="en-GB" sz="1700" dirty="0" smtClean="0"/>
-              <a:t>Project Planning with the team</a:t>
-            </a:r>
-            <a:endParaRPr lang="en-GB" sz="1700" dirty="0" smtClean="0"/>
-          </a:p>
-          <a:p>
-            <a:r>
-              <a:rPr lang="en-GB" sz="2400" b="1" dirty="0" smtClean="0"/>
-              <a:t>Suppliers </a:t>
-            </a:r>
-            <a:r>
-              <a:rPr lang="en-GB" sz="2400" b="1" dirty="0" smtClean="0"/>
-              <a:t>Interface</a:t>
-            </a:r>
-          </a:p>
-          <a:p>
-            <a:pPr lvl="0">
-              <a:buFont typeface="Wingdings" charset="2"/>
-              <a:buChar char="§"/>
-            </a:pPr>
-            <a:r>
-              <a:rPr lang="en-GB" sz="1600" dirty="0" smtClean="0"/>
-              <a:t>User </a:t>
-            </a:r>
-            <a:r>
-              <a:rPr lang="en-GB" sz="1600" dirty="0"/>
-              <a:t>should be able to view stock amount. </a:t>
-            </a:r>
-            <a:r>
-              <a:rPr lang="en-GB" sz="1600" b="1" dirty="0"/>
-              <a:t>REMOVED</a:t>
-            </a:r>
-            <a:endParaRPr lang="en-GB" sz="1600" dirty="0"/>
-          </a:p>
-          <a:p>
-            <a:pPr lvl="0">
-              <a:buFont typeface="Wingdings" charset="2"/>
-              <a:buChar char="§"/>
-            </a:pPr>
-            <a:r>
-              <a:rPr lang="en-GB" sz="1600" dirty="0"/>
-              <a:t>There should be a list of suppliers with their details.</a:t>
-            </a:r>
-          </a:p>
-          <a:p>
-            <a:pPr lvl="0">
-              <a:buFont typeface="Wingdings" charset="2"/>
-              <a:buChar char="§"/>
-            </a:pPr>
-            <a:r>
-              <a:rPr lang="en-GB" sz="1600" dirty="0"/>
-              <a:t>User should be able to select a supplier.</a:t>
-            </a:r>
-          </a:p>
-          <a:p>
-            <a:pPr lvl="0">
-              <a:buFont typeface="Wingdings" charset="2"/>
-              <a:buChar char="§"/>
-            </a:pPr>
-            <a:r>
-              <a:rPr lang="en-GB" sz="1600" dirty="0"/>
-              <a:t>User should be able to select type of product from supplier.</a:t>
-            </a:r>
-          </a:p>
-          <a:p>
-            <a:pPr lvl="0">
-              <a:buFont typeface="Wingdings" charset="2"/>
-              <a:buChar char="§"/>
-            </a:pPr>
-            <a:r>
-              <a:rPr lang="en-GB" sz="1600" dirty="0"/>
-              <a:t>User should be able to place order with supplier.</a:t>
-            </a:r>
-          </a:p>
-          <a:p>
-            <a:pPr lvl="0">
-              <a:buFont typeface="Wingdings" charset="2"/>
-              <a:buChar char="§"/>
-            </a:pPr>
-            <a:r>
-              <a:rPr lang="en-GB" sz="1600" dirty="0"/>
-              <a:t>Stock should be updated.</a:t>
-            </a:r>
-            <a:r>
-              <a:rPr lang="en-GB" sz="1600" b="1" dirty="0"/>
-              <a:t> REMOVED</a:t>
-            </a:r>
-            <a:endParaRPr lang="en-GB" sz="1600" dirty="0"/>
-          </a:p>
-          <a:p>
-            <a:pPr>
-              <a:buFont typeface="Wingdings" charset="2"/>
-              <a:buChar char="§"/>
-            </a:pPr>
-            <a:endParaRPr lang="en-GB" sz="2400" b="1" dirty="0"/>
-          </a:p>
-        </p:txBody>
-      </p:sp>
-    </p:spTree>
-    <p:extLst>
-      <p:ext uri="{BB962C8B-B14F-4D97-AF65-F5344CB8AC3E}">
-        <p14:creationId xmlns:p14="http://schemas.microsoft.com/office/powerpoint/2010/main" val="529456731"/>
-      </p:ext>
-    </p:extLst>
-  </p:cSld>
-  <p:clrMapOvr>
-    <a:masterClrMapping/>
-  </p:clrMapOvr>
-  <p:timing>
-    <p:tnLst>
-      <p:par>
-        <p:cTn id="1" dur="indefinite" restart="never" nodeType="tmRoot"/>
-      </p:par>
-    </p:tnLst>
-  </p:timing>
-</p:sld>
-</file>
-
-<file path=ppt/slides/slide6.xml><?xml version="1.0" encoding="utf-8"?>
 <p:sld xmlns:a="http://schemas.openxmlformats.org/drawingml/2006/main" xmlns:r="http://schemas.openxmlformats.org/officeDocument/2006/relationships" xmlns:p="http://schemas.openxmlformats.org/presentationml/2006/main">
   <p:cSld>
     <p:spTree>
@@ -6482,7 +7054,216 @@
     </p:spTree>
     <p:extLst>
       <p:ext uri="{BB962C8B-B14F-4D97-AF65-F5344CB8AC3E}">
-        <p14:creationId xmlns:p14="http://schemas.microsoft.com/office/powerpoint/2010/main" val="1291797238"/>
+        <p14:creationId xmlns:p14="http://schemas.microsoft.com/office/powerpoint/2010/main" val="3188754120"/>
+      </p:ext>
+    </p:extLst>
+  </p:cSld>
+  <p:clrMapOvr>
+    <a:masterClrMapping/>
+  </p:clrMapOvr>
+  <p:timing>
+    <p:tnLst>
+      <p:par>
+        <p:cTn id="1" dur="indefinite" restart="never" nodeType="tmRoot"/>
+      </p:par>
+    </p:tnLst>
+  </p:timing>
+</p:sld>
+</file>
+
+<file path=ppt/slides/slide6.xml><?xml version="1.0" encoding="utf-8"?>
+<p:sld xmlns:a="http://schemas.openxmlformats.org/drawingml/2006/main" xmlns:r="http://schemas.openxmlformats.org/officeDocument/2006/relationships" xmlns:p="http://schemas.openxmlformats.org/presentationml/2006/main">
+  <p:cSld>
+    <p:spTree>
+      <p:nvGrpSpPr>
+        <p:cNvPr id="1" name=""/>
+        <p:cNvGrpSpPr/>
+        <p:nvPr/>
+      </p:nvGrpSpPr>
+      <p:grpSpPr>
+        <a:xfrm>
+          <a:off x="0" y="0"/>
+          <a:ext cx="0" cy="0"/>
+          <a:chOff x="0" y="0"/>
+          <a:chExt cx="0" cy="0"/>
+        </a:xfrm>
+      </p:grpSpPr>
+      <p:sp>
+        <p:nvSpPr>
+          <p:cNvPr id="2" name="Title 1"/>
+          <p:cNvSpPr>
+            <a:spLocks noGrp="1"/>
+          </p:cNvSpPr>
+          <p:nvPr>
+            <p:ph type="title"/>
+          </p:nvPr>
+        </p:nvSpPr>
+        <p:spPr/>
+        <p:txBody>
+          <a:bodyPr/>
+          <a:lstStyle/>
+          <a:p>
+            <a:r>
+              <a:rPr lang="en-GB" dirty="0"/>
+              <a:t>FCEPH | </a:t>
+            </a:r>
+            <a:r>
+              <a:rPr lang="en-GB" dirty="0" smtClean="0"/>
+              <a:t>Jennifer</a:t>
+            </a:r>
+            <a:endParaRPr lang="en-GB" dirty="0"/>
+          </a:p>
+        </p:txBody>
+      </p:sp>
+      <p:sp>
+        <p:nvSpPr>
+          <p:cNvPr id="3" name="Content Placeholder 2"/>
+          <p:cNvSpPr>
+            <a:spLocks noGrp="1"/>
+          </p:cNvSpPr>
+          <p:nvPr>
+            <p:ph idx="1"/>
+          </p:nvPr>
+        </p:nvSpPr>
+        <p:spPr>
+          <a:xfrm>
+            <a:off x="1143000" y="1928610"/>
+            <a:ext cx="9872871" cy="4038600"/>
+          </a:xfrm>
+        </p:spPr>
+        <p:txBody>
+          <a:bodyPr>
+            <a:noAutofit/>
+          </a:bodyPr>
+          <a:lstStyle/>
+          <a:p>
+            <a:r>
+              <a:rPr lang="en-GB" sz="2800" b="1" dirty="0" smtClean="0"/>
+              <a:t>Documentation</a:t>
+            </a:r>
+          </a:p>
+          <a:p>
+            <a:pPr lvl="1">
+              <a:buFont typeface="Courier New" panose="02070309020205020404" pitchFamily="49" charset="0"/>
+              <a:buChar char="o"/>
+            </a:pPr>
+            <a:r>
+              <a:rPr lang="en-GB" sz="2800" dirty="0" smtClean="0"/>
+              <a:t>Documenting the project</a:t>
+            </a:r>
+          </a:p>
+          <a:p>
+            <a:pPr lvl="1">
+              <a:buFont typeface="Courier New" panose="02070309020205020404" pitchFamily="49" charset="0"/>
+              <a:buChar char="o"/>
+            </a:pPr>
+            <a:r>
+              <a:rPr lang="en-GB" sz="2800" dirty="0" smtClean="0"/>
+              <a:t>Chart</a:t>
+            </a:r>
+          </a:p>
+          <a:p>
+            <a:r>
+              <a:rPr lang="en-GB" sz="2800" b="1" dirty="0" smtClean="0"/>
+              <a:t>Loyalty Scheme</a:t>
+            </a:r>
+          </a:p>
+          <a:p>
+            <a:pPr lvl="1">
+              <a:buFont typeface="Courier New" panose="02070309020205020404" pitchFamily="49" charset="0"/>
+              <a:buChar char="o"/>
+            </a:pPr>
+            <a:r>
+              <a:rPr lang="en-GB" sz="2800" dirty="0" smtClean="0"/>
+              <a:t>A </a:t>
+            </a:r>
+            <a:r>
+              <a:rPr lang="en-GB" sz="2800" dirty="0"/>
+              <a:t>customer should be able to register to a loyalty company.</a:t>
+            </a:r>
+          </a:p>
+          <a:p>
+            <a:pPr lvl="1">
+              <a:buFont typeface="Courier New" panose="02070309020205020404" pitchFamily="49" charset="0"/>
+              <a:buChar char="o"/>
+            </a:pPr>
+            <a:r>
+              <a:rPr lang="en-GB" sz="2800" dirty="0"/>
+              <a:t>A customer should be assigned a loyalty </a:t>
+            </a:r>
+            <a:r>
+              <a:rPr lang="en-GB" sz="2800" dirty="0" smtClean="0"/>
+              <a:t>card. </a:t>
+            </a:r>
+            <a:r>
+              <a:rPr lang="en-GB" sz="2800" b="1" dirty="0"/>
+              <a:t>- removed</a:t>
+            </a:r>
+            <a:endParaRPr lang="en-GB" sz="2800" dirty="0"/>
+          </a:p>
+          <a:p>
+            <a:pPr lvl="1">
+              <a:buFont typeface="Courier New" panose="02070309020205020404" pitchFamily="49" charset="0"/>
+              <a:buChar char="o"/>
+            </a:pPr>
+            <a:r>
+              <a:rPr lang="en-GB" sz="2800" dirty="0"/>
+              <a:t>Points should be </a:t>
+            </a:r>
+            <a:r>
+              <a:rPr lang="en-GB" sz="2800" dirty="0" smtClean="0"/>
+              <a:t>added.</a:t>
+            </a:r>
+            <a:endParaRPr lang="en-GB" sz="2800" dirty="0"/>
+          </a:p>
+          <a:p>
+            <a:pPr lvl="1">
+              <a:buFont typeface="Courier New" panose="02070309020205020404" pitchFamily="49" charset="0"/>
+              <a:buChar char="o"/>
+            </a:pPr>
+            <a:r>
+              <a:rPr lang="en-GB" sz="2800" dirty="0"/>
+              <a:t>Points should be </a:t>
+            </a:r>
+            <a:r>
+              <a:rPr lang="en-GB" sz="2800" dirty="0" smtClean="0"/>
+              <a:t>removed. </a:t>
+            </a:r>
+            <a:r>
+              <a:rPr lang="en-GB" sz="2800" b="1" dirty="0" smtClean="0"/>
+              <a:t>- </a:t>
+            </a:r>
+            <a:r>
+              <a:rPr lang="en-GB" sz="2800" b="1" dirty="0"/>
+              <a:t>removed</a:t>
+            </a:r>
+            <a:endParaRPr lang="en-GB" sz="2800" dirty="0"/>
+          </a:p>
+          <a:p>
+            <a:pPr lvl="1">
+              <a:buFont typeface="Courier New" panose="02070309020205020404" pitchFamily="49" charset="0"/>
+              <a:buChar char="o"/>
+            </a:pPr>
+            <a:r>
+              <a:rPr lang="en-GB" sz="2800" dirty="0" smtClean="0"/>
+              <a:t>Receive </a:t>
+            </a:r>
+            <a:r>
+              <a:rPr lang="en-GB" sz="2800" dirty="0"/>
+              <a:t>special deals for loyalty points and discounts</a:t>
+            </a:r>
+            <a:r>
+              <a:rPr lang="en-GB" sz="2800" dirty="0" smtClean="0"/>
+              <a:t>.</a:t>
+            </a:r>
+            <a:endParaRPr lang="en-GB" sz="2800" dirty="0"/>
+          </a:p>
+        </p:txBody>
+      </p:sp>
+    </p:spTree>
+    <p:extLst>
+      <p:ext uri="{BB962C8B-B14F-4D97-AF65-F5344CB8AC3E}">
+        <p14:creationId xmlns:p14="http://schemas.microsoft.com/office/powerpoint/2010/main" val="3229383263"/>
       </p:ext>
     </p:extLst>
   </p:cSld>
@@ -6526,7 +7307,12 @@
             <p:ph type="title"/>
           </p:nvPr>
         </p:nvSpPr>
-        <p:spPr/>
+        <p:spPr>
+          <a:xfrm>
+            <a:off x="1140351" y="0"/>
+            <a:ext cx="9875520" cy="1356360"/>
+          </a:xfrm>
+        </p:spPr>
         <p:txBody>
           <a:bodyPr/>
           <a:lstStyle/>
@@ -6537,9 +7323,12 @@
             </a:r>
             <a:r>
               <a:rPr lang="en-GB" dirty="0" smtClean="0"/>
-              <a:t>Jennifer</a:t>
-            </a:r>
-            <a:endParaRPr lang="en-GB" dirty="0"/>
+              <a:t>Jennifer </a:t>
+            </a:r>
+            <a:r>
+              <a:rPr lang="en-GB" dirty="0"/>
+              <a:t>– Project Plan</a:t>
+            </a:r>
           </a:p>
         </p:txBody>
       </p:sp>
@@ -6553,29 +7342,1101 @@
             <p:ph idx="1"/>
           </p:nvPr>
         </p:nvSpPr>
-        <p:spPr/>
+        <p:spPr>
+          <a:xfrm>
+            <a:off x="807842" y="1447799"/>
+            <a:ext cx="9872871" cy="4038600"/>
+          </a:xfrm>
+        </p:spPr>
         <p:txBody>
           <a:bodyPr/>
           <a:lstStyle/>
           <a:p>
             <a:r>
-              <a:rPr lang="en-GB" dirty="0" smtClean="0"/>
-              <a:t>Documentation</a:t>
-            </a:r>
-          </a:p>
-          <a:p>
-            <a:r>
-              <a:rPr lang="en-GB" dirty="0" smtClean="0"/>
-              <a:t>Loyalty Scheme</a:t>
-            </a:r>
-            <a:endParaRPr lang="en-GB" dirty="0"/>
-          </a:p>
-        </p:txBody>
-      </p:sp>
+              <a:rPr lang="en-GB" sz="2400" b="1" dirty="0" smtClean="0"/>
+              <a:t>Work breakdown Structure</a:t>
+            </a:r>
+          </a:p>
+          <a:p>
+            <a:pPr lvl="1">
+              <a:buFont typeface="Courier New" panose="02070309020205020404" pitchFamily="49" charset="0"/>
+              <a:buChar char="o"/>
+            </a:pPr>
+            <a:r>
+              <a:rPr lang="en-GB" sz="2400" dirty="0" smtClean="0"/>
+              <a:t>Breakdown workload</a:t>
+            </a:r>
+          </a:p>
+          <a:p>
+            <a:pPr lvl="1">
+              <a:buFont typeface="Courier New" panose="02070309020205020404" pitchFamily="49" charset="0"/>
+              <a:buChar char="o"/>
+            </a:pPr>
+            <a:r>
+              <a:rPr lang="en-GB" sz="2400" dirty="0" smtClean="0"/>
+              <a:t>Project seem more manageable</a:t>
+            </a:r>
+            <a:endParaRPr lang="en-GB" sz="2400" dirty="0"/>
+          </a:p>
+          <a:p>
+            <a:r>
+              <a:rPr lang="en-GB" sz="2400" b="1" dirty="0"/>
+              <a:t>Risk register</a:t>
+            </a:r>
+          </a:p>
+          <a:p>
+            <a:pPr lvl="1">
+              <a:buFont typeface="Courier New" panose="02070309020205020404" pitchFamily="49" charset="0"/>
+              <a:buChar char="o"/>
+            </a:pPr>
+            <a:r>
+              <a:rPr lang="en-GB" sz="2400" dirty="0" smtClean="0"/>
+              <a:t>Negative Risks</a:t>
+            </a:r>
+            <a:endParaRPr lang="en-GB" sz="2400" dirty="0"/>
+          </a:p>
+          <a:p>
+            <a:pPr lvl="1">
+              <a:buFont typeface="Courier New" panose="02070309020205020404" pitchFamily="49" charset="0"/>
+              <a:buChar char="o"/>
+            </a:pPr>
+            <a:r>
+              <a:rPr lang="en-GB" sz="2400" dirty="0" smtClean="0"/>
+              <a:t>Positive Risks</a:t>
+            </a:r>
+            <a:endParaRPr lang="en-GB" sz="2400" dirty="0"/>
+          </a:p>
+          <a:p>
+            <a:pPr marL="274320" lvl="1" indent="0">
+              <a:buNone/>
+            </a:pPr>
+            <a:endParaRPr lang="en-GB" dirty="0" smtClean="0"/>
+          </a:p>
+        </p:txBody>
+      </p:sp>
+      <p:pic>
+        <p:nvPicPr>
+          <p:cNvPr id="5" name="Picture 4"/>
+          <p:cNvPicPr/>
+          <p:nvPr/>
+        </p:nvPicPr>
+        <p:blipFill>
+          <a:blip r:embed="rId3">
+            <a:extLst>
+              <a:ext uri="{28A0092B-C50C-407E-A947-70E740481C1C}">
+                <a14:useLocalDpi xmlns:a14="http://schemas.microsoft.com/office/drawing/2010/main" val="0"/>
+              </a:ext>
+            </a:extLst>
+          </a:blip>
+          <a:stretch>
+            <a:fillRect/>
+          </a:stretch>
+        </p:blipFill>
+        <p:spPr>
+          <a:xfrm>
+            <a:off x="5544590" y="1447799"/>
+            <a:ext cx="6342610" cy="2650375"/>
+          </a:xfrm>
+          <a:prstGeom prst="rect">
+            <a:avLst/>
+          </a:prstGeom>
+        </p:spPr>
+      </p:pic>
+      <p:graphicFrame>
+        <p:nvGraphicFramePr>
+          <p:cNvPr id="6" name="Table 5"/>
+          <p:cNvGraphicFramePr>
+            <a:graphicFrameLocks noGrp="1"/>
+          </p:cNvGraphicFramePr>
+          <p:nvPr>
+            <p:extLst>
+              <p:ext uri="{D42A27DB-BD31-4B8C-83A1-F6EECF244321}">
+                <p14:modId xmlns:p14="http://schemas.microsoft.com/office/powerpoint/2010/main" val="4240471157"/>
+              </p:ext>
+            </p:extLst>
+          </p:nvPr>
+        </p:nvGraphicFramePr>
+        <p:xfrm>
+          <a:off x="573944" y="4587242"/>
+          <a:ext cx="11005685" cy="1770588"/>
+        </p:xfrm>
+        <a:graphic>
+          <a:graphicData uri="http://schemas.openxmlformats.org/drawingml/2006/table">
+            <a:tbl>
+              <a:tblPr firstRow="1" firstCol="1" bandRow="1">
+                <a:tableStyleId>{5C22544A-7EE6-4342-B048-85BDC9FD1C3A}</a:tableStyleId>
+              </a:tblPr>
+              <a:tblGrid>
+                <a:gridCol w="451247">
+                  <a:extLst>
+                    <a:ext uri="{9D8B030D-6E8A-4147-A177-3AD203B41FA5}">
+                      <a16:colId xmlns:a16="http://schemas.microsoft.com/office/drawing/2014/main" xmlns="" val="1186374384"/>
+                    </a:ext>
+                  </a:extLst>
+                </a:gridCol>
+                <a:gridCol w="624630">
+                  <a:extLst>
+                    <a:ext uri="{9D8B030D-6E8A-4147-A177-3AD203B41FA5}">
+                      <a16:colId xmlns:a16="http://schemas.microsoft.com/office/drawing/2014/main" xmlns="" val="1662131398"/>
+                    </a:ext>
+                  </a:extLst>
+                </a:gridCol>
+                <a:gridCol w="1064942">
+                  <a:extLst>
+                    <a:ext uri="{9D8B030D-6E8A-4147-A177-3AD203B41FA5}">
+                      <a16:colId xmlns:a16="http://schemas.microsoft.com/office/drawing/2014/main" xmlns="" val="3606078462"/>
+                    </a:ext>
+                  </a:extLst>
+                </a:gridCol>
+                <a:gridCol w="1517838">
+                  <a:extLst>
+                    <a:ext uri="{9D8B030D-6E8A-4147-A177-3AD203B41FA5}">
+                      <a16:colId xmlns:a16="http://schemas.microsoft.com/office/drawing/2014/main" xmlns="" val="2231300451"/>
+                    </a:ext>
+                  </a:extLst>
+                </a:gridCol>
+                <a:gridCol w="721784">
+                  <a:extLst>
+                    <a:ext uri="{9D8B030D-6E8A-4147-A177-3AD203B41FA5}">
+                      <a16:colId xmlns:a16="http://schemas.microsoft.com/office/drawing/2014/main" xmlns="" val="3035187046"/>
+                    </a:ext>
+                  </a:extLst>
+                </a:gridCol>
+                <a:gridCol w="1389098">
+                  <a:extLst>
+                    <a:ext uri="{9D8B030D-6E8A-4147-A177-3AD203B41FA5}">
+                      <a16:colId xmlns:a16="http://schemas.microsoft.com/office/drawing/2014/main" xmlns="" val="2950164483"/>
+                    </a:ext>
+                  </a:extLst>
+                </a:gridCol>
+                <a:gridCol w="1884856">
+                  <a:extLst>
+                    <a:ext uri="{9D8B030D-6E8A-4147-A177-3AD203B41FA5}">
+                      <a16:colId xmlns:a16="http://schemas.microsoft.com/office/drawing/2014/main" xmlns="" val="2904866764"/>
+                    </a:ext>
+                  </a:extLst>
+                </a:gridCol>
+                <a:gridCol w="1662740">
+                  <a:extLst>
+                    <a:ext uri="{9D8B030D-6E8A-4147-A177-3AD203B41FA5}">
+                      <a16:colId xmlns:a16="http://schemas.microsoft.com/office/drawing/2014/main" xmlns="" val="1176429251"/>
+                    </a:ext>
+                  </a:extLst>
+                </a:gridCol>
+                <a:gridCol w="997958">
+                  <a:extLst>
+                    <a:ext uri="{9D8B030D-6E8A-4147-A177-3AD203B41FA5}">
+                      <a16:colId xmlns:a16="http://schemas.microsoft.com/office/drawing/2014/main" xmlns="" val="457464082"/>
+                    </a:ext>
+                  </a:extLst>
+                </a:gridCol>
+                <a:gridCol w="690592">
+                  <a:extLst>
+                    <a:ext uri="{9D8B030D-6E8A-4147-A177-3AD203B41FA5}">
+                      <a16:colId xmlns:a16="http://schemas.microsoft.com/office/drawing/2014/main" xmlns="" val="3249251570"/>
+                    </a:ext>
+                  </a:extLst>
+                </a:gridCol>
+              </a:tblGrid>
+              <a:tr h="371619">
+                <a:tc>
+                  <a:txBody>
+                    <a:bodyPr/>
+                    <a:lstStyle/>
+                    <a:p>
+                      <a:pPr algn="just">
+                        <a:lnSpc>
+                          <a:spcPct val="110000"/>
+                        </a:lnSpc>
+                        <a:spcAft>
+                          <a:spcPts val="0"/>
+                        </a:spcAft>
+                      </a:pPr>
+                      <a:r>
+                        <a:rPr lang="en-GB" sz="1050">
+                          <a:effectLst/>
+                        </a:rPr>
+                        <a:t>No.</a:t>
+                      </a:r>
+                      <a:endParaRPr lang="en-GB" sz="1050">
+                        <a:effectLst/>
+                        <a:latin typeface="Garamond" panose="02020404030301010803" pitchFamily="18" charset="0"/>
+                        <a:ea typeface="Times New Roman" panose="02020603050405020304" pitchFamily="18" charset="0"/>
+                        <a:cs typeface="Times New Roman" panose="02020603050405020304" pitchFamily="18" charset="0"/>
+                      </a:endParaRPr>
+                    </a:p>
+                  </a:txBody>
+                  <a:tcPr marL="68580" marR="68580" marT="0" marB="0"/>
+                </a:tc>
+                <a:tc>
+                  <a:txBody>
+                    <a:bodyPr/>
+                    <a:lstStyle/>
+                    <a:p>
+                      <a:pPr algn="just">
+                        <a:lnSpc>
+                          <a:spcPct val="110000"/>
+                        </a:lnSpc>
+                        <a:spcAft>
+                          <a:spcPts val="0"/>
+                        </a:spcAft>
+                      </a:pPr>
+                      <a:r>
+                        <a:rPr lang="en-GB" sz="1050">
+                          <a:effectLst/>
+                        </a:rPr>
+                        <a:t>Rank</a:t>
+                      </a:r>
+                      <a:endParaRPr lang="en-GB" sz="1050">
+                        <a:effectLst/>
+                        <a:latin typeface="Garamond" panose="02020404030301010803" pitchFamily="18" charset="0"/>
+                        <a:ea typeface="Times New Roman" panose="02020603050405020304" pitchFamily="18" charset="0"/>
+                        <a:cs typeface="Times New Roman" panose="02020603050405020304" pitchFamily="18" charset="0"/>
+                      </a:endParaRPr>
+                    </a:p>
+                  </a:txBody>
+                  <a:tcPr marL="68580" marR="68580" marT="0" marB="0"/>
+                </a:tc>
+                <a:tc>
+                  <a:txBody>
+                    <a:bodyPr/>
+                    <a:lstStyle/>
+                    <a:p>
+                      <a:pPr algn="just">
+                        <a:lnSpc>
+                          <a:spcPct val="110000"/>
+                        </a:lnSpc>
+                        <a:spcAft>
+                          <a:spcPts val="0"/>
+                        </a:spcAft>
+                      </a:pPr>
+                      <a:r>
+                        <a:rPr lang="en-GB" sz="1050">
+                          <a:effectLst/>
+                        </a:rPr>
+                        <a:t>Risk</a:t>
+                      </a:r>
+                      <a:endParaRPr lang="en-GB" sz="1050">
+                        <a:effectLst/>
+                        <a:latin typeface="Garamond" panose="02020404030301010803" pitchFamily="18" charset="0"/>
+                        <a:ea typeface="Times New Roman" panose="02020603050405020304" pitchFamily="18" charset="0"/>
+                        <a:cs typeface="Times New Roman" panose="02020603050405020304" pitchFamily="18" charset="0"/>
+                      </a:endParaRPr>
+                    </a:p>
+                  </a:txBody>
+                  <a:tcPr marL="68580" marR="68580" marT="0" marB="0"/>
+                </a:tc>
+                <a:tc>
+                  <a:txBody>
+                    <a:bodyPr/>
+                    <a:lstStyle/>
+                    <a:p>
+                      <a:pPr algn="just">
+                        <a:lnSpc>
+                          <a:spcPct val="110000"/>
+                        </a:lnSpc>
+                        <a:spcAft>
+                          <a:spcPts val="0"/>
+                        </a:spcAft>
+                      </a:pPr>
+                      <a:r>
+                        <a:rPr lang="en-GB" sz="1050">
+                          <a:effectLst/>
+                        </a:rPr>
+                        <a:t>Description</a:t>
+                      </a:r>
+                      <a:endParaRPr lang="en-GB" sz="1050">
+                        <a:effectLst/>
+                        <a:latin typeface="Garamond" panose="02020404030301010803" pitchFamily="18" charset="0"/>
+                        <a:ea typeface="Times New Roman" panose="02020603050405020304" pitchFamily="18" charset="0"/>
+                        <a:cs typeface="Times New Roman" panose="02020603050405020304" pitchFamily="18" charset="0"/>
+                      </a:endParaRPr>
+                    </a:p>
+                  </a:txBody>
+                  <a:tcPr marL="68580" marR="68580" marT="0" marB="0"/>
+                </a:tc>
+                <a:tc>
+                  <a:txBody>
+                    <a:bodyPr/>
+                    <a:lstStyle/>
+                    <a:p>
+                      <a:pPr algn="just">
+                        <a:lnSpc>
+                          <a:spcPct val="110000"/>
+                        </a:lnSpc>
+                        <a:spcAft>
+                          <a:spcPts val="0"/>
+                        </a:spcAft>
+                      </a:pPr>
+                      <a:r>
+                        <a:rPr lang="en-GB" sz="1050">
+                          <a:effectLst/>
+                        </a:rPr>
+                        <a:t>Category</a:t>
+                      </a:r>
+                      <a:endParaRPr lang="en-GB" sz="1050">
+                        <a:effectLst/>
+                        <a:latin typeface="Garamond" panose="02020404030301010803" pitchFamily="18" charset="0"/>
+                        <a:ea typeface="Times New Roman" panose="02020603050405020304" pitchFamily="18" charset="0"/>
+                        <a:cs typeface="Times New Roman" panose="02020603050405020304" pitchFamily="18" charset="0"/>
+                      </a:endParaRPr>
+                    </a:p>
+                  </a:txBody>
+                  <a:tcPr marL="68580" marR="68580" marT="0" marB="0"/>
+                </a:tc>
+                <a:tc>
+                  <a:txBody>
+                    <a:bodyPr/>
+                    <a:lstStyle/>
+                    <a:p>
+                      <a:pPr algn="just">
+                        <a:lnSpc>
+                          <a:spcPct val="110000"/>
+                        </a:lnSpc>
+                        <a:spcAft>
+                          <a:spcPts val="0"/>
+                        </a:spcAft>
+                      </a:pPr>
+                      <a:r>
+                        <a:rPr lang="en-GB" sz="1050">
+                          <a:effectLst/>
+                        </a:rPr>
+                        <a:t>Root</a:t>
+                      </a:r>
+                      <a:endParaRPr lang="en-GB" sz="1050">
+                        <a:effectLst/>
+                        <a:latin typeface="Garamond" panose="02020404030301010803" pitchFamily="18" charset="0"/>
+                        <a:ea typeface="Times New Roman" panose="02020603050405020304" pitchFamily="18" charset="0"/>
+                        <a:cs typeface="Times New Roman" panose="02020603050405020304" pitchFamily="18" charset="0"/>
+                      </a:endParaRPr>
+                    </a:p>
+                  </a:txBody>
+                  <a:tcPr marL="68580" marR="68580" marT="0" marB="0"/>
+                </a:tc>
+                <a:tc>
+                  <a:txBody>
+                    <a:bodyPr/>
+                    <a:lstStyle/>
+                    <a:p>
+                      <a:pPr algn="just">
+                        <a:lnSpc>
+                          <a:spcPct val="110000"/>
+                        </a:lnSpc>
+                        <a:spcAft>
+                          <a:spcPts val="0"/>
+                        </a:spcAft>
+                      </a:pPr>
+                      <a:r>
+                        <a:rPr lang="en-GB" sz="1050">
+                          <a:effectLst/>
+                        </a:rPr>
+                        <a:t>Triggers</a:t>
+                      </a:r>
+                      <a:endParaRPr lang="en-GB" sz="1050">
+                        <a:effectLst/>
+                        <a:latin typeface="Garamond" panose="02020404030301010803" pitchFamily="18" charset="0"/>
+                        <a:ea typeface="Times New Roman" panose="02020603050405020304" pitchFamily="18" charset="0"/>
+                        <a:cs typeface="Times New Roman" panose="02020603050405020304" pitchFamily="18" charset="0"/>
+                      </a:endParaRPr>
+                    </a:p>
+                  </a:txBody>
+                  <a:tcPr marL="68580" marR="68580" marT="0" marB="0"/>
+                </a:tc>
+                <a:tc>
+                  <a:txBody>
+                    <a:bodyPr/>
+                    <a:lstStyle/>
+                    <a:p>
+                      <a:pPr algn="just">
+                        <a:lnSpc>
+                          <a:spcPct val="110000"/>
+                        </a:lnSpc>
+                        <a:spcAft>
+                          <a:spcPts val="0"/>
+                        </a:spcAft>
+                      </a:pPr>
+                      <a:r>
+                        <a:rPr lang="en-GB" sz="1050">
+                          <a:effectLst/>
+                        </a:rPr>
+                        <a:t>Potential Responses</a:t>
+                      </a:r>
+                      <a:endParaRPr lang="en-GB" sz="1050">
+                        <a:effectLst/>
+                        <a:latin typeface="Garamond" panose="02020404030301010803" pitchFamily="18" charset="0"/>
+                        <a:ea typeface="Times New Roman" panose="02020603050405020304" pitchFamily="18" charset="0"/>
+                        <a:cs typeface="Times New Roman" panose="02020603050405020304" pitchFamily="18" charset="0"/>
+                      </a:endParaRPr>
+                    </a:p>
+                  </a:txBody>
+                  <a:tcPr marL="68580" marR="68580" marT="0" marB="0"/>
+                </a:tc>
+                <a:tc>
+                  <a:txBody>
+                    <a:bodyPr/>
+                    <a:lstStyle/>
+                    <a:p>
+                      <a:pPr algn="just">
+                        <a:lnSpc>
+                          <a:spcPct val="110000"/>
+                        </a:lnSpc>
+                        <a:spcAft>
+                          <a:spcPts val="0"/>
+                        </a:spcAft>
+                      </a:pPr>
+                      <a:r>
+                        <a:rPr lang="en-GB" sz="1050">
+                          <a:effectLst/>
+                        </a:rPr>
+                        <a:t>Risk Owner</a:t>
+                      </a:r>
+                      <a:endParaRPr lang="en-GB" sz="1050">
+                        <a:effectLst/>
+                        <a:latin typeface="Garamond" panose="02020404030301010803" pitchFamily="18" charset="0"/>
+                        <a:ea typeface="Times New Roman" panose="02020603050405020304" pitchFamily="18" charset="0"/>
+                        <a:cs typeface="Times New Roman" panose="02020603050405020304" pitchFamily="18" charset="0"/>
+                      </a:endParaRPr>
+                    </a:p>
+                  </a:txBody>
+                  <a:tcPr marL="68580" marR="68580" marT="0" marB="0"/>
+                </a:tc>
+                <a:tc>
+                  <a:txBody>
+                    <a:bodyPr/>
+                    <a:lstStyle/>
+                    <a:p>
+                      <a:pPr algn="just">
+                        <a:lnSpc>
+                          <a:spcPct val="110000"/>
+                        </a:lnSpc>
+                        <a:spcAft>
+                          <a:spcPts val="0"/>
+                        </a:spcAft>
+                      </a:pPr>
+                      <a:r>
+                        <a:rPr lang="en-GB" sz="1050">
+                          <a:effectLst/>
+                        </a:rPr>
+                        <a:t>Status</a:t>
+                      </a:r>
+                      <a:endParaRPr lang="en-GB" sz="1050">
+                        <a:effectLst/>
+                        <a:latin typeface="Garamond" panose="02020404030301010803" pitchFamily="18" charset="0"/>
+                        <a:ea typeface="Times New Roman" panose="02020603050405020304" pitchFamily="18" charset="0"/>
+                        <a:cs typeface="Times New Roman" panose="02020603050405020304" pitchFamily="18" charset="0"/>
+                      </a:endParaRPr>
+                    </a:p>
+                  </a:txBody>
+                  <a:tcPr marL="68580" marR="68580" marT="0" marB="0"/>
+                </a:tc>
+                <a:extLst>
+                  <a:ext uri="{0D108BD9-81ED-4DB2-BD59-A6C34878D82A}">
+                    <a16:rowId xmlns:a16="http://schemas.microsoft.com/office/drawing/2014/main" xmlns="" val="3284525225"/>
+                  </a:ext>
+                </a:extLst>
+              </a:tr>
+              <a:tr h="795465">
+                <a:tc>
+                  <a:txBody>
+                    <a:bodyPr/>
+                    <a:lstStyle/>
+                    <a:p>
+                      <a:pPr algn="just">
+                        <a:lnSpc>
+                          <a:spcPct val="110000"/>
+                        </a:lnSpc>
+                        <a:spcAft>
+                          <a:spcPts val="0"/>
+                        </a:spcAft>
+                      </a:pPr>
+                      <a:r>
+                        <a:rPr lang="en-GB" sz="1050" dirty="0">
+                          <a:effectLst/>
+                        </a:rPr>
+                        <a:t>R1</a:t>
+                      </a:r>
+                      <a:endParaRPr lang="en-GB" sz="1050" dirty="0">
+                        <a:effectLst/>
+                        <a:latin typeface="Garamond" panose="02020404030301010803" pitchFamily="18" charset="0"/>
+                        <a:ea typeface="Times New Roman" panose="02020603050405020304" pitchFamily="18" charset="0"/>
+                        <a:cs typeface="Times New Roman" panose="02020603050405020304" pitchFamily="18" charset="0"/>
+                      </a:endParaRPr>
+                    </a:p>
+                  </a:txBody>
+                  <a:tcPr marL="68580" marR="68580" marT="0" marB="0" anchor="ctr"/>
+                </a:tc>
+                <a:tc>
+                  <a:txBody>
+                    <a:bodyPr/>
+                    <a:lstStyle/>
+                    <a:p>
+                      <a:pPr algn="ctr">
+                        <a:lnSpc>
+                          <a:spcPct val="110000"/>
+                        </a:lnSpc>
+                        <a:spcAft>
+                          <a:spcPts val="0"/>
+                        </a:spcAft>
+                      </a:pPr>
+                      <a:r>
+                        <a:rPr lang="en-GB" sz="1200" dirty="0">
+                          <a:effectLst/>
+                        </a:rPr>
+                        <a:t>1</a:t>
+                      </a:r>
+                      <a:endParaRPr lang="en-GB" sz="1200" dirty="0">
+                        <a:effectLst/>
+                        <a:latin typeface="Garamond" panose="02020404030301010803" pitchFamily="18" charset="0"/>
+                        <a:ea typeface="Times New Roman" panose="02020603050405020304" pitchFamily="18" charset="0"/>
+                        <a:cs typeface="Times New Roman" panose="02020603050405020304" pitchFamily="18" charset="0"/>
+                      </a:endParaRPr>
+                    </a:p>
+                  </a:txBody>
+                  <a:tcPr marL="68580" marR="68580" marT="0" marB="0" anchor="ctr"/>
+                </a:tc>
+                <a:tc>
+                  <a:txBody>
+                    <a:bodyPr/>
+                    <a:lstStyle/>
+                    <a:p>
+                      <a:pPr algn="just">
+                        <a:lnSpc>
+                          <a:spcPct val="110000"/>
+                        </a:lnSpc>
+                        <a:spcAft>
+                          <a:spcPts val="0"/>
+                        </a:spcAft>
+                      </a:pPr>
+                      <a:r>
+                        <a:rPr lang="en-GB" sz="1200" dirty="0">
+                          <a:effectLst/>
+                        </a:rPr>
+                        <a:t>Incompletion</a:t>
+                      </a:r>
+                      <a:endParaRPr lang="en-GB" sz="1200" dirty="0">
+                        <a:effectLst/>
+                        <a:latin typeface="Garamond" panose="02020404030301010803" pitchFamily="18" charset="0"/>
+                        <a:ea typeface="Times New Roman" panose="02020603050405020304" pitchFamily="18" charset="0"/>
+                        <a:cs typeface="Times New Roman" panose="02020603050405020304" pitchFamily="18" charset="0"/>
+                      </a:endParaRPr>
+                    </a:p>
+                  </a:txBody>
+                  <a:tcPr marL="68580" marR="68580" marT="0" marB="0" anchor="ctr"/>
+                </a:tc>
+                <a:tc>
+                  <a:txBody>
+                    <a:bodyPr/>
+                    <a:lstStyle/>
+                    <a:p>
+                      <a:pPr algn="just">
+                        <a:lnSpc>
+                          <a:spcPct val="110000"/>
+                        </a:lnSpc>
+                        <a:spcAft>
+                          <a:spcPts val="0"/>
+                        </a:spcAft>
+                      </a:pPr>
+                      <a:r>
+                        <a:rPr lang="en-GB" sz="1200" dirty="0">
+                          <a:effectLst/>
+                        </a:rPr>
+                        <a:t>Not finishing the sub component on time</a:t>
+                      </a:r>
+                      <a:endParaRPr lang="en-GB" sz="1200" dirty="0">
+                        <a:effectLst/>
+                        <a:latin typeface="Garamond" panose="02020404030301010803" pitchFamily="18" charset="0"/>
+                        <a:ea typeface="Times New Roman" panose="02020603050405020304" pitchFamily="18" charset="0"/>
+                        <a:cs typeface="Times New Roman" panose="02020603050405020304" pitchFamily="18" charset="0"/>
+                      </a:endParaRPr>
+                    </a:p>
+                  </a:txBody>
+                  <a:tcPr marL="68580" marR="68580" marT="0" marB="0" anchor="ctr"/>
+                </a:tc>
+                <a:tc>
+                  <a:txBody>
+                    <a:bodyPr/>
+                    <a:lstStyle/>
+                    <a:p>
+                      <a:pPr algn="just">
+                        <a:lnSpc>
+                          <a:spcPct val="110000"/>
+                        </a:lnSpc>
+                        <a:spcAft>
+                          <a:spcPts val="0"/>
+                        </a:spcAft>
+                      </a:pPr>
+                      <a:r>
+                        <a:rPr lang="en-GB" sz="1200" dirty="0">
+                          <a:effectLst/>
+                        </a:rPr>
+                        <a:t>Negative</a:t>
+                      </a:r>
+                      <a:endParaRPr lang="en-GB" sz="1200" dirty="0">
+                        <a:effectLst/>
+                        <a:latin typeface="Garamond" panose="02020404030301010803" pitchFamily="18" charset="0"/>
+                        <a:ea typeface="Times New Roman" panose="02020603050405020304" pitchFamily="18" charset="0"/>
+                        <a:cs typeface="Times New Roman" panose="02020603050405020304" pitchFamily="18" charset="0"/>
+                      </a:endParaRPr>
+                    </a:p>
+                  </a:txBody>
+                  <a:tcPr marL="68580" marR="68580" marT="0" marB="0" anchor="ctr"/>
+                </a:tc>
+                <a:tc>
+                  <a:txBody>
+                    <a:bodyPr/>
+                    <a:lstStyle/>
+                    <a:p>
+                      <a:pPr algn="just">
+                        <a:lnSpc>
+                          <a:spcPct val="110000"/>
+                        </a:lnSpc>
+                        <a:spcAft>
+                          <a:spcPts val="0"/>
+                        </a:spcAft>
+                      </a:pPr>
+                      <a:r>
+                        <a:rPr lang="en-GB" sz="1200" dirty="0">
+                          <a:effectLst/>
+                        </a:rPr>
+                        <a:t>Started component late because core was unfinished</a:t>
+                      </a:r>
+                      <a:endParaRPr lang="en-GB" sz="1200" dirty="0">
+                        <a:effectLst/>
+                        <a:latin typeface="Garamond" panose="02020404030301010803" pitchFamily="18" charset="0"/>
+                        <a:ea typeface="Times New Roman" panose="02020603050405020304" pitchFamily="18" charset="0"/>
+                        <a:cs typeface="Times New Roman" panose="02020603050405020304" pitchFamily="18" charset="0"/>
+                      </a:endParaRPr>
+                    </a:p>
+                  </a:txBody>
+                  <a:tcPr marL="68580" marR="68580" marT="0" marB="0" anchor="ctr"/>
+                </a:tc>
+                <a:tc>
+                  <a:txBody>
+                    <a:bodyPr/>
+                    <a:lstStyle/>
+                    <a:p>
+                      <a:pPr algn="just">
+                        <a:lnSpc>
+                          <a:spcPct val="110000"/>
+                        </a:lnSpc>
+                        <a:spcAft>
+                          <a:spcPts val="0"/>
+                        </a:spcAft>
+                      </a:pPr>
+                      <a:r>
+                        <a:rPr lang="en-GB" sz="1200" dirty="0">
+                          <a:effectLst/>
+                        </a:rPr>
+                        <a:t>Passing deadlines set for tasks</a:t>
+                      </a:r>
+                      <a:endParaRPr lang="en-GB" sz="1200" dirty="0">
+                        <a:effectLst/>
+                        <a:latin typeface="Garamond" panose="02020404030301010803" pitchFamily="18" charset="0"/>
+                        <a:ea typeface="Times New Roman" panose="02020603050405020304" pitchFamily="18" charset="0"/>
+                        <a:cs typeface="Times New Roman" panose="02020603050405020304" pitchFamily="18" charset="0"/>
+                      </a:endParaRPr>
+                    </a:p>
+                  </a:txBody>
+                  <a:tcPr marL="68580" marR="68580" marT="0" marB="0" anchor="ctr"/>
+                </a:tc>
+                <a:tc>
+                  <a:txBody>
+                    <a:bodyPr/>
+                    <a:lstStyle/>
+                    <a:p>
+                      <a:pPr algn="just">
+                        <a:lnSpc>
+                          <a:spcPct val="110000"/>
+                        </a:lnSpc>
+                        <a:spcAft>
+                          <a:spcPts val="0"/>
+                        </a:spcAft>
+                      </a:pPr>
+                      <a:r>
+                        <a:rPr lang="en-GB" sz="1200" dirty="0">
+                          <a:effectLst/>
+                        </a:rPr>
+                        <a:t>Spend more time on component</a:t>
+                      </a:r>
+                      <a:endParaRPr lang="en-GB" sz="1200" dirty="0">
+                        <a:effectLst/>
+                        <a:latin typeface="Garamond" panose="02020404030301010803" pitchFamily="18" charset="0"/>
+                        <a:ea typeface="Times New Roman" panose="02020603050405020304" pitchFamily="18" charset="0"/>
+                        <a:cs typeface="Times New Roman" panose="02020603050405020304" pitchFamily="18" charset="0"/>
+                      </a:endParaRPr>
+                    </a:p>
+                  </a:txBody>
+                  <a:tcPr marL="68580" marR="68580" marT="0" marB="0" anchor="ctr"/>
+                </a:tc>
+                <a:tc>
+                  <a:txBody>
+                    <a:bodyPr/>
+                    <a:lstStyle/>
+                    <a:p>
+                      <a:pPr algn="just">
+                        <a:lnSpc>
+                          <a:spcPct val="110000"/>
+                        </a:lnSpc>
+                        <a:spcAft>
+                          <a:spcPts val="0"/>
+                        </a:spcAft>
+                      </a:pPr>
+                      <a:r>
+                        <a:rPr lang="en-GB" sz="1200" dirty="0">
+                          <a:effectLst/>
+                        </a:rPr>
+                        <a:t>Jennifer, Ben</a:t>
+                      </a:r>
+                      <a:endParaRPr lang="en-GB" sz="1200" dirty="0">
+                        <a:effectLst/>
+                        <a:latin typeface="Garamond" panose="02020404030301010803" pitchFamily="18" charset="0"/>
+                        <a:ea typeface="Times New Roman" panose="02020603050405020304" pitchFamily="18" charset="0"/>
+                        <a:cs typeface="Times New Roman" panose="02020603050405020304" pitchFamily="18" charset="0"/>
+                      </a:endParaRPr>
+                    </a:p>
+                  </a:txBody>
+                  <a:tcPr marL="68580" marR="68580" marT="0" marB="0" anchor="ctr"/>
+                </a:tc>
+                <a:tc>
+                  <a:txBody>
+                    <a:bodyPr/>
+                    <a:lstStyle/>
+                    <a:p>
+                      <a:pPr algn="just">
+                        <a:lnSpc>
+                          <a:spcPct val="110000"/>
+                        </a:lnSpc>
+                        <a:spcAft>
+                          <a:spcPts val="0"/>
+                        </a:spcAft>
+                      </a:pPr>
+                      <a:r>
+                        <a:rPr lang="en-GB" sz="1200">
+                          <a:effectLst/>
+                        </a:rPr>
+                        <a:t>Risk avoided</a:t>
+                      </a:r>
+                      <a:endParaRPr lang="en-GB" sz="1200">
+                        <a:effectLst/>
+                        <a:latin typeface="Garamond" panose="02020404030301010803" pitchFamily="18" charset="0"/>
+                        <a:ea typeface="Times New Roman" panose="02020603050405020304" pitchFamily="18" charset="0"/>
+                        <a:cs typeface="Times New Roman" panose="02020603050405020304" pitchFamily="18" charset="0"/>
+                      </a:endParaRPr>
+                    </a:p>
+                  </a:txBody>
+                  <a:tcPr marL="68580" marR="68580" marT="0" marB="0" anchor="ctr"/>
+                </a:tc>
+                <a:extLst>
+                  <a:ext uri="{0D108BD9-81ED-4DB2-BD59-A6C34878D82A}">
+                    <a16:rowId xmlns:a16="http://schemas.microsoft.com/office/drawing/2014/main" xmlns="" val="4202312421"/>
+                  </a:ext>
+                </a:extLst>
+              </a:tr>
+              <a:tr h="596599">
+                <a:tc>
+                  <a:txBody>
+                    <a:bodyPr/>
+                    <a:lstStyle/>
+                    <a:p>
+                      <a:pPr algn="just">
+                        <a:lnSpc>
+                          <a:spcPct val="110000"/>
+                        </a:lnSpc>
+                        <a:spcAft>
+                          <a:spcPts val="0"/>
+                        </a:spcAft>
+                      </a:pPr>
+                      <a:r>
+                        <a:rPr lang="en-GB" sz="1050" dirty="0" smtClean="0">
+                          <a:effectLst/>
+                        </a:rPr>
+                        <a:t>R4</a:t>
+                      </a:r>
+                      <a:endParaRPr lang="en-GB" sz="1050" dirty="0">
+                        <a:effectLst/>
+                        <a:latin typeface="Garamond" panose="02020404030301010803" pitchFamily="18" charset="0"/>
+                        <a:ea typeface="Times New Roman" panose="02020603050405020304" pitchFamily="18" charset="0"/>
+                        <a:cs typeface="Times New Roman" panose="02020603050405020304" pitchFamily="18" charset="0"/>
+                      </a:endParaRPr>
+                    </a:p>
+                  </a:txBody>
+                  <a:tcPr marL="68580" marR="68580" marT="0" marB="0" anchor="ctr"/>
+                </a:tc>
+                <a:tc>
+                  <a:txBody>
+                    <a:bodyPr/>
+                    <a:lstStyle/>
+                    <a:p>
+                      <a:pPr algn="ctr">
+                        <a:lnSpc>
+                          <a:spcPct val="110000"/>
+                        </a:lnSpc>
+                        <a:spcAft>
+                          <a:spcPts val="0"/>
+                        </a:spcAft>
+                      </a:pPr>
+                      <a:r>
+                        <a:rPr lang="en-GB" sz="1200" dirty="0">
+                          <a:effectLst/>
+                        </a:rPr>
+                        <a:t>2</a:t>
+                      </a:r>
+                      <a:endParaRPr lang="en-GB" sz="1200" dirty="0">
+                        <a:effectLst/>
+                        <a:latin typeface="Garamond" panose="02020404030301010803" pitchFamily="18" charset="0"/>
+                        <a:ea typeface="Times New Roman" panose="02020603050405020304" pitchFamily="18" charset="0"/>
+                        <a:cs typeface="Times New Roman" panose="02020603050405020304" pitchFamily="18" charset="0"/>
+                      </a:endParaRPr>
+                    </a:p>
+                  </a:txBody>
+                  <a:tcPr marL="68580" marR="68580" marT="0" marB="0" anchor="ctr"/>
+                </a:tc>
+                <a:tc>
+                  <a:txBody>
+                    <a:bodyPr/>
+                    <a:lstStyle/>
+                    <a:p>
+                      <a:pPr algn="just">
+                        <a:lnSpc>
+                          <a:spcPct val="110000"/>
+                        </a:lnSpc>
+                        <a:spcAft>
+                          <a:spcPts val="0"/>
+                        </a:spcAft>
+                      </a:pPr>
+                      <a:r>
+                        <a:rPr lang="en-GB" sz="1200" dirty="0">
+                          <a:effectLst/>
+                        </a:rPr>
+                        <a:t>Extra time</a:t>
+                      </a:r>
+                      <a:endParaRPr lang="en-GB" sz="1200" dirty="0">
+                        <a:effectLst/>
+                        <a:latin typeface="Garamond" panose="02020404030301010803" pitchFamily="18" charset="0"/>
+                        <a:ea typeface="Times New Roman" panose="02020603050405020304" pitchFamily="18" charset="0"/>
+                        <a:cs typeface="Times New Roman" panose="02020603050405020304" pitchFamily="18" charset="0"/>
+                      </a:endParaRPr>
+                    </a:p>
+                  </a:txBody>
+                  <a:tcPr marL="68580" marR="68580" marT="0" marB="0" anchor="ctr"/>
+                </a:tc>
+                <a:tc>
+                  <a:txBody>
+                    <a:bodyPr/>
+                    <a:lstStyle/>
+                    <a:p>
+                      <a:pPr algn="just">
+                        <a:lnSpc>
+                          <a:spcPct val="110000"/>
+                        </a:lnSpc>
+                        <a:spcAft>
+                          <a:spcPts val="0"/>
+                        </a:spcAft>
+                      </a:pPr>
+                      <a:r>
+                        <a:rPr lang="en-GB" sz="1200" dirty="0">
+                          <a:effectLst/>
+                        </a:rPr>
+                        <a:t>Finishing things on time/early </a:t>
+                      </a:r>
+                      <a:endParaRPr lang="en-GB" sz="1200" dirty="0">
+                        <a:effectLst/>
+                        <a:latin typeface="Garamond" panose="02020404030301010803" pitchFamily="18" charset="0"/>
+                        <a:ea typeface="Times New Roman" panose="02020603050405020304" pitchFamily="18" charset="0"/>
+                        <a:cs typeface="Times New Roman" panose="02020603050405020304" pitchFamily="18" charset="0"/>
+                      </a:endParaRPr>
+                    </a:p>
+                  </a:txBody>
+                  <a:tcPr marL="68580" marR="68580" marT="0" marB="0" anchor="ctr"/>
+                </a:tc>
+                <a:tc>
+                  <a:txBody>
+                    <a:bodyPr/>
+                    <a:lstStyle/>
+                    <a:p>
+                      <a:pPr algn="just">
+                        <a:lnSpc>
+                          <a:spcPct val="110000"/>
+                        </a:lnSpc>
+                        <a:spcAft>
+                          <a:spcPts val="0"/>
+                        </a:spcAft>
+                      </a:pPr>
+                      <a:r>
+                        <a:rPr lang="en-GB" sz="1200" dirty="0">
+                          <a:effectLst/>
+                        </a:rPr>
+                        <a:t>Positive</a:t>
+                      </a:r>
+                      <a:endParaRPr lang="en-GB" sz="1200" dirty="0">
+                        <a:effectLst/>
+                        <a:latin typeface="Garamond" panose="02020404030301010803" pitchFamily="18" charset="0"/>
+                        <a:ea typeface="Times New Roman" panose="02020603050405020304" pitchFamily="18" charset="0"/>
+                        <a:cs typeface="Times New Roman" panose="02020603050405020304" pitchFamily="18" charset="0"/>
+                      </a:endParaRPr>
+                    </a:p>
+                  </a:txBody>
+                  <a:tcPr marL="68580" marR="68580" marT="0" marB="0" anchor="ctr"/>
+                </a:tc>
+                <a:tc>
+                  <a:txBody>
+                    <a:bodyPr/>
+                    <a:lstStyle/>
+                    <a:p>
+                      <a:pPr algn="just">
+                        <a:lnSpc>
+                          <a:spcPct val="110000"/>
+                        </a:lnSpc>
+                        <a:spcAft>
+                          <a:spcPts val="0"/>
+                        </a:spcAft>
+                      </a:pPr>
+                      <a:r>
+                        <a:rPr lang="en-GB" sz="1200" dirty="0">
+                          <a:effectLst/>
+                        </a:rPr>
+                        <a:t>Spending more time on the component</a:t>
+                      </a:r>
+                      <a:endParaRPr lang="en-GB" sz="1200" dirty="0">
+                        <a:effectLst/>
+                        <a:latin typeface="Garamond" panose="02020404030301010803" pitchFamily="18" charset="0"/>
+                        <a:ea typeface="Times New Roman" panose="02020603050405020304" pitchFamily="18" charset="0"/>
+                        <a:cs typeface="Times New Roman" panose="02020603050405020304" pitchFamily="18" charset="0"/>
+                      </a:endParaRPr>
+                    </a:p>
+                  </a:txBody>
+                  <a:tcPr marL="68580" marR="68580" marT="0" marB="0" anchor="ctr"/>
+                </a:tc>
+                <a:tc>
+                  <a:txBody>
+                    <a:bodyPr/>
+                    <a:lstStyle/>
+                    <a:p>
+                      <a:pPr algn="just">
+                        <a:lnSpc>
+                          <a:spcPct val="110000"/>
+                        </a:lnSpc>
+                        <a:spcAft>
+                          <a:spcPts val="0"/>
+                        </a:spcAft>
+                      </a:pPr>
+                      <a:r>
+                        <a:rPr lang="en-GB" sz="1200">
+                          <a:effectLst/>
+                        </a:rPr>
+                        <a:t>Finishing the component early</a:t>
+                      </a:r>
+                      <a:endParaRPr lang="en-GB" sz="1200">
+                        <a:effectLst/>
+                        <a:latin typeface="Garamond" panose="02020404030301010803" pitchFamily="18" charset="0"/>
+                        <a:ea typeface="Times New Roman" panose="02020603050405020304" pitchFamily="18" charset="0"/>
+                        <a:cs typeface="Times New Roman" panose="02020603050405020304" pitchFamily="18" charset="0"/>
+                      </a:endParaRPr>
+                    </a:p>
+                  </a:txBody>
+                  <a:tcPr marL="68580" marR="68580" marT="0" marB="0" anchor="ctr"/>
+                </a:tc>
+                <a:tc>
+                  <a:txBody>
+                    <a:bodyPr/>
+                    <a:lstStyle/>
+                    <a:p>
+                      <a:pPr algn="just">
+                        <a:lnSpc>
+                          <a:spcPct val="110000"/>
+                        </a:lnSpc>
+                        <a:spcAft>
+                          <a:spcPts val="0"/>
+                        </a:spcAft>
+                      </a:pPr>
+                      <a:r>
+                        <a:rPr lang="en-GB" sz="1200">
+                          <a:effectLst/>
+                        </a:rPr>
+                        <a:t>Spend more time on component</a:t>
+                      </a:r>
+                      <a:endParaRPr lang="en-GB" sz="1200">
+                        <a:effectLst/>
+                        <a:latin typeface="Garamond" panose="02020404030301010803" pitchFamily="18" charset="0"/>
+                        <a:ea typeface="Times New Roman" panose="02020603050405020304" pitchFamily="18" charset="0"/>
+                        <a:cs typeface="Times New Roman" panose="02020603050405020304" pitchFamily="18" charset="0"/>
+                      </a:endParaRPr>
+                    </a:p>
+                  </a:txBody>
+                  <a:tcPr marL="68580" marR="68580" marT="0" marB="0" anchor="ctr"/>
+                </a:tc>
+                <a:tc>
+                  <a:txBody>
+                    <a:bodyPr/>
+                    <a:lstStyle/>
+                    <a:p>
+                      <a:pPr algn="just">
+                        <a:lnSpc>
+                          <a:spcPct val="110000"/>
+                        </a:lnSpc>
+                        <a:spcAft>
+                          <a:spcPts val="0"/>
+                        </a:spcAft>
+                      </a:pPr>
+                      <a:r>
+                        <a:rPr lang="en-GB" sz="1200" dirty="0">
+                          <a:effectLst/>
+                        </a:rPr>
+                        <a:t>Jennifer</a:t>
+                      </a:r>
+                      <a:endParaRPr lang="en-GB" sz="1200" dirty="0">
+                        <a:effectLst/>
+                        <a:latin typeface="Garamond" panose="02020404030301010803" pitchFamily="18" charset="0"/>
+                        <a:ea typeface="Times New Roman" panose="02020603050405020304" pitchFamily="18" charset="0"/>
+                        <a:cs typeface="Times New Roman" panose="02020603050405020304" pitchFamily="18" charset="0"/>
+                      </a:endParaRPr>
+                    </a:p>
+                  </a:txBody>
+                  <a:tcPr marL="68580" marR="68580" marT="0" marB="0" anchor="ctr"/>
+                </a:tc>
+                <a:tc>
+                  <a:txBody>
+                    <a:bodyPr/>
+                    <a:lstStyle/>
+                    <a:p>
+                      <a:pPr algn="just">
+                        <a:lnSpc>
+                          <a:spcPct val="110000"/>
+                        </a:lnSpc>
+                        <a:spcAft>
+                          <a:spcPts val="0"/>
+                        </a:spcAft>
+                      </a:pPr>
+                      <a:r>
+                        <a:rPr lang="en-GB" sz="1200" dirty="0">
+                          <a:effectLst/>
+                        </a:rPr>
+                        <a:t>Risk avoided</a:t>
+                      </a:r>
+                      <a:endParaRPr lang="en-GB" sz="1200" dirty="0">
+                        <a:effectLst/>
+                        <a:latin typeface="Garamond" panose="02020404030301010803" pitchFamily="18" charset="0"/>
+                        <a:ea typeface="Times New Roman" panose="02020603050405020304" pitchFamily="18" charset="0"/>
+                        <a:cs typeface="Times New Roman" panose="02020603050405020304" pitchFamily="18" charset="0"/>
+                      </a:endParaRPr>
+                    </a:p>
+                  </a:txBody>
+                  <a:tcPr marL="68580" marR="68580" marT="0" marB="0" anchor="ctr"/>
+                </a:tc>
+                <a:extLst>
+                  <a:ext uri="{0D108BD9-81ED-4DB2-BD59-A6C34878D82A}">
+                    <a16:rowId xmlns:a16="http://schemas.microsoft.com/office/drawing/2014/main" xmlns="" val="3106098561"/>
+                  </a:ext>
+                </a:extLst>
+              </a:tr>
+            </a:tbl>
+          </a:graphicData>
+        </a:graphic>
+      </p:graphicFrame>
     </p:spTree>
     <p:extLst>
       <p:ext uri="{BB962C8B-B14F-4D97-AF65-F5344CB8AC3E}">
-        <p14:creationId xmlns:p14="http://schemas.microsoft.com/office/powerpoint/2010/main" val="3229383263"/>
+        <p14:creationId xmlns:p14="http://schemas.microsoft.com/office/powerpoint/2010/main" val="3594997535"/>
       </p:ext>
     </p:extLst>
   </p:cSld>
@@ -6619,49 +8480,58 @@
             <p:ph type="title"/>
           </p:nvPr>
         </p:nvSpPr>
-        <p:spPr/>
+        <p:spPr>
+          <a:xfrm>
+            <a:off x="1140351" y="202276"/>
+            <a:ext cx="9875520" cy="1356360"/>
+          </a:xfrm>
+        </p:spPr>
         <p:txBody>
           <a:bodyPr/>
           <a:lstStyle/>
           <a:p>
             <a:r>
               <a:rPr lang="en-GB" dirty="0"/>
-              <a:t>FCEPH | </a:t>
-            </a:r>
-            <a:r>
-              <a:rPr lang="en-GB" dirty="0" smtClean="0"/>
-              <a:t>Jennifer </a:t>
-            </a:r>
-            <a:r>
-              <a:rPr lang="en-GB" dirty="0"/>
-              <a:t>– Project Plan</a:t>
-            </a:r>
-          </a:p>
-        </p:txBody>
-      </p:sp>
-      <p:sp>
-        <p:nvSpPr>
-          <p:cNvPr id="3" name="Content Placeholder 2"/>
-          <p:cNvSpPr>
-            <a:spLocks noGrp="1"/>
-          </p:cNvSpPr>
-          <p:nvPr>
-            <p:ph idx="1"/>
-          </p:nvPr>
-        </p:nvSpPr>
-        <p:spPr/>
-        <p:txBody>
-          <a:bodyPr/>
-          <a:lstStyle/>
-          <a:p>
-            <a:endParaRPr lang="en-GB"/>
-          </a:p>
-        </p:txBody>
-      </p:sp>
+              <a:t>FCEPH | Jennifer – Project Plan</a:t>
+            </a:r>
+          </a:p>
+        </p:txBody>
+      </p:sp>
+      <p:pic>
+        <p:nvPicPr>
+          <p:cNvPr id="4" name="Picture 3"/>
+          <p:cNvPicPr/>
+          <p:nvPr/>
+        </p:nvPicPr>
+        <p:blipFill rotWithShape="1">
+          <a:blip r:embed="rId2"/>
+          <a:srcRect l="4653" t="21872" r="4442" b="23152"/>
+          <a:stretch/>
+        </p:blipFill>
+        <p:spPr bwMode="auto">
+          <a:xfrm>
+            <a:off x="417143" y="1853912"/>
+            <a:ext cx="11386928" cy="4031499"/>
+          </a:xfrm>
+          <a:prstGeom prst="rect">
+            <a:avLst/>
+          </a:prstGeom>
+          <a:ln>
+            <a:solidFill>
+              <a:schemeClr val="tx1"/>
+            </a:solidFill>
+          </a:ln>
+          <a:extLst>
+            <a:ext uri="{53640926-AAD7-44D8-BBD7-CCE9431645EC}">
+              <a14:shadowObscured xmlns:a14="http://schemas.microsoft.com/office/drawing/2010/main"/>
+            </a:ext>
+          </a:extLst>
+        </p:spPr>
+      </p:pic>
     </p:spTree>
     <p:extLst>
       <p:ext uri="{BB962C8B-B14F-4D97-AF65-F5344CB8AC3E}">
-        <p14:creationId xmlns:p14="http://schemas.microsoft.com/office/powerpoint/2010/main" val="3594997535"/>
+        <p14:creationId xmlns:p14="http://schemas.microsoft.com/office/powerpoint/2010/main" val="2227106263"/>
       </p:ext>
     </p:extLst>
   </p:cSld>
@@ -6777,6 +8647,18 @@
 </p:tagLst>
 </file>
 
+<file path=ppt/tags/tag10.xml><?xml version="1.0" encoding="utf-8"?>
+<p:tagLst xmlns:a="http://schemas.openxmlformats.org/drawingml/2006/main" xmlns:r="http://schemas.openxmlformats.org/officeDocument/2006/relationships" xmlns:p="http://schemas.openxmlformats.org/presentationml/2006/main">
+  <p:tag name="__PE_HAS_URLS" val="oh hey this is notes box, due to this not being an empty string. woot."/>
+</p:tagLst>
+</file>
+
+<file path=ppt/tags/tag11.xml><?xml version="1.0" encoding="utf-8"?>
+<p:tagLst xmlns:a="http://schemas.openxmlformats.org/drawingml/2006/main" xmlns:r="http://schemas.openxmlformats.org/officeDocument/2006/relationships" xmlns:p="http://schemas.openxmlformats.org/presentationml/2006/main">
+  <p:tag name="__PE_HAS_URLS" val="oh hey this is notes box, due to this not being an empty string. woot."/>
+</p:tagLst>
+</file>
+
 <file path=ppt/tags/tag2.xml><?xml version="1.0" encoding="utf-8"?>
 <p:tagLst xmlns:a="http://schemas.openxmlformats.org/drawingml/2006/main" xmlns:r="http://schemas.openxmlformats.org/officeDocument/2006/relationships" xmlns:p="http://schemas.openxmlformats.org/presentationml/2006/main">
   <p:tag name="__PE_HAS_URLS" val="oh hey this is notes box, due to this not being an empty string. woot."/>
@@ -6796,6 +8678,30 @@
 </file>
 
 <file path=ppt/tags/tag5.xml><?xml version="1.0" encoding="utf-8"?>
+<p:tagLst xmlns:a="http://schemas.openxmlformats.org/drawingml/2006/main" xmlns:r="http://schemas.openxmlformats.org/officeDocument/2006/relationships" xmlns:p="http://schemas.openxmlformats.org/presentationml/2006/main">
+  <p:tag name="__PE_HAS_URLS" val="oh hey this is notes box, due to this not being an empty string. woot."/>
+</p:tagLst>
+</file>
+
+<file path=ppt/tags/tag6.xml><?xml version="1.0" encoding="utf-8"?>
+<p:tagLst xmlns:a="http://schemas.openxmlformats.org/drawingml/2006/main" xmlns:r="http://schemas.openxmlformats.org/officeDocument/2006/relationships" xmlns:p="http://schemas.openxmlformats.org/presentationml/2006/main">
+  <p:tag name="__PE_HAS_URLS" val="oh hey this is notes box, due to this not being an empty string. woot."/>
+</p:tagLst>
+</file>
+
+<file path=ppt/tags/tag7.xml><?xml version="1.0" encoding="utf-8"?>
+<p:tagLst xmlns:a="http://schemas.openxmlformats.org/drawingml/2006/main" xmlns:r="http://schemas.openxmlformats.org/officeDocument/2006/relationships" xmlns:p="http://schemas.openxmlformats.org/presentationml/2006/main">
+  <p:tag name="__PE_HAS_URLS" val="oh hey this is notes box, due to this not being an empty string. woot."/>
+</p:tagLst>
+</file>
+
+<file path=ppt/tags/tag8.xml><?xml version="1.0" encoding="utf-8"?>
+<p:tagLst xmlns:a="http://schemas.openxmlformats.org/drawingml/2006/main" xmlns:r="http://schemas.openxmlformats.org/officeDocument/2006/relationships" xmlns:p="http://schemas.openxmlformats.org/presentationml/2006/main">
+  <p:tag name="__PE_HAS_URLS" val="oh hey this is notes box, due to this not being an empty string. woot."/>
+</p:tagLst>
+</file>
+
+<file path=ppt/tags/tag9.xml><?xml version="1.0" encoding="utf-8"?>
 <p:tagLst xmlns:a="http://schemas.openxmlformats.org/drawingml/2006/main" xmlns:r="http://schemas.openxmlformats.org/officeDocument/2006/relationships" xmlns:p="http://schemas.openxmlformats.org/presentationml/2006/main">
   <p:tag name="__PE_HAS_URLS" val="oh hey this is notes box, due to this not being an empty string. woot."/>
 </p:tagLst>

--- a/Documentation/Group 3 -FCEPH Final.pptx
+++ b/Documentation/Group 3 -FCEPH Final.pptx
@@ -5,7 +5,7 @@
     <p:sldMasterId id="2147483660" r:id="rId1"/>
   </p:sldMasterIdLst>
   <p:notesMasterIdLst>
-    <p:notesMasterId r:id="rId15"/>
+    <p:notesMasterId r:id="rId14"/>
   </p:notesMasterIdLst>
   <p:sldIdLst>
     <p:sldId id="256" r:id="rId2"/>
@@ -15,12 +15,11 @@
     <p:sldId id="271" r:id="rId6"/>
     <p:sldId id="261" r:id="rId7"/>
     <p:sldId id="265" r:id="rId8"/>
-    <p:sldId id="269" r:id="rId9"/>
-    <p:sldId id="262" r:id="rId10"/>
-    <p:sldId id="266" r:id="rId11"/>
-    <p:sldId id="263" r:id="rId12"/>
-    <p:sldId id="267" r:id="rId13"/>
-    <p:sldId id="268" r:id="rId14"/>
+    <p:sldId id="272" r:id="rId9"/>
+    <p:sldId id="273" r:id="rId10"/>
+    <p:sldId id="263" r:id="rId11"/>
+    <p:sldId id="267" r:id="rId12"/>
+    <p:sldId id="268" r:id="rId13"/>
   </p:sldIdLst>
   <p:sldSz cx="12192000" cy="6858000"/>
   <p:notesSz cx="6858000" cy="9144000"/>
@@ -641,93 +640,6 @@
     </p:spTree>
     <p:extLst>
       <p:ext uri="{BB962C8B-B14F-4D97-AF65-F5344CB8AC3E}">
-        <p14:creationId xmlns:p14="http://schemas.microsoft.com/office/powerpoint/2010/main" val="4207812481"/>
-      </p:ext>
-    </p:extLst>
-  </p:cSld>
-  <p:clrMapOvr>
-    <a:masterClrMapping/>
-  </p:clrMapOvr>
-</p:notes>
-</file>
-
-<file path=ppt/notesSlides/notesSlide11.xml><?xml version="1.0" encoding="utf-8"?>
-<p:notes xmlns:a="http://schemas.openxmlformats.org/drawingml/2006/main" xmlns:r="http://schemas.openxmlformats.org/officeDocument/2006/relationships" xmlns:p="http://schemas.openxmlformats.org/presentationml/2006/main">
-  <p:cSld>
-    <p:spTree>
-      <p:nvGrpSpPr>
-        <p:cNvPr id="1" name=""/>
-        <p:cNvGrpSpPr/>
-        <p:nvPr/>
-      </p:nvGrpSpPr>
-      <p:grpSpPr>
-        <a:xfrm>
-          <a:off x="0" y="0"/>
-          <a:ext cx="0" cy="0"/>
-          <a:chOff x="0" y="0"/>
-          <a:chExt cx="0" cy="0"/>
-        </a:xfrm>
-      </p:grpSpPr>
-      <p:sp>
-        <p:nvSpPr>
-          <p:cNvPr id="2" name="Slide Image Placeholder 1"/>
-          <p:cNvSpPr>
-            <a:spLocks noGrp="1" noRot="1" noChangeAspect="1"/>
-          </p:cNvSpPr>
-          <p:nvPr>
-            <p:ph type="sldImg"/>
-          </p:nvPr>
-        </p:nvSpPr>
-        <p:spPr/>
-      </p:sp>
-      <p:sp>
-        <p:nvSpPr>
-          <p:cNvPr id="3" name="Notes Placeholder 2"/>
-          <p:cNvSpPr>
-            <a:spLocks noGrp="1"/>
-          </p:cNvSpPr>
-          <p:nvPr>
-            <p:ph type="body" idx="1"/>
-            <p:custDataLst>
-              <p:tags r:id="rId1"/>
-            </p:custDataLst>
-          </p:nvPr>
-        </p:nvSpPr>
-        <p:spPr/>
-        <p:txBody>
-          <a:bodyPr/>
-          <a:lstStyle/>
-          <a:p>
-            <a:endParaRPr lang="en-GB"/>
-          </a:p>
-        </p:txBody>
-      </p:sp>
-      <p:sp>
-        <p:nvSpPr>
-          <p:cNvPr id="4" name="Slide Number Placeholder 3"/>
-          <p:cNvSpPr>
-            <a:spLocks noGrp="1"/>
-          </p:cNvSpPr>
-          <p:nvPr>
-            <p:ph type="sldNum" sz="quarter" idx="10"/>
-          </p:nvPr>
-        </p:nvSpPr>
-        <p:spPr/>
-        <p:txBody>
-          <a:bodyPr/>
-          <a:lstStyle/>
-          <a:p>
-            <a:fld id="{1AE14B10-BA1F-4021-A7E8-52DEB9DD99BC}" type="slidenum">
-              <a:rPr lang="en-GB" smtClean="0"/>
-              <a:t>13</a:t>
-            </a:fld>
-            <a:endParaRPr lang="en-GB"/>
-          </a:p>
-        </p:txBody>
-      </p:sp>
-    </p:spTree>
-    <p:extLst>
-      <p:ext uri="{BB962C8B-B14F-4D97-AF65-F5344CB8AC3E}">
         <p14:creationId xmlns:p14="http://schemas.microsoft.com/office/powerpoint/2010/main" val="2127042219"/>
       </p:ext>
     </p:extLst>
@@ -1210,9 +1122,6 @@
           </p:cNvSpPr>
           <p:nvPr>
             <p:ph type="body" idx="1"/>
-            <p:custDataLst>
-              <p:tags r:id="rId1"/>
-            </p:custDataLst>
           </p:nvPr>
         </p:nvSpPr>
         <p:spPr/>
@@ -1220,7 +1129,7 @@
           <a:bodyPr/>
           <a:lstStyle/>
           <a:p>
-            <a:endParaRPr lang="en-GB"/>
+            <a:endParaRPr lang="en-US" dirty="0"/>
           </a:p>
         </p:txBody>
       </p:sp>
@@ -1250,7 +1159,7 @@
     </p:spTree>
     <p:extLst>
       <p:ext uri="{BB962C8B-B14F-4D97-AF65-F5344CB8AC3E}">
-        <p14:creationId xmlns:p14="http://schemas.microsoft.com/office/powerpoint/2010/main" val="3569874942"/>
+        <p14:creationId xmlns:p14="http://schemas.microsoft.com/office/powerpoint/2010/main" val="2907385044"/>
       </p:ext>
     </p:extLst>
   </p:cSld>
@@ -1337,7 +1246,7 @@
     </p:spTree>
     <p:extLst>
       <p:ext uri="{BB962C8B-B14F-4D97-AF65-F5344CB8AC3E}">
-        <p14:creationId xmlns:p14="http://schemas.microsoft.com/office/powerpoint/2010/main" val="3194864880"/>
+        <p14:creationId xmlns:p14="http://schemas.microsoft.com/office/powerpoint/2010/main" val="58551656"/>
       </p:ext>
     </p:extLst>
   </p:cSld>
@@ -1424,7 +1333,7 @@
     </p:spTree>
     <p:extLst>
       <p:ext uri="{BB962C8B-B14F-4D97-AF65-F5344CB8AC3E}">
-        <p14:creationId xmlns:p14="http://schemas.microsoft.com/office/powerpoint/2010/main" val="58551656"/>
+        <p14:creationId xmlns:p14="http://schemas.microsoft.com/office/powerpoint/2010/main" val="4207812481"/>
       </p:ext>
     </p:extLst>
   </p:cSld>
@@ -5093,96 +5002,6 @@
               <a:t>FCEPH | </a:t>
             </a:r>
             <a:r>
-              <a:rPr lang="en-GB" dirty="0" err="1" smtClean="0"/>
-              <a:t>Nazir</a:t>
-            </a:r>
-            <a:r>
-              <a:rPr lang="en-GB" dirty="0" smtClean="0"/>
-              <a:t> </a:t>
-            </a:r>
-            <a:r>
-              <a:rPr lang="en-GB" dirty="0"/>
-              <a:t>– Project Plan</a:t>
-            </a:r>
-          </a:p>
-        </p:txBody>
-      </p:sp>
-      <p:sp>
-        <p:nvSpPr>
-          <p:cNvPr id="3" name="Content Placeholder 2"/>
-          <p:cNvSpPr>
-            <a:spLocks noGrp="1"/>
-          </p:cNvSpPr>
-          <p:nvPr>
-            <p:ph idx="1"/>
-          </p:nvPr>
-        </p:nvSpPr>
-        <p:spPr/>
-        <p:txBody>
-          <a:bodyPr/>
-          <a:lstStyle/>
-          <a:p>
-            <a:endParaRPr lang="en-GB"/>
-          </a:p>
-        </p:txBody>
-      </p:sp>
-    </p:spTree>
-    <p:extLst>
-      <p:ext uri="{BB962C8B-B14F-4D97-AF65-F5344CB8AC3E}">
-        <p14:creationId xmlns:p14="http://schemas.microsoft.com/office/powerpoint/2010/main" val="4135784811"/>
-      </p:ext>
-    </p:extLst>
-  </p:cSld>
-  <p:clrMapOvr>
-    <a:masterClrMapping/>
-  </p:clrMapOvr>
-  <p:timing>
-    <p:tnLst>
-      <p:par>
-        <p:cTn id="1" dur="indefinite" restart="never" nodeType="tmRoot"/>
-      </p:par>
-    </p:tnLst>
-  </p:timing>
-</p:sld>
-</file>
-
-<file path=ppt/slides/slide11.xml><?xml version="1.0" encoding="utf-8"?>
-<p:sld xmlns:a="http://schemas.openxmlformats.org/drawingml/2006/main" xmlns:r="http://schemas.openxmlformats.org/officeDocument/2006/relationships" xmlns:p="http://schemas.openxmlformats.org/presentationml/2006/main">
-  <p:cSld>
-    <p:spTree>
-      <p:nvGrpSpPr>
-        <p:cNvPr id="1" name=""/>
-        <p:cNvGrpSpPr/>
-        <p:nvPr/>
-      </p:nvGrpSpPr>
-      <p:grpSpPr>
-        <a:xfrm>
-          <a:off x="0" y="0"/>
-          <a:ext cx="0" cy="0"/>
-          <a:chOff x="0" y="0"/>
-          <a:chExt cx="0" cy="0"/>
-        </a:xfrm>
-      </p:grpSpPr>
-      <p:sp>
-        <p:nvSpPr>
-          <p:cNvPr id="2" name="Title 1"/>
-          <p:cNvSpPr>
-            <a:spLocks noGrp="1"/>
-          </p:cNvSpPr>
-          <p:nvPr>
-            <p:ph type="title"/>
-          </p:nvPr>
-        </p:nvSpPr>
-        <p:spPr/>
-        <p:txBody>
-          <a:bodyPr/>
-          <a:lstStyle/>
-          <a:p>
-            <a:r>
-              <a:rPr lang="en-GB" dirty="0"/>
-              <a:t>FCEPH | </a:t>
-            </a:r>
-            <a:r>
               <a:rPr lang="en-GB" dirty="0" smtClean="0"/>
               <a:t>Benjamin</a:t>
             </a:r>
@@ -5285,7 +5104,7 @@
 </p:sld>
 </file>
 
-<file path=ppt/slides/slide12.xml><?xml version="1.0" encoding="utf-8"?>
+<file path=ppt/slides/slide11.xml><?xml version="1.0" encoding="utf-8"?>
 <p:sld xmlns:a="http://schemas.openxmlformats.org/drawingml/2006/main" xmlns:r="http://schemas.openxmlformats.org/officeDocument/2006/relationships" xmlns:p="http://schemas.openxmlformats.org/presentationml/2006/main">
   <p:cSld>
     <p:spTree>
@@ -5419,7 +5238,7 @@
 </p:sld>
 </file>
 
-<file path=ppt/slides/slide13.xml><?xml version="1.0" encoding="utf-8"?>
+<file path=ppt/slides/slide12.xml><?xml version="1.0" encoding="utf-8"?>
 <p:sld xmlns:a="http://schemas.openxmlformats.org/drawingml/2006/main" xmlns:r="http://schemas.openxmlformats.org/officeDocument/2006/relationships" xmlns:p="http://schemas.openxmlformats.org/presentationml/2006/main">
   <p:cSld>
     <p:spTree>
@@ -7193,7 +7012,7 @@
             </a:r>
             <a:r>
               <a:rPr lang="en-GB" sz="2800" dirty="0" smtClean="0"/>
-              <a:t>card. </a:t>
+              <a:t>card </a:t>
             </a:r>
             <a:r>
               <a:rPr lang="en-GB" sz="2800" b="1" dirty="0"/>
@@ -7212,9 +7031,17 @@
             </a:r>
             <a:r>
               <a:rPr lang="en-GB" sz="2800" dirty="0" smtClean="0"/>
-              <a:t>added.</a:t>
-            </a:r>
-            <a:endParaRPr lang="en-GB" sz="2800" dirty="0"/>
+              <a:t>added</a:t>
+            </a:r>
+            <a:r>
+              <a:rPr lang="en-GB" sz="2800" dirty="0"/>
+              <a:t> </a:t>
+            </a:r>
+            <a:r>
+              <a:rPr lang="en-GB" sz="2800" b="1" dirty="0" smtClean="0"/>
+              <a:t>- Implied</a:t>
+            </a:r>
+            <a:endParaRPr lang="en-GB" sz="2800" b="1" dirty="0"/>
           </a:p>
           <a:p>
             <a:pPr lvl="1">
@@ -7227,7 +7054,7 @@
             </a:r>
             <a:r>
               <a:rPr lang="en-GB" sz="2800" dirty="0" smtClean="0"/>
-              <a:t>removed. </a:t>
+              <a:t>removed </a:t>
             </a:r>
             <a:r>
               <a:rPr lang="en-GB" sz="2800" b="1" dirty="0" smtClean="0"/>
@@ -8480,58 +8307,128 @@
             <p:ph type="title"/>
           </p:nvPr>
         </p:nvSpPr>
-        <p:spPr>
-          <a:xfrm>
-            <a:off x="1140351" y="202276"/>
-            <a:ext cx="9875520" cy="1356360"/>
-          </a:xfrm>
-        </p:spPr>
+        <p:spPr/>
         <p:txBody>
           <a:bodyPr/>
           <a:lstStyle/>
           <a:p>
             <a:r>
               <a:rPr lang="en-GB" dirty="0"/>
-              <a:t>FCEPH | Jennifer – Project Plan</a:t>
-            </a:r>
-          </a:p>
-        </p:txBody>
-      </p:sp>
-      <p:pic>
-        <p:nvPicPr>
-          <p:cNvPr id="4" name="Picture 3"/>
-          <p:cNvPicPr/>
-          <p:nvPr/>
-        </p:nvPicPr>
-        <p:blipFill rotWithShape="1">
-          <a:blip r:embed="rId2"/>
-          <a:srcRect l="4653" t="21872" r="4442" b="23152"/>
-          <a:stretch/>
-        </p:blipFill>
-        <p:spPr bwMode="auto">
-          <a:xfrm>
-            <a:off x="417143" y="1853912"/>
-            <a:ext cx="11386928" cy="4031499"/>
-          </a:xfrm>
-          <a:prstGeom prst="rect">
-            <a:avLst/>
-          </a:prstGeom>
-          <a:ln>
-            <a:solidFill>
-              <a:schemeClr val="tx1"/>
-            </a:solidFill>
-          </a:ln>
-          <a:extLst>
-            <a:ext uri="{53640926-AAD7-44D8-BBD7-CCE9431645EC}">
-              <a14:shadowObscured xmlns:a14="http://schemas.microsoft.com/office/drawing/2010/main"/>
-            </a:ext>
-          </a:extLst>
-        </p:spPr>
-      </p:pic>
+              <a:t>FCEPH | </a:t>
+            </a:r>
+            <a:r>
+              <a:rPr lang="en-GB" dirty="0" smtClean="0"/>
+              <a:t>Nazir</a:t>
+            </a:r>
+            <a:endParaRPr lang="en-GB" dirty="0"/>
+          </a:p>
+        </p:txBody>
+      </p:sp>
+      <p:sp>
+        <p:nvSpPr>
+          <p:cNvPr id="3" name="Content Placeholder 2"/>
+          <p:cNvSpPr>
+            <a:spLocks noGrp="1"/>
+          </p:cNvSpPr>
+          <p:nvPr>
+            <p:ph idx="1"/>
+          </p:nvPr>
+        </p:nvSpPr>
+        <p:spPr/>
+        <p:txBody>
+          <a:bodyPr>
+            <a:normAutofit/>
+          </a:bodyPr>
+          <a:lstStyle/>
+          <a:p>
+            <a:r>
+              <a:rPr lang="en-GB" sz="2800" b="1" dirty="0" smtClean="0"/>
+              <a:t>Integration</a:t>
+            </a:r>
+          </a:p>
+          <a:p>
+            <a:pPr lvl="1">
+              <a:buFont typeface="Courier New" charset="0"/>
+              <a:buChar char="o"/>
+            </a:pPr>
+            <a:r>
+              <a:rPr lang="en-GB" sz="2800" dirty="0" smtClean="0"/>
+              <a:t>I created an integration plan for everyone's component.</a:t>
+            </a:r>
+          </a:p>
+          <a:p>
+            <a:pPr lvl="1">
+              <a:buFont typeface="Courier New" charset="0"/>
+              <a:buChar char="o"/>
+            </a:pPr>
+            <a:r>
+              <a:rPr lang="en-GB" sz="2800" dirty="0" smtClean="0"/>
+              <a:t>Joining components into the core.</a:t>
+            </a:r>
+          </a:p>
+          <a:p>
+            <a:r>
+              <a:rPr lang="en-GB" sz="2800" b="1" dirty="0" smtClean="0"/>
+              <a:t>Payment</a:t>
+            </a:r>
+          </a:p>
+          <a:p>
+            <a:pPr lvl="1">
+              <a:buFont typeface="Courier New" charset="0"/>
+              <a:buChar char="o"/>
+            </a:pPr>
+            <a:r>
+              <a:rPr lang="en-GB" sz="2800" dirty="0" smtClean="0"/>
+              <a:t> Used paper-input  and paper- button polymer components</a:t>
+            </a:r>
+          </a:p>
+          <a:p>
+            <a:pPr lvl="1">
+              <a:buFont typeface="Courier New" charset="0"/>
+              <a:buChar char="o"/>
+            </a:pPr>
+            <a:r>
+              <a:rPr lang="en-GB" sz="2800" dirty="0" smtClean="0"/>
+              <a:t>Include customer account details</a:t>
+            </a:r>
+          </a:p>
+          <a:p>
+            <a:pPr lvl="1">
+              <a:buFont typeface="Courier New" charset="0"/>
+              <a:buChar char="o"/>
+            </a:pPr>
+            <a:r>
+              <a:rPr lang="en-GB" sz="2800" dirty="0" smtClean="0"/>
+              <a:t>Confirm </a:t>
+            </a:r>
+            <a:r>
+              <a:rPr lang="mr-IN" sz="2800" dirty="0" smtClean="0"/>
+              <a:t>–</a:t>
+            </a:r>
+            <a:r>
+              <a:rPr lang="en-GB" sz="2800" dirty="0" smtClean="0"/>
+              <a:t>Cancel buttons</a:t>
+            </a:r>
+          </a:p>
+          <a:p>
+            <a:pPr lvl="1">
+              <a:buFont typeface="Courier New" charset="0"/>
+              <a:buChar char="o"/>
+            </a:pPr>
+            <a:r>
+              <a:rPr lang="en-GB" sz="2800" dirty="0" smtClean="0"/>
+              <a:t>Style CSS </a:t>
+            </a:r>
+          </a:p>
+          <a:p>
+            <a:endParaRPr lang="en-GB" sz="2800" dirty="0"/>
+          </a:p>
+        </p:txBody>
+      </p:sp>
     </p:spTree>
     <p:extLst>
       <p:ext uri="{BB962C8B-B14F-4D97-AF65-F5344CB8AC3E}">
-        <p14:creationId xmlns:p14="http://schemas.microsoft.com/office/powerpoint/2010/main" val="2227106263"/>
+        <p14:creationId xmlns:p14="http://schemas.microsoft.com/office/powerpoint/2010/main" val="2738554402"/>
       </p:ext>
     </p:extLst>
   </p:cSld>
@@ -8585,10 +8482,13 @@
               <a:t>FCEPH | </a:t>
             </a:r>
             <a:r>
-              <a:rPr lang="en-GB" dirty="0" err="1" smtClean="0"/>
-              <a:t>Nazir</a:t>
-            </a:r>
-            <a:endParaRPr lang="en-GB" dirty="0"/>
+              <a:rPr lang="en-GB" dirty="0" smtClean="0"/>
+              <a:t>Nazir </a:t>
+            </a:r>
+            <a:r>
+              <a:rPr lang="en-GB" dirty="0"/>
+              <a:t>– Project Plan</a:t>
+            </a:r>
           </a:p>
         </p:txBody>
       </p:sp>
@@ -8602,29 +8502,263 @@
             <p:ph idx="1"/>
           </p:nvPr>
         </p:nvSpPr>
-        <p:spPr/>
-        <p:txBody>
-          <a:bodyPr/>
+        <p:spPr>
+          <a:xfrm>
+            <a:off x="658123" y="1758043"/>
+            <a:ext cx="11023015" cy="4038600"/>
+          </a:xfrm>
+        </p:spPr>
+        <p:txBody>
+          <a:bodyPr>
+            <a:noAutofit/>
+          </a:bodyPr>
           <a:lstStyle/>
           <a:p>
             <a:r>
-              <a:rPr lang="en-GB" dirty="0" smtClean="0"/>
-              <a:t>Integration</a:t>
-            </a:r>
-          </a:p>
-          <a:p>
-            <a:r>
-              <a:rPr lang="en-GB" dirty="0" smtClean="0"/>
-              <a:t>Payment</a:t>
-            </a:r>
-            <a:endParaRPr lang="en-GB" dirty="0"/>
-          </a:p>
-        </p:txBody>
-      </p:sp>
+              <a:rPr lang="en-GB" sz="2400" b="1" dirty="0" smtClean="0"/>
+              <a:t>Risk Register </a:t>
+            </a:r>
+            <a:endParaRPr lang="en-GB" sz="2400" b="1" dirty="0"/>
+          </a:p>
+          <a:p>
+            <a:pPr lvl="1">
+              <a:buFont typeface="Courier New" charset="0"/>
+              <a:buChar char="o"/>
+            </a:pPr>
+            <a:r>
+              <a:rPr lang="en-GB" sz="2400" dirty="0" smtClean="0"/>
+              <a:t>Positive </a:t>
+            </a:r>
+            <a:r>
+              <a:rPr lang="mr-IN" sz="2400" dirty="0" smtClean="0"/>
+              <a:t>–</a:t>
+            </a:r>
+            <a:r>
+              <a:rPr lang="en-GB" sz="2400" dirty="0" smtClean="0"/>
+              <a:t>Negative Risks within the project.</a:t>
+            </a:r>
+          </a:p>
+          <a:p>
+            <a:pPr>
+              <a:buFont typeface="Arial" charset="0"/>
+              <a:buChar char="•"/>
+            </a:pPr>
+            <a:r>
+              <a:rPr lang="en-GB" sz="2400" b="1" dirty="0" smtClean="0"/>
+              <a:t>Payment Requirement</a:t>
+            </a:r>
+          </a:p>
+          <a:p>
+            <a:pPr lvl="1">
+              <a:buFont typeface="Courier New" charset="0"/>
+              <a:buChar char="o"/>
+            </a:pPr>
+            <a:r>
+              <a:rPr lang="en-GB" sz="2400" dirty="0"/>
+              <a:t>A customer should receive payment request when attempting to check out. </a:t>
+            </a:r>
+          </a:p>
+          <a:p>
+            <a:pPr lvl="1">
+              <a:buFont typeface="Courier New" charset="0"/>
+              <a:buChar char="o"/>
+            </a:pPr>
+            <a:r>
+              <a:rPr lang="en-GB" sz="2400" dirty="0"/>
+              <a:t>Customer should receive a confirmation or denial for their payment.</a:t>
+            </a:r>
+          </a:p>
+          <a:p>
+            <a:pPr>
+              <a:buFont typeface="Arial" charset="0"/>
+              <a:buChar char="•"/>
+            </a:pPr>
+            <a:r>
+              <a:rPr lang="en-GB" sz="2400" b="1" dirty="0" smtClean="0"/>
+              <a:t>Software </a:t>
+            </a:r>
+          </a:p>
+          <a:p>
+            <a:pPr lvl="1">
+              <a:buFont typeface="Courier New" charset="0"/>
+              <a:buChar char="o"/>
+            </a:pPr>
+            <a:r>
+              <a:rPr lang="en-GB" sz="2400" dirty="0" smtClean="0"/>
+              <a:t>Note++, NetBeans and Bracket.</a:t>
+            </a:r>
+          </a:p>
+          <a:p>
+            <a:pPr>
+              <a:buFont typeface="Arial" charset="0"/>
+              <a:buChar char="•"/>
+            </a:pPr>
+            <a:r>
+              <a:rPr lang="en-GB" sz="2400" b="1" dirty="0" smtClean="0"/>
+              <a:t>Component Integration</a:t>
+            </a:r>
+          </a:p>
+          <a:p>
+            <a:pPr lvl="1">
+              <a:buFont typeface="Courier New" charset="0"/>
+              <a:buChar char="o"/>
+            </a:pPr>
+            <a:r>
+              <a:rPr lang="en-GB" sz="2400" dirty="0" smtClean="0"/>
+              <a:t>Checkout       Payment       Client Info         </a:t>
+            </a:r>
+            <a:r>
+              <a:rPr lang="en-GB" sz="2400" dirty="0" smtClean="0"/>
+              <a:t>Confirm </a:t>
+            </a:r>
+            <a:r>
+              <a:rPr lang="en-GB" sz="2400" dirty="0" smtClean="0"/>
+              <a:t>Payment        </a:t>
+            </a:r>
+            <a:r>
+              <a:rPr lang="en-GB" sz="2400" dirty="0" smtClean="0"/>
+              <a:t> Cancel Payment</a:t>
+            </a:r>
+            <a:endParaRPr lang="en-GB" sz="2400" dirty="0" smtClean="0"/>
+          </a:p>
+        </p:txBody>
+      </p:sp>
+      <p:cxnSp>
+        <p:nvCxnSpPr>
+          <p:cNvPr id="9" name="Straight Arrow Connector 8"/>
+          <p:cNvCxnSpPr/>
+          <p:nvPr/>
+        </p:nvCxnSpPr>
+        <p:spPr>
+          <a:xfrm flipV="1">
+            <a:off x="2444225" y="5460642"/>
+            <a:ext cx="311854" cy="1036"/>
+          </a:xfrm>
+          <a:prstGeom prst="straightConnector1">
+            <a:avLst/>
+          </a:prstGeom>
+          <a:ln>
+            <a:tailEnd type="triangle"/>
+          </a:ln>
+        </p:spPr>
+        <p:style>
+          <a:lnRef idx="1">
+            <a:schemeClr val="accent1"/>
+          </a:lnRef>
+          <a:fillRef idx="0">
+            <a:schemeClr val="accent1"/>
+          </a:fillRef>
+          <a:effectRef idx="0">
+            <a:schemeClr val="accent1"/>
+          </a:effectRef>
+          <a:fontRef idx="minor">
+            <a:schemeClr val="tx1"/>
+          </a:fontRef>
+        </p:style>
+      </p:cxnSp>
+      <p:cxnSp>
+        <p:nvCxnSpPr>
+          <p:cNvPr id="14" name="Straight Arrow Connector 13"/>
+          <p:cNvCxnSpPr/>
+          <p:nvPr/>
+        </p:nvCxnSpPr>
+        <p:spPr>
+          <a:xfrm flipV="1">
+            <a:off x="3996972" y="5460642"/>
+            <a:ext cx="311854" cy="1036"/>
+          </a:xfrm>
+          <a:prstGeom prst="straightConnector1">
+            <a:avLst/>
+          </a:prstGeom>
+          <a:ln>
+            <a:tailEnd type="triangle"/>
+          </a:ln>
+        </p:spPr>
+        <p:style>
+          <a:lnRef idx="1">
+            <a:schemeClr val="accent1"/>
+          </a:lnRef>
+          <a:fillRef idx="0">
+            <a:schemeClr val="accent1"/>
+          </a:fillRef>
+          <a:effectRef idx="0">
+            <a:schemeClr val="accent1"/>
+          </a:effectRef>
+          <a:fontRef idx="minor">
+            <a:schemeClr val="tx1"/>
+          </a:fontRef>
+        </p:style>
+      </p:cxnSp>
+      <p:cxnSp>
+        <p:nvCxnSpPr>
+          <p:cNvPr id="15" name="Straight Arrow Connector 14"/>
+          <p:cNvCxnSpPr/>
+          <p:nvPr/>
+        </p:nvCxnSpPr>
+        <p:spPr>
+          <a:xfrm flipV="1">
+            <a:off x="5768906" y="5459606"/>
+            <a:ext cx="311854" cy="1036"/>
+          </a:xfrm>
+          <a:prstGeom prst="straightConnector1">
+            <a:avLst/>
+          </a:prstGeom>
+          <a:ln>
+            <a:tailEnd type="triangle"/>
+          </a:ln>
+        </p:spPr>
+        <p:style>
+          <a:lnRef idx="1">
+            <a:schemeClr val="accent1"/>
+          </a:lnRef>
+          <a:fillRef idx="0">
+            <a:schemeClr val="accent1"/>
+          </a:fillRef>
+          <a:effectRef idx="0">
+            <a:schemeClr val="accent1"/>
+          </a:effectRef>
+          <a:fontRef idx="minor">
+            <a:schemeClr val="tx1"/>
+          </a:fontRef>
+        </p:style>
+      </p:cxnSp>
+      <p:cxnSp>
+        <p:nvCxnSpPr>
+          <p:cNvPr id="16" name="Straight Arrow Connector 15"/>
+          <p:cNvCxnSpPr/>
+          <p:nvPr/>
+        </p:nvCxnSpPr>
+        <p:spPr>
+          <a:xfrm flipV="1">
+            <a:off x="8605692" y="5459606"/>
+            <a:ext cx="311854" cy="1036"/>
+          </a:xfrm>
+          <a:prstGeom prst="straightConnector1">
+            <a:avLst/>
+          </a:prstGeom>
+          <a:ln>
+            <a:tailEnd type="triangle"/>
+          </a:ln>
+        </p:spPr>
+        <p:style>
+          <a:lnRef idx="1">
+            <a:schemeClr val="accent1"/>
+          </a:lnRef>
+          <a:fillRef idx="0">
+            <a:schemeClr val="accent1"/>
+          </a:fillRef>
+          <a:effectRef idx="0">
+            <a:schemeClr val="accent1"/>
+          </a:effectRef>
+          <a:fontRef idx="minor">
+            <a:schemeClr val="tx1"/>
+          </a:fontRef>
+        </p:style>
+      </p:cxnSp>
     </p:spTree>
     <p:extLst>
       <p:ext uri="{BB962C8B-B14F-4D97-AF65-F5344CB8AC3E}">
-        <p14:creationId xmlns:p14="http://schemas.microsoft.com/office/powerpoint/2010/main" val="3725537250"/>
+        <p14:creationId xmlns:p14="http://schemas.microsoft.com/office/powerpoint/2010/main" val="1674706074"/>
       </p:ext>
     </p:extLst>
   </p:cSld>
@@ -8642,18 +8776,6 @@
 </file>
 
 <file path=ppt/tags/tag1.xml><?xml version="1.0" encoding="utf-8"?>
-<p:tagLst xmlns:a="http://schemas.openxmlformats.org/drawingml/2006/main" xmlns:r="http://schemas.openxmlformats.org/officeDocument/2006/relationships" xmlns:p="http://schemas.openxmlformats.org/presentationml/2006/main">
-  <p:tag name="__PE_HAS_URLS" val="oh hey this is notes box, due to this not being an empty string. woot."/>
-</p:tagLst>
-</file>
-
-<file path=ppt/tags/tag10.xml><?xml version="1.0" encoding="utf-8"?>
-<p:tagLst xmlns:a="http://schemas.openxmlformats.org/drawingml/2006/main" xmlns:r="http://schemas.openxmlformats.org/officeDocument/2006/relationships" xmlns:p="http://schemas.openxmlformats.org/presentationml/2006/main">
-  <p:tag name="__PE_HAS_URLS" val="oh hey this is notes box, due to this not being an empty string. woot."/>
-</p:tagLst>
-</file>
-
-<file path=ppt/tags/tag11.xml><?xml version="1.0" encoding="utf-8"?>
 <p:tagLst xmlns:a="http://schemas.openxmlformats.org/drawingml/2006/main" xmlns:r="http://schemas.openxmlformats.org/officeDocument/2006/relationships" xmlns:p="http://schemas.openxmlformats.org/presentationml/2006/main">
   <p:tag name="__PE_HAS_URLS" val="oh hey this is notes box, due to this not being an empty string. woot."/>
 </p:tagLst>

--- a/Documentation/Group 3 -FCEPH Final.pptx
+++ b/Documentation/Group 3 -FCEPH Final.pptx
@@ -5,7 +5,7 @@
     <p:sldMasterId id="2147483660" r:id="rId1"/>
   </p:sldMasterIdLst>
   <p:notesMasterIdLst>
-    <p:notesMasterId r:id="rId14"/>
+    <p:notesMasterId r:id="rId16"/>
   </p:notesMasterIdLst>
   <p:sldIdLst>
     <p:sldId id="256" r:id="rId2"/>
@@ -19,7 +19,9 @@
     <p:sldId id="273" r:id="rId10"/>
     <p:sldId id="263" r:id="rId11"/>
     <p:sldId id="267" r:id="rId12"/>
-    <p:sldId id="268" r:id="rId13"/>
+    <p:sldId id="274" r:id="rId13"/>
+    <p:sldId id="275" r:id="rId14"/>
+    <p:sldId id="268" r:id="rId15"/>
   </p:sldIdLst>
   <p:sldSz cx="12192000" cy="6858000"/>
   <p:notesSz cx="6858000" cy="9144000"/>
@@ -120,7 +122,7 @@
   </p:defaultTextStyle>
   <p:extLst>
     <p:ext uri="{EFAFB233-063F-42B5-8137-9DF3F51BA10A}">
-      <p15:sldGuideLst xmlns:p15="http://schemas.microsoft.com/office/powerpoint/2012/main"/>
+      <p15:sldGuideLst xmlns:p15="http://schemas.microsoft.com/office/powerpoint/2012/main" xmlns=""/>
     </p:ext>
   </p:extLst>
 </p:presentation>
@@ -208,7 +210,8 @@
           <a:p>
             <a:fld id="{1C6426D4-858D-42B4-8A03-639BFCE1679A}" type="datetimeFigureOut">
               <a:rPr lang="en-GB" smtClean="0"/>
-              <a:t>11/04/2017</a:t>
+              <a:pPr/>
+              <a:t>12/04/2017</a:t>
             </a:fld>
             <a:endParaRPr lang="en-GB"/>
           </a:p>
@@ -367,6 +370,7 @@
           <a:p>
             <a:fld id="{1AE14B10-BA1F-4021-A7E8-52DEB9DD99BC}" type="slidenum">
               <a:rPr lang="en-GB" smtClean="0"/>
+              <a:pPr/>
               <a:t>‹#›</a:t>
             </a:fld>
             <a:endParaRPr lang="en-GB"/>
@@ -376,7 +380,7 @@
     </p:spTree>
     <p:extLst>
       <p:ext uri="{BB962C8B-B14F-4D97-AF65-F5344CB8AC3E}">
-        <p14:creationId xmlns:p14="http://schemas.microsoft.com/office/powerpoint/2010/main" val="2151277826"/>
+        <p14:creationId xmlns:p14="http://schemas.microsoft.com/office/powerpoint/2010/main" xmlns="" val="2151277826"/>
       </p:ext>
     </p:extLst>
   </p:cSld>
@@ -544,6 +548,7 @@
           <a:p>
             <a:fld id="{1AE14B10-BA1F-4021-A7E8-52DEB9DD99BC}" type="slidenum">
               <a:rPr lang="en-GB" smtClean="0"/>
+              <a:pPr/>
               <a:t>1</a:t>
             </a:fld>
             <a:endParaRPr lang="en-GB"/>
@@ -553,7 +558,7 @@
     </p:spTree>
     <p:extLst>
       <p:ext uri="{BB962C8B-B14F-4D97-AF65-F5344CB8AC3E}">
-        <p14:creationId xmlns:p14="http://schemas.microsoft.com/office/powerpoint/2010/main" val="4241186812"/>
+        <p14:creationId xmlns:p14="http://schemas.microsoft.com/office/powerpoint/2010/main" xmlns="" val="4241186812"/>
       </p:ext>
     </p:extLst>
   </p:cSld>
@@ -631,7 +636,8 @@
           <a:p>
             <a:fld id="{1AE14B10-BA1F-4021-A7E8-52DEB9DD99BC}" type="slidenum">
               <a:rPr lang="en-GB" smtClean="0"/>
-              <a:t>12</a:t>
+              <a:pPr/>
+              <a:t>14</a:t>
             </a:fld>
             <a:endParaRPr lang="en-GB"/>
           </a:p>
@@ -640,7 +646,7 @@
     </p:spTree>
     <p:extLst>
       <p:ext uri="{BB962C8B-B14F-4D97-AF65-F5344CB8AC3E}">
-        <p14:creationId xmlns:p14="http://schemas.microsoft.com/office/powerpoint/2010/main" val="2127042219"/>
+        <p14:creationId xmlns:p14="http://schemas.microsoft.com/office/powerpoint/2010/main" xmlns="" val="2127042219"/>
       </p:ext>
     </p:extLst>
   </p:cSld>
@@ -718,6 +724,7 @@
           <a:p>
             <a:fld id="{1AE14B10-BA1F-4021-A7E8-52DEB9DD99BC}" type="slidenum">
               <a:rPr lang="en-GB" smtClean="0"/>
+              <a:pPr/>
               <a:t>2</a:t>
             </a:fld>
             <a:endParaRPr lang="en-GB"/>
@@ -727,7 +734,7 @@
     </p:spTree>
     <p:extLst>
       <p:ext uri="{BB962C8B-B14F-4D97-AF65-F5344CB8AC3E}">
-        <p14:creationId xmlns:p14="http://schemas.microsoft.com/office/powerpoint/2010/main" val="3673109087"/>
+        <p14:creationId xmlns:p14="http://schemas.microsoft.com/office/powerpoint/2010/main" xmlns="" val="3673109087"/>
       </p:ext>
     </p:extLst>
   </p:cSld>
@@ -805,6 +812,7 @@
           <a:p>
             <a:fld id="{1AE14B10-BA1F-4021-A7E8-52DEB9DD99BC}" type="slidenum">
               <a:rPr lang="en-GB" smtClean="0"/>
+              <a:pPr/>
               <a:t>3</a:t>
             </a:fld>
             <a:endParaRPr lang="en-GB"/>
@@ -814,7 +822,7 @@
     </p:spTree>
     <p:extLst>
       <p:ext uri="{BB962C8B-B14F-4D97-AF65-F5344CB8AC3E}">
-        <p14:creationId xmlns:p14="http://schemas.microsoft.com/office/powerpoint/2010/main" val="1698051891"/>
+        <p14:creationId xmlns:p14="http://schemas.microsoft.com/office/powerpoint/2010/main" xmlns="" val="1698051891"/>
       </p:ext>
     </p:extLst>
   </p:cSld>
@@ -892,6 +900,7 @@
           <a:p>
             <a:fld id="{1AE14B10-BA1F-4021-A7E8-52DEB9DD99BC}" type="slidenum">
               <a:rPr lang="en-GB" smtClean="0"/>
+              <a:pPr/>
               <a:t>4</a:t>
             </a:fld>
             <a:endParaRPr lang="en-GB"/>
@@ -901,7 +910,7 @@
     </p:spTree>
     <p:extLst>
       <p:ext uri="{BB962C8B-B14F-4D97-AF65-F5344CB8AC3E}">
-        <p14:creationId xmlns:p14="http://schemas.microsoft.com/office/powerpoint/2010/main" val="2134540796"/>
+        <p14:creationId xmlns:p14="http://schemas.microsoft.com/office/powerpoint/2010/main" xmlns="" val="2134540796"/>
       </p:ext>
     </p:extLst>
   </p:cSld>
@@ -979,6 +988,7 @@
           <a:p>
             <a:fld id="{1AE14B10-BA1F-4021-A7E8-52DEB9DD99BC}" type="slidenum">
               <a:rPr lang="en-GB" smtClean="0"/>
+              <a:pPr/>
               <a:t>6</a:t>
             </a:fld>
             <a:endParaRPr lang="en-GB"/>
@@ -988,7 +998,7 @@
     </p:spTree>
     <p:extLst>
       <p:ext uri="{BB962C8B-B14F-4D97-AF65-F5344CB8AC3E}">
-        <p14:creationId xmlns:p14="http://schemas.microsoft.com/office/powerpoint/2010/main" val="3649663619"/>
+        <p14:creationId xmlns:p14="http://schemas.microsoft.com/office/powerpoint/2010/main" xmlns="" val="3649663619"/>
       </p:ext>
     </p:extLst>
   </p:cSld>
@@ -1066,6 +1076,7 @@
           <a:p>
             <a:fld id="{1AE14B10-BA1F-4021-A7E8-52DEB9DD99BC}" type="slidenum">
               <a:rPr lang="en-GB" smtClean="0"/>
+              <a:pPr/>
               <a:t>7</a:t>
             </a:fld>
             <a:endParaRPr lang="en-GB"/>
@@ -1075,7 +1086,7 @@
     </p:spTree>
     <p:extLst>
       <p:ext uri="{BB962C8B-B14F-4D97-AF65-F5344CB8AC3E}">
-        <p14:creationId xmlns:p14="http://schemas.microsoft.com/office/powerpoint/2010/main" val="955738261"/>
+        <p14:creationId xmlns:p14="http://schemas.microsoft.com/office/powerpoint/2010/main" xmlns="" val="955738261"/>
       </p:ext>
     </p:extLst>
   </p:cSld>
@@ -1150,6 +1161,7 @@
           <a:p>
             <a:fld id="{1AE14B10-BA1F-4021-A7E8-52DEB9DD99BC}" type="slidenum">
               <a:rPr lang="en-GB" smtClean="0"/>
+              <a:pPr/>
               <a:t>9</a:t>
             </a:fld>
             <a:endParaRPr lang="en-GB"/>
@@ -1159,7 +1171,7 @@
     </p:spTree>
     <p:extLst>
       <p:ext uri="{BB962C8B-B14F-4D97-AF65-F5344CB8AC3E}">
-        <p14:creationId xmlns:p14="http://schemas.microsoft.com/office/powerpoint/2010/main" val="2907385044"/>
+        <p14:creationId xmlns:p14="http://schemas.microsoft.com/office/powerpoint/2010/main" xmlns="" val="2907385044"/>
       </p:ext>
     </p:extLst>
   </p:cSld>
@@ -1237,6 +1249,7 @@
           <a:p>
             <a:fld id="{1AE14B10-BA1F-4021-A7E8-52DEB9DD99BC}" type="slidenum">
               <a:rPr lang="en-GB" smtClean="0"/>
+              <a:pPr/>
               <a:t>10</a:t>
             </a:fld>
             <a:endParaRPr lang="en-GB"/>
@@ -1246,7 +1259,7 @@
     </p:spTree>
     <p:extLst>
       <p:ext uri="{BB962C8B-B14F-4D97-AF65-F5344CB8AC3E}">
-        <p14:creationId xmlns:p14="http://schemas.microsoft.com/office/powerpoint/2010/main" val="58551656"/>
+        <p14:creationId xmlns:p14="http://schemas.microsoft.com/office/powerpoint/2010/main" xmlns="" val="58551656"/>
       </p:ext>
     </p:extLst>
   </p:cSld>
@@ -1324,6 +1337,7 @@
           <a:p>
             <a:fld id="{1AE14B10-BA1F-4021-A7E8-52DEB9DD99BC}" type="slidenum">
               <a:rPr lang="en-GB" smtClean="0"/>
+              <a:pPr/>
               <a:t>11</a:t>
             </a:fld>
             <a:endParaRPr lang="en-GB"/>
@@ -1333,7 +1347,7 @@
     </p:spTree>
     <p:extLst>
       <p:ext uri="{BB962C8B-B14F-4D97-AF65-F5344CB8AC3E}">
-        <p14:creationId xmlns:p14="http://schemas.microsoft.com/office/powerpoint/2010/main" val="4207812481"/>
+        <p14:creationId xmlns:p14="http://schemas.microsoft.com/office/powerpoint/2010/main" xmlns="" val="4207812481"/>
       </p:ext>
     </p:extLst>
   </p:cSld>
@@ -1539,7 +1553,8 @@
           <a:p>
             <a:fld id="{5176CD83-EC6D-4E6C-89BB-FEECE4F4A3E0}" type="datetimeFigureOut">
               <a:rPr lang="en-GB" smtClean="0"/>
-              <a:t>11/04/2017</a:t>
+              <a:pPr/>
+              <a:t>12/04/2017</a:t>
             </a:fld>
             <a:endParaRPr lang="en-GB"/>
           </a:p>
@@ -1597,6 +1612,7 @@
           <a:p>
             <a:fld id="{E439FB52-F991-4412-83AA-C9B98E3830BE}" type="slidenum">
               <a:rPr lang="en-GB" smtClean="0"/>
+              <a:pPr/>
               <a:t>‹#›</a:t>
             </a:fld>
             <a:endParaRPr lang="en-GB"/>
@@ -1641,7 +1657,7 @@
     </p:spTree>
     <p:extLst>
       <p:ext uri="{BB962C8B-B14F-4D97-AF65-F5344CB8AC3E}">
-        <p14:creationId xmlns:p14="http://schemas.microsoft.com/office/powerpoint/2010/main" val="3925145297"/>
+        <p14:creationId xmlns:p14="http://schemas.microsoft.com/office/powerpoint/2010/main" xmlns="" val="3925145297"/>
       </p:ext>
     </p:extLst>
   </p:cSld>
@@ -1760,7 +1776,8 @@
           <a:p>
             <a:fld id="{5176CD83-EC6D-4E6C-89BB-FEECE4F4A3E0}" type="datetimeFigureOut">
               <a:rPr lang="en-GB" smtClean="0"/>
-              <a:t>11/04/2017</a:t>
+              <a:pPr/>
+              <a:t>12/04/2017</a:t>
             </a:fld>
             <a:endParaRPr lang="en-GB"/>
           </a:p>
@@ -1802,6 +1819,7 @@
           <a:p>
             <a:fld id="{E439FB52-F991-4412-83AA-C9B98E3830BE}" type="slidenum">
               <a:rPr lang="en-GB" smtClean="0"/>
+              <a:pPr/>
               <a:t>‹#›</a:t>
             </a:fld>
             <a:endParaRPr lang="en-GB"/>
@@ -1811,7 +1829,7 @@
     </p:spTree>
     <p:extLst>
       <p:ext uri="{BB962C8B-B14F-4D97-AF65-F5344CB8AC3E}">
-        <p14:creationId xmlns:p14="http://schemas.microsoft.com/office/powerpoint/2010/main" val="2278359301"/>
+        <p14:creationId xmlns:p14="http://schemas.microsoft.com/office/powerpoint/2010/main" xmlns="" val="2278359301"/>
       </p:ext>
     </p:extLst>
   </p:cSld>
@@ -1940,7 +1958,8 @@
           <a:p>
             <a:fld id="{5176CD83-EC6D-4E6C-89BB-FEECE4F4A3E0}" type="datetimeFigureOut">
               <a:rPr lang="en-GB" smtClean="0"/>
-              <a:t>11/04/2017</a:t>
+              <a:pPr/>
+              <a:t>12/04/2017</a:t>
             </a:fld>
             <a:endParaRPr lang="en-GB"/>
           </a:p>
@@ -1982,6 +2001,7 @@
           <a:p>
             <a:fld id="{E439FB52-F991-4412-83AA-C9B98E3830BE}" type="slidenum">
               <a:rPr lang="en-GB" smtClean="0"/>
+              <a:pPr/>
               <a:t>‹#›</a:t>
             </a:fld>
             <a:endParaRPr lang="en-GB"/>
@@ -1991,7 +2011,7 @@
     </p:spTree>
     <p:extLst>
       <p:ext uri="{BB962C8B-B14F-4D97-AF65-F5344CB8AC3E}">
-        <p14:creationId xmlns:p14="http://schemas.microsoft.com/office/powerpoint/2010/main" val="374582079"/>
+        <p14:creationId xmlns:p14="http://schemas.microsoft.com/office/powerpoint/2010/main" xmlns="" val="374582079"/>
       </p:ext>
     </p:extLst>
   </p:cSld>
@@ -2110,7 +2130,8 @@
           <a:p>
             <a:fld id="{5176CD83-EC6D-4E6C-89BB-FEECE4F4A3E0}" type="datetimeFigureOut">
               <a:rPr lang="en-GB" smtClean="0"/>
-              <a:t>11/04/2017</a:t>
+              <a:pPr/>
+              <a:t>12/04/2017</a:t>
             </a:fld>
             <a:endParaRPr lang="en-GB"/>
           </a:p>
@@ -2152,6 +2173,7 @@
           <a:p>
             <a:fld id="{E439FB52-F991-4412-83AA-C9B98E3830BE}" type="slidenum">
               <a:rPr lang="en-GB" smtClean="0"/>
+              <a:pPr/>
               <a:t>‹#›</a:t>
             </a:fld>
             <a:endParaRPr lang="en-GB"/>
@@ -2161,7 +2183,7 @@
     </p:spTree>
     <p:extLst>
       <p:ext uri="{BB962C8B-B14F-4D97-AF65-F5344CB8AC3E}">
-        <p14:creationId xmlns:p14="http://schemas.microsoft.com/office/powerpoint/2010/main" val="4208452324"/>
+        <p14:creationId xmlns:p14="http://schemas.microsoft.com/office/powerpoint/2010/main" xmlns="" val="4208452324"/>
       </p:ext>
     </p:extLst>
   </p:cSld>
@@ -2361,7 +2383,8 @@
           <a:p>
             <a:fld id="{5176CD83-EC6D-4E6C-89BB-FEECE4F4A3E0}" type="datetimeFigureOut">
               <a:rPr lang="en-GB" smtClean="0"/>
-              <a:t>11/04/2017</a:t>
+              <a:pPr/>
+              <a:t>12/04/2017</a:t>
             </a:fld>
             <a:endParaRPr lang="en-GB"/>
           </a:p>
@@ -2403,6 +2426,7 @@
           <a:p>
             <a:fld id="{E439FB52-F991-4412-83AA-C9B98E3830BE}" type="slidenum">
               <a:rPr lang="en-GB" smtClean="0"/>
+              <a:pPr/>
               <a:t>‹#›</a:t>
             </a:fld>
             <a:endParaRPr lang="en-GB"/>
@@ -2447,7 +2471,7 @@
     </p:spTree>
     <p:extLst>
       <p:ext uri="{BB962C8B-B14F-4D97-AF65-F5344CB8AC3E}">
-        <p14:creationId xmlns:p14="http://schemas.microsoft.com/office/powerpoint/2010/main" val="190516965"/>
+        <p14:creationId xmlns:p14="http://schemas.microsoft.com/office/powerpoint/2010/main" xmlns="" val="190516965"/>
       </p:ext>
     </p:extLst>
   </p:cSld>
@@ -2684,7 +2708,8 @@
           <a:p>
             <a:fld id="{5176CD83-EC6D-4E6C-89BB-FEECE4F4A3E0}" type="datetimeFigureOut">
               <a:rPr lang="en-GB" smtClean="0"/>
-              <a:t>11/04/2017</a:t>
+              <a:pPr/>
+              <a:t>12/04/2017</a:t>
             </a:fld>
             <a:endParaRPr lang="en-GB"/>
           </a:p>
@@ -2726,6 +2751,7 @@
           <a:p>
             <a:fld id="{E439FB52-F991-4412-83AA-C9B98E3830BE}" type="slidenum">
               <a:rPr lang="en-GB" smtClean="0"/>
+              <a:pPr/>
               <a:t>‹#›</a:t>
             </a:fld>
             <a:endParaRPr lang="en-GB"/>
@@ -2735,7 +2761,7 @@
     </p:spTree>
     <p:extLst>
       <p:ext uri="{BB962C8B-B14F-4D97-AF65-F5344CB8AC3E}">
-        <p14:creationId xmlns:p14="http://schemas.microsoft.com/office/powerpoint/2010/main" val="3936991653"/>
+        <p14:creationId xmlns:p14="http://schemas.microsoft.com/office/powerpoint/2010/main" xmlns="" val="3936991653"/>
       </p:ext>
     </p:extLst>
   </p:cSld>
@@ -3108,7 +3134,8 @@
           <a:p>
             <a:fld id="{5176CD83-EC6D-4E6C-89BB-FEECE4F4A3E0}" type="datetimeFigureOut">
               <a:rPr lang="en-GB" smtClean="0"/>
-              <a:t>11/04/2017</a:t>
+              <a:pPr/>
+              <a:t>12/04/2017</a:t>
             </a:fld>
             <a:endParaRPr lang="en-GB"/>
           </a:p>
@@ -3150,6 +3177,7 @@
           <a:p>
             <a:fld id="{E439FB52-F991-4412-83AA-C9B98E3830BE}" type="slidenum">
               <a:rPr lang="en-GB" smtClean="0"/>
+              <a:pPr/>
               <a:t>‹#›</a:t>
             </a:fld>
             <a:endParaRPr lang="en-GB"/>
@@ -3159,7 +3187,7 @@
     </p:spTree>
     <p:extLst>
       <p:ext uri="{BB962C8B-B14F-4D97-AF65-F5344CB8AC3E}">
-        <p14:creationId xmlns:p14="http://schemas.microsoft.com/office/powerpoint/2010/main" val="1142911586"/>
+        <p14:creationId xmlns:p14="http://schemas.microsoft.com/office/powerpoint/2010/main" xmlns="" val="1142911586"/>
       </p:ext>
     </p:extLst>
   </p:cSld>
@@ -3226,7 +3254,8 @@
           <a:p>
             <a:fld id="{5176CD83-EC6D-4E6C-89BB-FEECE4F4A3E0}" type="datetimeFigureOut">
               <a:rPr lang="en-GB" smtClean="0"/>
-              <a:t>11/04/2017</a:t>
+              <a:pPr/>
+              <a:t>12/04/2017</a:t>
             </a:fld>
             <a:endParaRPr lang="en-GB"/>
           </a:p>
@@ -3268,6 +3297,7 @@
           <a:p>
             <a:fld id="{E439FB52-F991-4412-83AA-C9B98E3830BE}" type="slidenum">
               <a:rPr lang="en-GB" smtClean="0"/>
+              <a:pPr/>
               <a:t>‹#›</a:t>
             </a:fld>
             <a:endParaRPr lang="en-GB"/>
@@ -3277,7 +3307,7 @@
     </p:spTree>
     <p:extLst>
       <p:ext uri="{BB962C8B-B14F-4D97-AF65-F5344CB8AC3E}">
-        <p14:creationId xmlns:p14="http://schemas.microsoft.com/office/powerpoint/2010/main" val="1500349065"/>
+        <p14:creationId xmlns:p14="http://schemas.microsoft.com/office/powerpoint/2010/main" xmlns="" val="1500349065"/>
       </p:ext>
     </p:extLst>
   </p:cSld>
@@ -3321,7 +3351,8 @@
           <a:p>
             <a:fld id="{5176CD83-EC6D-4E6C-89BB-FEECE4F4A3E0}" type="datetimeFigureOut">
               <a:rPr lang="en-GB" smtClean="0"/>
-              <a:t>11/04/2017</a:t>
+              <a:pPr/>
+              <a:t>12/04/2017</a:t>
             </a:fld>
             <a:endParaRPr lang="en-GB"/>
           </a:p>
@@ -3363,6 +3394,7 @@
           <a:p>
             <a:fld id="{E439FB52-F991-4412-83AA-C9B98E3830BE}" type="slidenum">
               <a:rPr lang="en-GB" smtClean="0"/>
+              <a:pPr/>
               <a:t>‹#›</a:t>
             </a:fld>
             <a:endParaRPr lang="en-GB"/>
@@ -3372,7 +3404,7 @@
     </p:spTree>
     <p:extLst>
       <p:ext uri="{BB962C8B-B14F-4D97-AF65-F5344CB8AC3E}">
-        <p14:creationId xmlns:p14="http://schemas.microsoft.com/office/powerpoint/2010/main" val="2697262862"/>
+        <p14:creationId xmlns:p14="http://schemas.microsoft.com/office/powerpoint/2010/main" xmlns="" val="2697262862"/>
       </p:ext>
     </p:extLst>
   </p:cSld>
@@ -3611,7 +3643,8 @@
           <a:p>
             <a:fld id="{5176CD83-EC6D-4E6C-89BB-FEECE4F4A3E0}" type="datetimeFigureOut">
               <a:rPr lang="en-GB" smtClean="0"/>
-              <a:t>11/04/2017</a:t>
+              <a:pPr/>
+              <a:t>12/04/2017</a:t>
             </a:fld>
             <a:endParaRPr lang="en-GB"/>
           </a:p>
@@ -3653,6 +3686,7 @@
           <a:p>
             <a:fld id="{E439FB52-F991-4412-83AA-C9B98E3830BE}" type="slidenum">
               <a:rPr lang="en-GB" smtClean="0"/>
+              <a:pPr/>
               <a:t>‹#›</a:t>
             </a:fld>
             <a:endParaRPr lang="en-GB"/>
@@ -3662,7 +3696,7 @@
     </p:spTree>
     <p:extLst>
       <p:ext uri="{BB962C8B-B14F-4D97-AF65-F5344CB8AC3E}">
-        <p14:creationId xmlns:p14="http://schemas.microsoft.com/office/powerpoint/2010/main" val="2892844945"/>
+        <p14:creationId xmlns:p14="http://schemas.microsoft.com/office/powerpoint/2010/main" xmlns="" val="2892844945"/>
       </p:ext>
     </p:extLst>
   </p:cSld>
@@ -3883,7 +3917,8 @@
           <a:p>
             <a:fld id="{5176CD83-EC6D-4E6C-89BB-FEECE4F4A3E0}" type="datetimeFigureOut">
               <a:rPr lang="en-GB" smtClean="0"/>
-              <a:t>11/04/2017</a:t>
+              <a:pPr/>
+              <a:t>12/04/2017</a:t>
             </a:fld>
             <a:endParaRPr lang="en-GB"/>
           </a:p>
@@ -3925,6 +3960,7 @@
           <a:p>
             <a:fld id="{E439FB52-F991-4412-83AA-C9B98E3830BE}" type="slidenum">
               <a:rPr lang="en-GB" smtClean="0"/>
+              <a:pPr/>
               <a:t>‹#›</a:t>
             </a:fld>
             <a:endParaRPr lang="en-GB"/>
@@ -3934,7 +3970,7 @@
     </p:spTree>
     <p:extLst>
       <p:ext uri="{BB962C8B-B14F-4D97-AF65-F5344CB8AC3E}">
-        <p14:creationId xmlns:p14="http://schemas.microsoft.com/office/powerpoint/2010/main" val="1317576770"/>
+        <p14:creationId xmlns:p14="http://schemas.microsoft.com/office/powerpoint/2010/main" xmlns="" val="1317576770"/>
       </p:ext>
     </p:extLst>
   </p:cSld>
@@ -4137,7 +4173,8 @@
           <a:p>
             <a:fld id="{5176CD83-EC6D-4E6C-89BB-FEECE4F4A3E0}" type="datetimeFigureOut">
               <a:rPr lang="en-GB" smtClean="0"/>
-              <a:t>11/04/2017</a:t>
+              <a:pPr/>
+              <a:t>12/04/2017</a:t>
             </a:fld>
             <a:endParaRPr lang="en-GB"/>
           </a:p>
@@ -4211,6 +4248,7 @@
           <a:p>
             <a:fld id="{E439FB52-F991-4412-83AA-C9B98E3830BE}" type="slidenum">
               <a:rPr lang="en-GB" smtClean="0"/>
+              <a:pPr/>
               <a:t>‹#›</a:t>
             </a:fld>
             <a:endParaRPr lang="en-GB"/>
@@ -4220,7 +4258,7 @@
     </p:spTree>
     <p:extLst>
       <p:ext uri="{BB962C8B-B14F-4D97-AF65-F5344CB8AC3E}">
-        <p14:creationId xmlns:p14="http://schemas.microsoft.com/office/powerpoint/2010/main" val="927268183"/>
+        <p14:creationId xmlns:p14="http://schemas.microsoft.com/office/powerpoint/2010/main" xmlns="" val="927268183"/>
       </p:ext>
     </p:extLst>
   </p:cSld>
@@ -4948,7 +4986,7 @@
     </p:spTree>
     <p:extLst>
       <p:ext uri="{BB962C8B-B14F-4D97-AF65-F5344CB8AC3E}">
-        <p14:creationId xmlns:p14="http://schemas.microsoft.com/office/powerpoint/2010/main" val="1301930527"/>
+        <p14:creationId xmlns:p14="http://schemas.microsoft.com/office/powerpoint/2010/main" xmlns="" val="1301930527"/>
       </p:ext>
     </p:extLst>
   </p:cSld>
@@ -5087,7 +5125,7 @@
     </p:spTree>
     <p:extLst>
       <p:ext uri="{BB962C8B-B14F-4D97-AF65-F5344CB8AC3E}">
-        <p14:creationId xmlns:p14="http://schemas.microsoft.com/office/powerpoint/2010/main" val="380566579"/>
+        <p14:creationId xmlns:p14="http://schemas.microsoft.com/office/powerpoint/2010/main" xmlns="" val="380566579"/>
       </p:ext>
     </p:extLst>
   </p:cSld>
@@ -5196,7 +5234,7 @@
           <p:nvPr/>
         </p:nvPicPr>
         <p:blipFill rotWithShape="1">
-          <a:blip r:embed="rId3"/>
+          <a:blip r:embed="rId3" cstate="print"/>
           <a:srcRect l="21272" t="18916" r="22354" b="17516"/>
           <a:stretch/>
         </p:blipFill>
@@ -5213,7 +5251,7 @@
           </a:ln>
           <a:extLst>
             <a:ext uri="{53640926-AAD7-44D8-BBD7-CCE9431645EC}">
-              <a14:shadowObscured xmlns:a14="http://schemas.microsoft.com/office/drawing/2010/main"/>
+              <a14:shadowObscured xmlns:a14="http://schemas.microsoft.com/office/drawing/2010/main" xmlns=""/>
             </a:ext>
           </a:extLst>
         </p:spPr>
@@ -5221,7 +5259,7 @@
     </p:spTree>
     <p:extLst>
       <p:ext uri="{BB962C8B-B14F-4D97-AF65-F5344CB8AC3E}">
-        <p14:creationId xmlns:p14="http://schemas.microsoft.com/office/powerpoint/2010/main" val="1428611620"/>
+        <p14:creationId xmlns:p14="http://schemas.microsoft.com/office/powerpoint/2010/main" xmlns="" val="1428611620"/>
       </p:ext>
     </p:extLst>
   </p:cSld>
@@ -5257,6 +5295,173 @@
       </p:grpSpPr>
       <p:sp>
         <p:nvSpPr>
+          <p:cNvPr id="2" name="Title 1"/>
+          <p:cNvSpPr>
+            <a:spLocks noGrp="1"/>
+          </p:cNvSpPr>
+          <p:nvPr>
+            <p:ph type="title"/>
+          </p:nvPr>
+        </p:nvSpPr>
+        <p:spPr/>
+        <p:txBody>
+          <a:bodyPr/>
+          <a:lstStyle/>
+          <a:p>
+            <a:r>
+              <a:rPr lang="en-GB" dirty="0" smtClean="0"/>
+              <a:t>Component </a:t>
+            </a:r>
+            <a:endParaRPr lang="en-GB" dirty="0"/>
+          </a:p>
+        </p:txBody>
+      </p:sp>
+      <p:pic>
+        <p:nvPicPr>
+          <p:cNvPr id="4" name="Content Placeholder 3"/>
+          <p:cNvPicPr>
+            <a:picLocks noGrp="1"/>
+          </p:cNvPicPr>
+          <p:nvPr>
+            <p:ph idx="1"/>
+          </p:nvPr>
+        </p:nvPicPr>
+        <p:blipFill>
+          <a:blip r:embed="rId2" cstate="print"/>
+          <a:srcRect r="13669" b="7779"/>
+          <a:stretch>
+            <a:fillRect/>
+          </a:stretch>
+        </p:blipFill>
+        <p:spPr bwMode="auto">
+          <a:xfrm>
+            <a:off x="2717103" y="2057400"/>
+            <a:ext cx="6724457" cy="4038600"/>
+          </a:xfrm>
+          <a:prstGeom prst="rect">
+            <a:avLst/>
+          </a:prstGeom>
+          <a:noFill/>
+          <a:ln w="9525">
+            <a:noFill/>
+            <a:miter lim="800000"/>
+            <a:headEnd/>
+            <a:tailEnd/>
+          </a:ln>
+        </p:spPr>
+      </p:pic>
+    </p:spTree>
+  </p:cSld>
+  <p:clrMapOvr>
+    <a:masterClrMapping/>
+  </p:clrMapOvr>
+</p:sld>
+</file>
+
+<file path=ppt/slides/slide13.xml><?xml version="1.0" encoding="utf-8"?>
+<p:sld xmlns:a="http://schemas.openxmlformats.org/drawingml/2006/main" xmlns:r="http://schemas.openxmlformats.org/officeDocument/2006/relationships" xmlns:p="http://schemas.openxmlformats.org/presentationml/2006/main">
+  <p:cSld>
+    <p:spTree>
+      <p:nvGrpSpPr>
+        <p:cNvPr id="1" name=""/>
+        <p:cNvGrpSpPr/>
+        <p:nvPr/>
+      </p:nvGrpSpPr>
+      <p:grpSpPr>
+        <a:xfrm>
+          <a:off x="0" y="0"/>
+          <a:ext cx="0" cy="0"/>
+          <a:chOff x="0" y="0"/>
+          <a:chExt cx="0" cy="0"/>
+        </a:xfrm>
+      </p:grpSpPr>
+      <p:sp>
+        <p:nvSpPr>
+          <p:cNvPr id="2" name="Title 1"/>
+          <p:cNvSpPr>
+            <a:spLocks noGrp="1"/>
+          </p:cNvSpPr>
+          <p:nvPr>
+            <p:ph type="title"/>
+          </p:nvPr>
+        </p:nvSpPr>
+        <p:spPr/>
+        <p:txBody>
+          <a:bodyPr/>
+          <a:lstStyle/>
+          <a:p>
+            <a:r>
+              <a:rPr lang="en-GB" dirty="0" smtClean="0"/>
+              <a:t>FCEPH relationship </a:t>
+            </a:r>
+            <a:br>
+              <a:rPr lang="en-GB" dirty="0" smtClean="0"/>
+            </a:br>
+            <a:endParaRPr lang="en-GB" dirty="0"/>
+          </a:p>
+        </p:txBody>
+      </p:sp>
+      <p:pic>
+        <p:nvPicPr>
+          <p:cNvPr id="4" name="Content Placeholder 3"/>
+          <p:cNvPicPr>
+            <a:picLocks noGrp="1"/>
+          </p:cNvPicPr>
+          <p:nvPr>
+            <p:ph idx="1"/>
+          </p:nvPr>
+        </p:nvPicPr>
+        <p:blipFill>
+          <a:blip r:embed="rId2" cstate="print"/>
+          <a:srcRect l="14720" t="21858" r="481" b="7431"/>
+          <a:stretch>
+            <a:fillRect/>
+          </a:stretch>
+        </p:blipFill>
+        <p:spPr bwMode="auto">
+          <a:xfrm>
+            <a:off x="1772141" y="2057400"/>
+            <a:ext cx="8614381" cy="4038600"/>
+          </a:xfrm>
+          <a:prstGeom prst="rect">
+            <a:avLst/>
+          </a:prstGeom>
+          <a:noFill/>
+          <a:ln w="9525">
+            <a:noFill/>
+            <a:miter lim="800000"/>
+            <a:headEnd/>
+            <a:tailEnd/>
+          </a:ln>
+        </p:spPr>
+      </p:pic>
+    </p:spTree>
+  </p:cSld>
+  <p:clrMapOvr>
+    <a:masterClrMapping/>
+  </p:clrMapOvr>
+</p:sld>
+</file>
+
+<file path=ppt/slides/slide14.xml><?xml version="1.0" encoding="utf-8"?>
+<p:sld xmlns:a="http://schemas.openxmlformats.org/drawingml/2006/main" xmlns:r="http://schemas.openxmlformats.org/officeDocument/2006/relationships" xmlns:p="http://schemas.openxmlformats.org/presentationml/2006/main">
+  <p:cSld>
+    <p:spTree>
+      <p:nvGrpSpPr>
+        <p:cNvPr id="1" name=""/>
+        <p:cNvGrpSpPr/>
+        <p:nvPr/>
+      </p:nvGrpSpPr>
+      <p:grpSpPr>
+        <a:xfrm>
+          <a:off x="0" y="0"/>
+          <a:ext cx="0" cy="0"/>
+          <a:chOff x="0" y="0"/>
+          <a:chExt cx="0" cy="0"/>
+        </a:xfrm>
+      </p:grpSpPr>
+      <p:sp>
+        <p:nvSpPr>
           <p:cNvPr id="4" name="Title 1"/>
           <p:cNvSpPr>
             <a:spLocks noGrp="1"/>
@@ -5289,7 +5494,7 @@
     </p:spTree>
     <p:extLst>
       <p:ext uri="{BB962C8B-B14F-4D97-AF65-F5344CB8AC3E}">
-        <p14:creationId xmlns:p14="http://schemas.microsoft.com/office/powerpoint/2010/main" val="912534041"/>
+        <p14:creationId xmlns:p14="http://schemas.microsoft.com/office/powerpoint/2010/main" xmlns="" val="912534041"/>
       </p:ext>
     </p:extLst>
   </p:cSld>
@@ -5526,10 +5731,10 @@
           <p:nvPr/>
         </p:nvPicPr>
         <p:blipFill>
-          <a:blip r:embed="rId3">
+          <a:blip r:embed="rId3" cstate="print">
             <a:extLst>
               <a:ext uri="{28A0092B-C50C-407E-A947-70E740481C1C}">
-                <a14:useLocalDpi xmlns:a14="http://schemas.microsoft.com/office/drawing/2010/main" val="0"/>
+                <a14:useLocalDpi xmlns:a14="http://schemas.microsoft.com/office/drawing/2010/main" xmlns="" val="0"/>
               </a:ext>
             </a:extLst>
           </a:blip>
@@ -5550,7 +5755,7 @@
     </p:spTree>
     <p:extLst>
       <p:ext uri="{BB962C8B-B14F-4D97-AF65-F5344CB8AC3E}">
-        <p14:creationId xmlns:p14="http://schemas.microsoft.com/office/powerpoint/2010/main" val="857764899"/>
+        <p14:creationId xmlns:p14="http://schemas.microsoft.com/office/powerpoint/2010/main" xmlns="" val="857764899"/>
       </p:ext>
     </p:extLst>
   </p:cSld>
@@ -5670,7 +5875,7 @@
     </p:spTree>
     <p:extLst>
       <p:ext uri="{BB962C8B-B14F-4D97-AF65-F5344CB8AC3E}">
-        <p14:creationId xmlns:p14="http://schemas.microsoft.com/office/powerpoint/2010/main" val="892733517"/>
+        <p14:creationId xmlns:p14="http://schemas.microsoft.com/office/powerpoint/2010/main" xmlns="" val="892733517"/>
       </p:ext>
     </p:extLst>
   </p:cSld>
@@ -5866,7 +6071,7 @@
     </p:spTree>
     <p:extLst>
       <p:ext uri="{BB962C8B-B14F-4D97-AF65-F5344CB8AC3E}">
-        <p14:creationId xmlns:p14="http://schemas.microsoft.com/office/powerpoint/2010/main" val="1369754473"/>
+        <p14:creationId xmlns:p14="http://schemas.microsoft.com/office/powerpoint/2010/main" xmlns="" val="1369754473"/>
       </p:ext>
     </p:extLst>
   </p:cSld>
@@ -5975,10 +6180,10 @@
           <p:nvPr/>
         </p:nvPicPr>
         <p:blipFill rotWithShape="1">
-          <a:blip r:embed="rId2">
+          <a:blip r:embed="rId2" cstate="print">
             <a:extLst>
               <a:ext uri="{28A0092B-C50C-407E-A947-70E740481C1C}">
-                <a14:useLocalDpi xmlns:a14="http://schemas.microsoft.com/office/drawing/2010/main" val="0"/>
+                <a14:useLocalDpi xmlns:a14="http://schemas.microsoft.com/office/drawing/2010/main" xmlns="" val="0"/>
               </a:ext>
             </a:extLst>
           </a:blip>
@@ -6006,10 +6211,10 @@
           <p:nvPr/>
         </p:nvPicPr>
         <p:blipFill rotWithShape="1">
-          <a:blip r:embed="rId3">
+          <a:blip r:embed="rId3" cstate="print">
             <a:extLst>
               <a:ext uri="{28A0092B-C50C-407E-A947-70E740481C1C}">
-                <a14:useLocalDpi xmlns:a14="http://schemas.microsoft.com/office/drawing/2010/main" val="0"/>
+                <a14:useLocalDpi xmlns:a14="http://schemas.microsoft.com/office/drawing/2010/main" xmlns="" val="0"/>
               </a:ext>
             </a:extLst>
           </a:blip>
@@ -6293,10 +6498,10 @@
           <p:nvPr/>
         </p:nvPicPr>
         <p:blipFill rotWithShape="1">
-          <a:blip r:embed="rId4">
+          <a:blip r:embed="rId4" cstate="print">
             <a:extLst>
               <a:ext uri="{28A0092B-C50C-407E-A947-70E740481C1C}">
-                <a14:useLocalDpi xmlns:a14="http://schemas.microsoft.com/office/drawing/2010/main" val="0"/>
+                <a14:useLocalDpi xmlns:a14="http://schemas.microsoft.com/office/drawing/2010/main" xmlns="" val="0"/>
               </a:ext>
             </a:extLst>
           </a:blip>
@@ -6585,10 +6790,10 @@
           <p:nvPr/>
         </p:nvPicPr>
         <p:blipFill rotWithShape="1">
-          <a:blip r:embed="rId5">
+          <a:blip r:embed="rId5" cstate="print">
             <a:extLst>
               <a:ext uri="{28A0092B-C50C-407E-A947-70E740481C1C}">
-                <a14:useLocalDpi xmlns:a14="http://schemas.microsoft.com/office/drawing/2010/main" val="0"/>
+                <a14:useLocalDpi xmlns:a14="http://schemas.microsoft.com/office/drawing/2010/main" xmlns="" val="0"/>
               </a:ext>
             </a:extLst>
           </a:blip>
@@ -6873,7 +7078,7 @@
     </p:spTree>
     <p:extLst>
       <p:ext uri="{BB962C8B-B14F-4D97-AF65-F5344CB8AC3E}">
-        <p14:creationId xmlns:p14="http://schemas.microsoft.com/office/powerpoint/2010/main" val="3188754120"/>
+        <p14:creationId xmlns:p14="http://schemas.microsoft.com/office/powerpoint/2010/main" xmlns="" val="3188754120"/>
       </p:ext>
     </p:extLst>
   </p:cSld>
@@ -7090,7 +7295,7 @@
     </p:spTree>
     <p:extLst>
       <p:ext uri="{BB962C8B-B14F-4D97-AF65-F5344CB8AC3E}">
-        <p14:creationId xmlns:p14="http://schemas.microsoft.com/office/powerpoint/2010/main" val="3229383263"/>
+        <p14:creationId xmlns:p14="http://schemas.microsoft.com/office/powerpoint/2010/main" xmlns="" val="3229383263"/>
       </p:ext>
     </p:extLst>
   </p:cSld>
@@ -7248,10 +7453,10 @@
           <p:nvPr/>
         </p:nvPicPr>
         <p:blipFill>
-          <a:blip r:embed="rId3">
+          <a:blip r:embed="rId3" cstate="print">
             <a:extLst>
               <a:ext uri="{28A0092B-C50C-407E-A947-70E740481C1C}">
-                <a14:useLocalDpi xmlns:a14="http://schemas.microsoft.com/office/drawing/2010/main" val="0"/>
+                <a14:useLocalDpi xmlns:a14="http://schemas.microsoft.com/office/drawing/2010/main" xmlns="" val="0"/>
               </a:ext>
             </a:extLst>
           </a:blip>
@@ -7278,7 +7483,7 @@
           <p:nvPr>
             <p:extLst>
               <p:ext uri="{D42A27DB-BD31-4B8C-83A1-F6EECF244321}">
-                <p14:modId xmlns:p14="http://schemas.microsoft.com/office/powerpoint/2010/main" val="4240471157"/>
+                <p14:modId xmlns:p14="http://schemas.microsoft.com/office/powerpoint/2010/main" xmlns="" val="4240471157"/>
               </p:ext>
             </p:extLst>
           </p:nvPr>
@@ -7297,70 +7502,70 @@
                 <a:gridCol w="451247">
                   <a:extLst>
                     <a:ext uri="{9D8B030D-6E8A-4147-A177-3AD203B41FA5}">
-                      <a16:colId xmlns:a16="http://schemas.microsoft.com/office/drawing/2014/main" xmlns="" val="1186374384"/>
+                      <a16:colId xmlns="" xmlns:a16="http://schemas.microsoft.com/office/drawing/2014/main" val="1186374384"/>
                     </a:ext>
                   </a:extLst>
                 </a:gridCol>
                 <a:gridCol w="624630">
                   <a:extLst>
                     <a:ext uri="{9D8B030D-6E8A-4147-A177-3AD203B41FA5}">
-                      <a16:colId xmlns:a16="http://schemas.microsoft.com/office/drawing/2014/main" xmlns="" val="1662131398"/>
+                      <a16:colId xmlns="" xmlns:a16="http://schemas.microsoft.com/office/drawing/2014/main" val="1662131398"/>
                     </a:ext>
                   </a:extLst>
                 </a:gridCol>
                 <a:gridCol w="1064942">
                   <a:extLst>
                     <a:ext uri="{9D8B030D-6E8A-4147-A177-3AD203B41FA5}">
-                      <a16:colId xmlns:a16="http://schemas.microsoft.com/office/drawing/2014/main" xmlns="" val="3606078462"/>
+                      <a16:colId xmlns="" xmlns:a16="http://schemas.microsoft.com/office/drawing/2014/main" val="3606078462"/>
                     </a:ext>
                   </a:extLst>
                 </a:gridCol>
                 <a:gridCol w="1517838">
                   <a:extLst>
                     <a:ext uri="{9D8B030D-6E8A-4147-A177-3AD203B41FA5}">
-                      <a16:colId xmlns:a16="http://schemas.microsoft.com/office/drawing/2014/main" xmlns="" val="2231300451"/>
+                      <a16:colId xmlns="" xmlns:a16="http://schemas.microsoft.com/office/drawing/2014/main" val="2231300451"/>
                     </a:ext>
                   </a:extLst>
                 </a:gridCol>
                 <a:gridCol w="721784">
                   <a:extLst>
                     <a:ext uri="{9D8B030D-6E8A-4147-A177-3AD203B41FA5}">
-                      <a16:colId xmlns:a16="http://schemas.microsoft.com/office/drawing/2014/main" xmlns="" val="3035187046"/>
+                      <a16:colId xmlns="" xmlns:a16="http://schemas.microsoft.com/office/drawing/2014/main" val="3035187046"/>
                     </a:ext>
                   </a:extLst>
                 </a:gridCol>
                 <a:gridCol w="1389098">
                   <a:extLst>
                     <a:ext uri="{9D8B030D-6E8A-4147-A177-3AD203B41FA5}">
-                      <a16:colId xmlns:a16="http://schemas.microsoft.com/office/drawing/2014/main" xmlns="" val="2950164483"/>
+                      <a16:colId xmlns="" xmlns:a16="http://schemas.microsoft.com/office/drawing/2014/main" val="2950164483"/>
                     </a:ext>
                   </a:extLst>
                 </a:gridCol>
                 <a:gridCol w="1884856">
                   <a:extLst>
                     <a:ext uri="{9D8B030D-6E8A-4147-A177-3AD203B41FA5}">
-                      <a16:colId xmlns:a16="http://schemas.microsoft.com/office/drawing/2014/main" xmlns="" val="2904866764"/>
+                      <a16:colId xmlns="" xmlns:a16="http://schemas.microsoft.com/office/drawing/2014/main" val="2904866764"/>
                     </a:ext>
                   </a:extLst>
                 </a:gridCol>
                 <a:gridCol w="1662740">
                   <a:extLst>
                     <a:ext uri="{9D8B030D-6E8A-4147-A177-3AD203B41FA5}">
-                      <a16:colId xmlns:a16="http://schemas.microsoft.com/office/drawing/2014/main" xmlns="" val="1176429251"/>
+                      <a16:colId xmlns="" xmlns:a16="http://schemas.microsoft.com/office/drawing/2014/main" val="1176429251"/>
                     </a:ext>
                   </a:extLst>
                 </a:gridCol>
                 <a:gridCol w="997958">
                   <a:extLst>
                     <a:ext uri="{9D8B030D-6E8A-4147-A177-3AD203B41FA5}">
-                      <a16:colId xmlns:a16="http://schemas.microsoft.com/office/drawing/2014/main" xmlns="" val="457464082"/>
+                      <a16:colId xmlns="" xmlns:a16="http://schemas.microsoft.com/office/drawing/2014/main" val="457464082"/>
                     </a:ext>
                   </a:extLst>
                 </a:gridCol>
                 <a:gridCol w="690592">
                   <a:extLst>
                     <a:ext uri="{9D8B030D-6E8A-4147-A177-3AD203B41FA5}">
-                      <a16:colId xmlns:a16="http://schemas.microsoft.com/office/drawing/2014/main" xmlns="" val="3249251570"/>
+                      <a16:colId xmlns="" xmlns:a16="http://schemas.microsoft.com/office/drawing/2014/main" val="3249251570"/>
                     </a:ext>
                   </a:extLst>
                 </a:gridCol>
@@ -7658,7 +7863,7 @@
                 </a:tc>
                 <a:extLst>
                   <a:ext uri="{0D108BD9-81ED-4DB2-BD59-A6C34878D82A}">
-                    <a16:rowId xmlns:a16="http://schemas.microsoft.com/office/drawing/2014/main" xmlns="" val="3284525225"/>
+                    <a16:rowId xmlns="" xmlns:a16="http://schemas.microsoft.com/office/drawing/2014/main" val="3284525225"/>
                   </a:ext>
                 </a:extLst>
               </a:tr>
@@ -7955,7 +8160,7 @@
                 </a:tc>
                 <a:extLst>
                   <a:ext uri="{0D108BD9-81ED-4DB2-BD59-A6C34878D82A}">
-                    <a16:rowId xmlns:a16="http://schemas.microsoft.com/office/drawing/2014/main" xmlns="" val="4202312421"/>
+                    <a16:rowId xmlns="" xmlns:a16="http://schemas.microsoft.com/office/drawing/2014/main" val="4202312421"/>
                   </a:ext>
                 </a:extLst>
               </a:tr>
@@ -8252,7 +8457,7 @@
                 </a:tc>
                 <a:extLst>
                   <a:ext uri="{0D108BD9-81ED-4DB2-BD59-A6C34878D82A}">
-                    <a16:rowId xmlns:a16="http://schemas.microsoft.com/office/drawing/2014/main" xmlns="" val="3106098561"/>
+                    <a16:rowId xmlns="" xmlns:a16="http://schemas.microsoft.com/office/drawing/2014/main" val="3106098561"/>
                   </a:ext>
                 </a:extLst>
               </a:tr>
@@ -8263,7 +8468,7 @@
     </p:spTree>
     <p:extLst>
       <p:ext uri="{BB962C8B-B14F-4D97-AF65-F5344CB8AC3E}">
-        <p14:creationId xmlns:p14="http://schemas.microsoft.com/office/powerpoint/2010/main" val="3594997535"/>
+        <p14:creationId xmlns:p14="http://schemas.microsoft.com/office/powerpoint/2010/main" xmlns="" val="3594997535"/>
       </p:ext>
     </p:extLst>
   </p:cSld>
@@ -8428,7 +8633,7 @@
     </p:spTree>
     <p:extLst>
       <p:ext uri="{BB962C8B-B14F-4D97-AF65-F5344CB8AC3E}">
-        <p14:creationId xmlns:p14="http://schemas.microsoft.com/office/powerpoint/2010/main" val="2738554402"/>
+        <p14:creationId xmlns:p14="http://schemas.microsoft.com/office/powerpoint/2010/main" xmlns="" val="2738554402"/>
       </p:ext>
     </p:extLst>
   </p:cSld>
@@ -8605,21 +8810,8 @@
             </a:pPr>
             <a:r>
               <a:rPr lang="en-GB" sz="2400" dirty="0" smtClean="0"/>
-              <a:t>Checkout       Payment       Client Info         </a:t>
-            </a:r>
-            <a:r>
-              <a:rPr lang="en-GB" sz="2400" dirty="0" smtClean="0"/>
-              <a:t>Confirm </a:t>
-            </a:r>
-            <a:r>
-              <a:rPr lang="en-GB" sz="2400" dirty="0" smtClean="0"/>
-              <a:t>Payment        </a:t>
-            </a:r>
-            <a:r>
-              <a:rPr lang="en-GB" sz="2400" dirty="0" smtClean="0"/>
-              <a:t> Cancel Payment</a:t>
-            </a:r>
-            <a:endParaRPr lang="en-GB" sz="2400" dirty="0" smtClean="0"/>
+              <a:t>Checkout       Payment       Client Info         Confirm Payment         Cancel Payment</a:t>
+            </a:r>
           </a:p>
         </p:txBody>
       </p:sp>
@@ -8758,7 +8950,7 @@
     </p:spTree>
     <p:extLst>
       <p:ext uri="{BB962C8B-B14F-4D97-AF65-F5344CB8AC3E}">
-        <p14:creationId xmlns:p14="http://schemas.microsoft.com/office/powerpoint/2010/main" val="1674706074"/>
+        <p14:creationId xmlns:p14="http://schemas.microsoft.com/office/powerpoint/2010/main" xmlns="" val="1674706074"/>
       </p:ext>
     </p:extLst>
   </p:cSld>
@@ -8872,7 +9064,7 @@
     </a:clrScheme>
     <a:fontScheme name="Basis">
       <a:majorFont>
-        <a:latin typeface="Corbel" panose="020B0503020204020204"/>
+        <a:latin typeface="Corbel"/>
         <a:ea typeface=""/>
         <a:cs typeface=""/>
         <a:font script="Jpan" typeface="ＭＳ ゴシック"/>
@@ -8907,7 +9099,7 @@
         <a:font script="Geor" typeface="Sylfaen"/>
       </a:majorFont>
       <a:minorFont>
-        <a:latin typeface="Corbel" panose="020B0503020204020204"/>
+        <a:latin typeface="Corbel"/>
         <a:ea typeface=""/>
         <a:cs typeface=""/>
         <a:font script="Jpan" typeface="ＭＳ ゴシック"/>
@@ -9060,7 +9252,7 @@
   <a:extraClrSchemeLst/>
   <a:extLst>
     <a:ext uri="{05A4C25C-085E-4340-85A3-A5531E510DB2}">
-      <thm15:themeFamily xmlns:thm15="http://schemas.microsoft.com/office/thememl/2012/main" name="Basis" id="{5665723A-49BA-4B57-8411-A56F8F207965}" vid="{90E45F77-AEFC-46EF-A7C1-5B338C297B02}"/>
+      <thm15:themeFamily xmlns:thm15="http://schemas.microsoft.com/office/thememl/2012/main" xmlns="" name="Basis" id="{5665723A-49BA-4B57-8411-A56F8F207965}" vid="{90E45F77-AEFC-46EF-A7C1-5B338C297B02}"/>
     </a:ext>
   </a:extLst>
 </a:theme>
@@ -9109,7 +9301,7 @@
     </a:clrScheme>
     <a:fontScheme name="Office">
       <a:majorFont>
-        <a:latin typeface="Calibri Light" panose="020F0302020204030204"/>
+        <a:latin typeface="Calibri Light"/>
         <a:ea typeface=""/>
         <a:cs typeface=""/>
         <a:font script="Jpan" typeface="游ゴシック Light"/>
@@ -9144,7 +9336,7 @@
         <a:font script="Geor" typeface="Sylfaen"/>
       </a:majorFont>
       <a:minorFont>
-        <a:latin typeface="Calibri" panose="020F0502020204030204"/>
+        <a:latin typeface="Calibri"/>
         <a:ea typeface=""/>
         <a:cs typeface=""/>
         <a:font script="Jpan" typeface="游ゴシック"/>
@@ -9321,7 +9513,7 @@
   <a:extraClrSchemeLst/>
   <a:extLst>
     <a:ext uri="{05A4C25C-085E-4340-85A3-A5531E510DB2}">
-      <thm15:themeFamily xmlns:thm15="http://schemas.microsoft.com/office/thememl/2012/main" name="Office Theme" id="{62F939B6-93AF-4DB8-9C6B-D6C7DFDC589F}" vid="{4A3C46E8-61CC-4603-A589-7422A47A8E4A}"/>
+      <thm15:themeFamily xmlns:thm15="http://schemas.microsoft.com/office/thememl/2012/main" xmlns="" name="Office Theme" id="{62F939B6-93AF-4DB8-9C6B-D6C7DFDC589F}" vid="{4A3C46E8-61CC-4603-A589-7422A47A8E4A}"/>
     </a:ext>
   </a:extLst>
 </a:theme>

--- a/Documentation/Group 3 -FCEPH Final.pptx
+++ b/Documentation/Group 3 -FCEPH Final.pptx
@@ -122,7 +122,7 @@
   </p:defaultTextStyle>
   <p:extLst>
     <p:ext uri="{EFAFB233-063F-42B5-8137-9DF3F51BA10A}">
-      <p15:sldGuideLst xmlns:p15="http://schemas.microsoft.com/office/powerpoint/2012/main" xmlns=""/>
+      <p15:sldGuideLst xmlns="" xmlns:p15="http://schemas.microsoft.com/office/powerpoint/2012/main"/>
     </p:ext>
   </p:extLst>
 </p:presentation>
@@ -380,7 +380,7 @@
     </p:spTree>
     <p:extLst>
       <p:ext uri="{BB962C8B-B14F-4D97-AF65-F5344CB8AC3E}">
-        <p14:creationId xmlns:p14="http://schemas.microsoft.com/office/powerpoint/2010/main" xmlns="" val="2151277826"/>
+        <p14:creationId xmlns="" xmlns:p14="http://schemas.microsoft.com/office/powerpoint/2010/main" val="2151277826"/>
       </p:ext>
     </p:extLst>
   </p:cSld>
@@ -558,7 +558,7 @@
     </p:spTree>
     <p:extLst>
       <p:ext uri="{BB962C8B-B14F-4D97-AF65-F5344CB8AC3E}">
-        <p14:creationId xmlns:p14="http://schemas.microsoft.com/office/powerpoint/2010/main" xmlns="" val="4241186812"/>
+        <p14:creationId xmlns="" xmlns:p14="http://schemas.microsoft.com/office/powerpoint/2010/main" val="4241186812"/>
       </p:ext>
     </p:extLst>
   </p:cSld>
@@ -646,7 +646,7 @@
     </p:spTree>
     <p:extLst>
       <p:ext uri="{BB962C8B-B14F-4D97-AF65-F5344CB8AC3E}">
-        <p14:creationId xmlns:p14="http://schemas.microsoft.com/office/powerpoint/2010/main" xmlns="" val="2127042219"/>
+        <p14:creationId xmlns="" xmlns:p14="http://schemas.microsoft.com/office/powerpoint/2010/main" val="2127042219"/>
       </p:ext>
     </p:extLst>
   </p:cSld>
@@ -734,7 +734,7 @@
     </p:spTree>
     <p:extLst>
       <p:ext uri="{BB962C8B-B14F-4D97-AF65-F5344CB8AC3E}">
-        <p14:creationId xmlns:p14="http://schemas.microsoft.com/office/powerpoint/2010/main" xmlns="" val="3673109087"/>
+        <p14:creationId xmlns="" xmlns:p14="http://schemas.microsoft.com/office/powerpoint/2010/main" val="3673109087"/>
       </p:ext>
     </p:extLst>
   </p:cSld>
@@ -822,7 +822,7 @@
     </p:spTree>
     <p:extLst>
       <p:ext uri="{BB962C8B-B14F-4D97-AF65-F5344CB8AC3E}">
-        <p14:creationId xmlns:p14="http://schemas.microsoft.com/office/powerpoint/2010/main" xmlns="" val="1698051891"/>
+        <p14:creationId xmlns="" xmlns:p14="http://schemas.microsoft.com/office/powerpoint/2010/main" val="1698051891"/>
       </p:ext>
     </p:extLst>
   </p:cSld>
@@ -910,7 +910,7 @@
     </p:spTree>
     <p:extLst>
       <p:ext uri="{BB962C8B-B14F-4D97-AF65-F5344CB8AC3E}">
-        <p14:creationId xmlns:p14="http://schemas.microsoft.com/office/powerpoint/2010/main" xmlns="" val="2134540796"/>
+        <p14:creationId xmlns="" xmlns:p14="http://schemas.microsoft.com/office/powerpoint/2010/main" val="2134540796"/>
       </p:ext>
     </p:extLst>
   </p:cSld>
@@ -998,7 +998,7 @@
     </p:spTree>
     <p:extLst>
       <p:ext uri="{BB962C8B-B14F-4D97-AF65-F5344CB8AC3E}">
-        <p14:creationId xmlns:p14="http://schemas.microsoft.com/office/powerpoint/2010/main" xmlns="" val="3649663619"/>
+        <p14:creationId xmlns="" xmlns:p14="http://schemas.microsoft.com/office/powerpoint/2010/main" val="3649663619"/>
       </p:ext>
     </p:extLst>
   </p:cSld>
@@ -1086,7 +1086,7 @@
     </p:spTree>
     <p:extLst>
       <p:ext uri="{BB962C8B-B14F-4D97-AF65-F5344CB8AC3E}">
-        <p14:creationId xmlns:p14="http://schemas.microsoft.com/office/powerpoint/2010/main" xmlns="" val="955738261"/>
+        <p14:creationId xmlns="" xmlns:p14="http://schemas.microsoft.com/office/powerpoint/2010/main" val="955738261"/>
       </p:ext>
     </p:extLst>
   </p:cSld>
@@ -1171,7 +1171,7 @@
     </p:spTree>
     <p:extLst>
       <p:ext uri="{BB962C8B-B14F-4D97-AF65-F5344CB8AC3E}">
-        <p14:creationId xmlns:p14="http://schemas.microsoft.com/office/powerpoint/2010/main" xmlns="" val="2907385044"/>
+        <p14:creationId xmlns="" xmlns:p14="http://schemas.microsoft.com/office/powerpoint/2010/main" val="2907385044"/>
       </p:ext>
     </p:extLst>
   </p:cSld>
@@ -1259,7 +1259,7 @@
     </p:spTree>
     <p:extLst>
       <p:ext uri="{BB962C8B-B14F-4D97-AF65-F5344CB8AC3E}">
-        <p14:creationId xmlns:p14="http://schemas.microsoft.com/office/powerpoint/2010/main" xmlns="" val="58551656"/>
+        <p14:creationId xmlns="" xmlns:p14="http://schemas.microsoft.com/office/powerpoint/2010/main" val="58551656"/>
       </p:ext>
     </p:extLst>
   </p:cSld>
@@ -1347,7 +1347,7 @@
     </p:spTree>
     <p:extLst>
       <p:ext uri="{BB962C8B-B14F-4D97-AF65-F5344CB8AC3E}">
-        <p14:creationId xmlns:p14="http://schemas.microsoft.com/office/powerpoint/2010/main" xmlns="" val="4207812481"/>
+        <p14:creationId xmlns="" xmlns:p14="http://schemas.microsoft.com/office/powerpoint/2010/main" val="4207812481"/>
       </p:ext>
     </p:extLst>
   </p:cSld>
@@ -1657,7 +1657,7 @@
     </p:spTree>
     <p:extLst>
       <p:ext uri="{BB962C8B-B14F-4D97-AF65-F5344CB8AC3E}">
-        <p14:creationId xmlns:p14="http://schemas.microsoft.com/office/powerpoint/2010/main" xmlns="" val="3925145297"/>
+        <p14:creationId xmlns="" xmlns:p14="http://schemas.microsoft.com/office/powerpoint/2010/main" val="3925145297"/>
       </p:ext>
     </p:extLst>
   </p:cSld>
@@ -1829,7 +1829,7 @@
     </p:spTree>
     <p:extLst>
       <p:ext uri="{BB962C8B-B14F-4D97-AF65-F5344CB8AC3E}">
-        <p14:creationId xmlns:p14="http://schemas.microsoft.com/office/powerpoint/2010/main" xmlns="" val="2278359301"/>
+        <p14:creationId xmlns="" xmlns:p14="http://schemas.microsoft.com/office/powerpoint/2010/main" val="2278359301"/>
       </p:ext>
     </p:extLst>
   </p:cSld>
@@ -2011,7 +2011,7 @@
     </p:spTree>
     <p:extLst>
       <p:ext uri="{BB962C8B-B14F-4D97-AF65-F5344CB8AC3E}">
-        <p14:creationId xmlns:p14="http://schemas.microsoft.com/office/powerpoint/2010/main" xmlns="" val="374582079"/>
+        <p14:creationId xmlns="" xmlns:p14="http://schemas.microsoft.com/office/powerpoint/2010/main" val="374582079"/>
       </p:ext>
     </p:extLst>
   </p:cSld>
@@ -2183,7 +2183,7 @@
     </p:spTree>
     <p:extLst>
       <p:ext uri="{BB962C8B-B14F-4D97-AF65-F5344CB8AC3E}">
-        <p14:creationId xmlns:p14="http://schemas.microsoft.com/office/powerpoint/2010/main" xmlns="" val="4208452324"/>
+        <p14:creationId xmlns="" xmlns:p14="http://schemas.microsoft.com/office/powerpoint/2010/main" val="4208452324"/>
       </p:ext>
     </p:extLst>
   </p:cSld>
@@ -2471,7 +2471,7 @@
     </p:spTree>
     <p:extLst>
       <p:ext uri="{BB962C8B-B14F-4D97-AF65-F5344CB8AC3E}">
-        <p14:creationId xmlns:p14="http://schemas.microsoft.com/office/powerpoint/2010/main" xmlns="" val="190516965"/>
+        <p14:creationId xmlns="" xmlns:p14="http://schemas.microsoft.com/office/powerpoint/2010/main" val="190516965"/>
       </p:ext>
     </p:extLst>
   </p:cSld>
@@ -2761,7 +2761,7 @@
     </p:spTree>
     <p:extLst>
       <p:ext uri="{BB962C8B-B14F-4D97-AF65-F5344CB8AC3E}">
-        <p14:creationId xmlns:p14="http://schemas.microsoft.com/office/powerpoint/2010/main" xmlns="" val="3936991653"/>
+        <p14:creationId xmlns="" xmlns:p14="http://schemas.microsoft.com/office/powerpoint/2010/main" val="3936991653"/>
       </p:ext>
     </p:extLst>
   </p:cSld>
@@ -3187,7 +3187,7 @@
     </p:spTree>
     <p:extLst>
       <p:ext uri="{BB962C8B-B14F-4D97-AF65-F5344CB8AC3E}">
-        <p14:creationId xmlns:p14="http://schemas.microsoft.com/office/powerpoint/2010/main" xmlns="" val="1142911586"/>
+        <p14:creationId xmlns="" xmlns:p14="http://schemas.microsoft.com/office/powerpoint/2010/main" val="1142911586"/>
       </p:ext>
     </p:extLst>
   </p:cSld>
@@ -3307,7 +3307,7 @@
     </p:spTree>
     <p:extLst>
       <p:ext uri="{BB962C8B-B14F-4D97-AF65-F5344CB8AC3E}">
-        <p14:creationId xmlns:p14="http://schemas.microsoft.com/office/powerpoint/2010/main" xmlns="" val="1500349065"/>
+        <p14:creationId xmlns="" xmlns:p14="http://schemas.microsoft.com/office/powerpoint/2010/main" val="1500349065"/>
       </p:ext>
     </p:extLst>
   </p:cSld>
@@ -3404,7 +3404,7 @@
     </p:spTree>
     <p:extLst>
       <p:ext uri="{BB962C8B-B14F-4D97-AF65-F5344CB8AC3E}">
-        <p14:creationId xmlns:p14="http://schemas.microsoft.com/office/powerpoint/2010/main" xmlns="" val="2697262862"/>
+        <p14:creationId xmlns="" xmlns:p14="http://schemas.microsoft.com/office/powerpoint/2010/main" val="2697262862"/>
       </p:ext>
     </p:extLst>
   </p:cSld>
@@ -3696,7 +3696,7 @@
     </p:spTree>
     <p:extLst>
       <p:ext uri="{BB962C8B-B14F-4D97-AF65-F5344CB8AC3E}">
-        <p14:creationId xmlns:p14="http://schemas.microsoft.com/office/powerpoint/2010/main" xmlns="" val="2892844945"/>
+        <p14:creationId xmlns="" xmlns:p14="http://schemas.microsoft.com/office/powerpoint/2010/main" val="2892844945"/>
       </p:ext>
     </p:extLst>
   </p:cSld>
@@ -3970,7 +3970,7 @@
     </p:spTree>
     <p:extLst>
       <p:ext uri="{BB962C8B-B14F-4D97-AF65-F5344CB8AC3E}">
-        <p14:creationId xmlns:p14="http://schemas.microsoft.com/office/powerpoint/2010/main" xmlns="" val="1317576770"/>
+        <p14:creationId xmlns="" xmlns:p14="http://schemas.microsoft.com/office/powerpoint/2010/main" val="1317576770"/>
       </p:ext>
     </p:extLst>
   </p:cSld>
@@ -4258,7 +4258,7 @@
     </p:spTree>
     <p:extLst>
       <p:ext uri="{BB962C8B-B14F-4D97-AF65-F5344CB8AC3E}">
-        <p14:creationId xmlns:p14="http://schemas.microsoft.com/office/powerpoint/2010/main" xmlns="" val="927268183"/>
+        <p14:creationId xmlns="" xmlns:p14="http://schemas.microsoft.com/office/powerpoint/2010/main" val="927268183"/>
       </p:ext>
     </p:extLst>
   </p:cSld>
@@ -4986,7 +4986,7 @@
     </p:spTree>
     <p:extLst>
       <p:ext uri="{BB962C8B-B14F-4D97-AF65-F5344CB8AC3E}">
-        <p14:creationId xmlns:p14="http://schemas.microsoft.com/office/powerpoint/2010/main" xmlns="" val="1301930527"/>
+        <p14:creationId xmlns="" xmlns:p14="http://schemas.microsoft.com/office/powerpoint/2010/main" val="1301930527"/>
       </p:ext>
     </p:extLst>
   </p:cSld>
@@ -5125,7 +5125,7 @@
     </p:spTree>
     <p:extLst>
       <p:ext uri="{BB962C8B-B14F-4D97-AF65-F5344CB8AC3E}">
-        <p14:creationId xmlns:p14="http://schemas.microsoft.com/office/powerpoint/2010/main" xmlns="" val="380566579"/>
+        <p14:creationId xmlns="" xmlns:p14="http://schemas.microsoft.com/office/powerpoint/2010/main" val="380566579"/>
       </p:ext>
     </p:extLst>
   </p:cSld>
@@ -5251,7 +5251,7 @@
           </a:ln>
           <a:extLst>
             <a:ext uri="{53640926-AAD7-44D8-BBD7-CCE9431645EC}">
-              <a14:shadowObscured xmlns:a14="http://schemas.microsoft.com/office/drawing/2010/main" xmlns=""/>
+              <a14:shadowObscured xmlns="" xmlns:a14="http://schemas.microsoft.com/office/drawing/2010/main"/>
             </a:ext>
           </a:extLst>
         </p:spPr>
@@ -5259,7 +5259,7 @@
     </p:spTree>
     <p:extLst>
       <p:ext uri="{BB962C8B-B14F-4D97-AF65-F5344CB8AC3E}">
-        <p14:creationId xmlns:p14="http://schemas.microsoft.com/office/powerpoint/2010/main" xmlns="" val="1428611620"/>
+        <p14:creationId xmlns="" xmlns:p14="http://schemas.microsoft.com/office/powerpoint/2010/main" val="1428611620"/>
       </p:ext>
     </p:extLst>
   </p:cSld>
@@ -5303,15 +5303,25 @@
             <p:ph type="title"/>
           </p:nvPr>
         </p:nvSpPr>
-        <p:spPr/>
-        <p:txBody>
-          <a:bodyPr/>
+        <p:spPr>
+          <a:xfrm>
+            <a:off x="1143000" y="609600"/>
+            <a:ext cx="9875520" cy="827314"/>
+          </a:xfrm>
+        </p:spPr>
+        <p:txBody>
+          <a:bodyPr>
+            <a:normAutofit fontScale="90000"/>
+          </a:bodyPr>
           <a:lstStyle/>
           <a:p>
             <a:r>
               <a:rPr lang="en-GB" dirty="0" smtClean="0"/>
               <a:t>Component </a:t>
             </a:r>
+            <a:br>
+              <a:rPr lang="en-GB" dirty="0" smtClean="0"/>
+            </a:br>
             <a:endParaRPr lang="en-GB" dirty="0"/>
           </a:p>
         </p:txBody>
@@ -5350,6 +5360,107 @@
           </a:ln>
         </p:spPr>
       </p:pic>
+      <p:sp>
+        <p:nvSpPr>
+          <p:cNvPr id="5" name="Title 1"/>
+          <p:cNvSpPr txBox="1">
+            <a:spLocks/>
+          </p:cNvSpPr>
+          <p:nvPr/>
+        </p:nvSpPr>
+        <p:spPr>
+          <a:xfrm>
+            <a:off x="605246" y="1245325"/>
+            <a:ext cx="9875520" cy="827314"/>
+          </a:xfrm>
+          <a:prstGeom prst="rect">
+            <a:avLst/>
+          </a:prstGeom>
+        </p:spPr>
+        <p:txBody>
+          <a:bodyPr vert="horz" lIns="91440" tIns="45720" rIns="91440" bIns="45720" rtlCol="0" anchor="ctr">
+            <a:normAutofit fontScale="75000" lnSpcReduction="20000"/>
+          </a:bodyPr>
+          <a:lstStyle/>
+          <a:p>
+            <a:pPr marL="0" marR="0" lvl="0" indent="0" algn="ctr" defTabSz="914400" rtl="0" eaLnBrk="1" fontAlgn="auto" latinLnBrk="0" hangingPunct="1">
+              <a:lnSpc>
+                <a:spcPct val="90000"/>
+              </a:lnSpc>
+              <a:spcBef>
+                <a:spcPct val="0"/>
+              </a:spcBef>
+              <a:spcAft>
+                <a:spcPts val="0"/>
+              </a:spcAft>
+              <a:buClrTx/>
+              <a:buSzTx/>
+              <a:buFontTx/>
+              <a:buNone/>
+              <a:tabLst/>
+              <a:defRPr/>
+            </a:pPr>
+            <a:r>
+              <a:rPr lang="en-GB" sz="4400" dirty="0" smtClean="0">
+                <a:solidFill>
+                  <a:schemeClr val="accent1"/>
+                </a:solidFill>
+                <a:latin typeface="+mj-lt"/>
+                <a:ea typeface="+mj-ea"/>
+                <a:cs typeface="+mj-cs"/>
+              </a:rPr>
+              <a:t>Database Form </a:t>
+            </a:r>
+            <a:r>
+              <a:rPr kumimoji="0" lang="en-GB" sz="4400" b="0" i="0" u="none" strike="noStrike" kern="1200" cap="none" spc="0" normalizeH="0" baseline="0" noProof="0" dirty="0" smtClean="0">
+                <a:ln>
+                  <a:noFill/>
+                </a:ln>
+                <a:solidFill>
+                  <a:schemeClr val="accent1"/>
+                </a:solidFill>
+                <a:effectLst/>
+                <a:uLnTx/>
+                <a:uFillTx/>
+                <a:latin typeface="+mj-lt"/>
+                <a:ea typeface="+mj-ea"/>
+                <a:cs typeface="+mj-cs"/>
+              </a:rPr>
+              <a:t> </a:t>
+            </a:r>
+            <a:br>
+              <a:rPr kumimoji="0" lang="en-GB" sz="4400" b="0" i="0" u="none" strike="noStrike" kern="1200" cap="none" spc="0" normalizeH="0" baseline="0" noProof="0" dirty="0" smtClean="0">
+                <a:ln>
+                  <a:noFill/>
+                </a:ln>
+                <a:solidFill>
+                  <a:schemeClr val="accent1"/>
+                </a:solidFill>
+                <a:effectLst/>
+                <a:uLnTx/>
+                <a:uFillTx/>
+                <a:latin typeface="+mj-lt"/>
+                <a:ea typeface="+mj-ea"/>
+                <a:cs typeface="+mj-cs"/>
+              </a:rPr>
+            </a:br>
+            <a:endParaRPr kumimoji="0" lang="en-GB" sz="4400" b="0" i="0" u="none" strike="noStrike" kern="1200" cap="none" spc="0" normalizeH="0" baseline="0" noProof="0" dirty="0">
+              <a:ln>
+                <a:noFill/>
+              </a:ln>
+              <a:solidFill>
+                <a:schemeClr val="accent1"/>
+              </a:solidFill>
+              <a:effectLst/>
+              <a:uLnTx/>
+              <a:uFillTx/>
+              <a:latin typeface="+mj-lt"/>
+              <a:ea typeface="+mj-ea"/>
+              <a:cs typeface="+mj-cs"/>
+            </a:endParaRPr>
+          </a:p>
+        </p:txBody>
+      </p:sp>
     </p:spTree>
   </p:cSld>
   <p:clrMapOvr>
@@ -5494,7 +5605,7 @@
     </p:spTree>
     <p:extLst>
       <p:ext uri="{BB962C8B-B14F-4D97-AF65-F5344CB8AC3E}">
-        <p14:creationId xmlns:p14="http://schemas.microsoft.com/office/powerpoint/2010/main" xmlns="" val="912534041"/>
+        <p14:creationId xmlns="" xmlns:p14="http://schemas.microsoft.com/office/powerpoint/2010/main" val="912534041"/>
       </p:ext>
     </p:extLst>
   </p:cSld>
@@ -5734,7 +5845,7 @@
           <a:blip r:embed="rId3" cstate="print">
             <a:extLst>
               <a:ext uri="{28A0092B-C50C-407E-A947-70E740481C1C}">
-                <a14:useLocalDpi xmlns:a14="http://schemas.microsoft.com/office/drawing/2010/main" xmlns="" val="0"/>
+                <a14:useLocalDpi xmlns="" xmlns:a14="http://schemas.microsoft.com/office/drawing/2010/main" val="0"/>
               </a:ext>
             </a:extLst>
           </a:blip>
@@ -5755,7 +5866,7 @@
     </p:spTree>
     <p:extLst>
       <p:ext uri="{BB962C8B-B14F-4D97-AF65-F5344CB8AC3E}">
-        <p14:creationId xmlns:p14="http://schemas.microsoft.com/office/powerpoint/2010/main" xmlns="" val="857764899"/>
+        <p14:creationId xmlns="" xmlns:p14="http://schemas.microsoft.com/office/powerpoint/2010/main" val="857764899"/>
       </p:ext>
     </p:extLst>
   </p:cSld>
@@ -5875,7 +5986,7 @@
     </p:spTree>
     <p:extLst>
       <p:ext uri="{BB962C8B-B14F-4D97-AF65-F5344CB8AC3E}">
-        <p14:creationId xmlns:p14="http://schemas.microsoft.com/office/powerpoint/2010/main" xmlns="" val="892733517"/>
+        <p14:creationId xmlns="" xmlns:p14="http://schemas.microsoft.com/office/powerpoint/2010/main" val="892733517"/>
       </p:ext>
     </p:extLst>
   </p:cSld>
@@ -6071,7 +6182,7 @@
     </p:spTree>
     <p:extLst>
       <p:ext uri="{BB962C8B-B14F-4D97-AF65-F5344CB8AC3E}">
-        <p14:creationId xmlns:p14="http://schemas.microsoft.com/office/powerpoint/2010/main" xmlns="" val="1369754473"/>
+        <p14:creationId xmlns="" xmlns:p14="http://schemas.microsoft.com/office/powerpoint/2010/main" val="1369754473"/>
       </p:ext>
     </p:extLst>
   </p:cSld>
@@ -6183,7 +6294,7 @@
           <a:blip r:embed="rId2" cstate="print">
             <a:extLst>
               <a:ext uri="{28A0092B-C50C-407E-A947-70E740481C1C}">
-                <a14:useLocalDpi xmlns:a14="http://schemas.microsoft.com/office/drawing/2010/main" xmlns="" val="0"/>
+                <a14:useLocalDpi xmlns="" xmlns:a14="http://schemas.microsoft.com/office/drawing/2010/main" val="0"/>
               </a:ext>
             </a:extLst>
           </a:blip>
@@ -6214,7 +6325,7 @@
           <a:blip r:embed="rId3" cstate="print">
             <a:extLst>
               <a:ext uri="{28A0092B-C50C-407E-A947-70E740481C1C}">
-                <a14:useLocalDpi xmlns:a14="http://schemas.microsoft.com/office/drawing/2010/main" xmlns="" val="0"/>
+                <a14:useLocalDpi xmlns="" xmlns:a14="http://schemas.microsoft.com/office/drawing/2010/main" val="0"/>
               </a:ext>
             </a:extLst>
           </a:blip>
@@ -6501,7 +6612,7 @@
           <a:blip r:embed="rId4" cstate="print">
             <a:extLst>
               <a:ext uri="{28A0092B-C50C-407E-A947-70E740481C1C}">
-                <a14:useLocalDpi xmlns:a14="http://schemas.microsoft.com/office/drawing/2010/main" xmlns="" val="0"/>
+                <a14:useLocalDpi xmlns="" xmlns:a14="http://schemas.microsoft.com/office/drawing/2010/main" val="0"/>
               </a:ext>
             </a:extLst>
           </a:blip>
@@ -6793,7 +6904,7 @@
           <a:blip r:embed="rId5" cstate="print">
             <a:extLst>
               <a:ext uri="{28A0092B-C50C-407E-A947-70E740481C1C}">
-                <a14:useLocalDpi xmlns:a14="http://schemas.microsoft.com/office/drawing/2010/main" xmlns="" val="0"/>
+                <a14:useLocalDpi xmlns="" xmlns:a14="http://schemas.microsoft.com/office/drawing/2010/main" val="0"/>
               </a:ext>
             </a:extLst>
           </a:blip>
@@ -7078,7 +7189,7 @@
     </p:spTree>
     <p:extLst>
       <p:ext uri="{BB962C8B-B14F-4D97-AF65-F5344CB8AC3E}">
-        <p14:creationId xmlns:p14="http://schemas.microsoft.com/office/powerpoint/2010/main" xmlns="" val="3188754120"/>
+        <p14:creationId xmlns="" xmlns:p14="http://schemas.microsoft.com/office/powerpoint/2010/main" val="3188754120"/>
       </p:ext>
     </p:extLst>
   </p:cSld>
@@ -7295,7 +7406,7 @@
     </p:spTree>
     <p:extLst>
       <p:ext uri="{BB962C8B-B14F-4D97-AF65-F5344CB8AC3E}">
-        <p14:creationId xmlns:p14="http://schemas.microsoft.com/office/powerpoint/2010/main" xmlns="" val="3229383263"/>
+        <p14:creationId xmlns="" xmlns:p14="http://schemas.microsoft.com/office/powerpoint/2010/main" val="3229383263"/>
       </p:ext>
     </p:extLst>
   </p:cSld>
@@ -7456,7 +7567,7 @@
           <a:blip r:embed="rId3" cstate="print">
             <a:extLst>
               <a:ext uri="{28A0092B-C50C-407E-A947-70E740481C1C}">
-                <a14:useLocalDpi xmlns:a14="http://schemas.microsoft.com/office/drawing/2010/main" xmlns="" val="0"/>
+                <a14:useLocalDpi xmlns="" xmlns:a14="http://schemas.microsoft.com/office/drawing/2010/main" val="0"/>
               </a:ext>
             </a:extLst>
           </a:blip>
@@ -7483,7 +7594,7 @@
           <p:nvPr>
             <p:extLst>
               <p:ext uri="{D42A27DB-BD31-4B8C-83A1-F6EECF244321}">
-                <p14:modId xmlns:p14="http://schemas.microsoft.com/office/powerpoint/2010/main" xmlns="" val="4240471157"/>
+                <p14:modId xmlns="" xmlns:p14="http://schemas.microsoft.com/office/powerpoint/2010/main" val="4240471157"/>
               </p:ext>
             </p:extLst>
           </p:nvPr>
@@ -7502,70 +7613,70 @@
                 <a:gridCol w="451247">
                   <a:extLst>
                     <a:ext uri="{9D8B030D-6E8A-4147-A177-3AD203B41FA5}">
-                      <a16:colId xmlns="" xmlns:a16="http://schemas.microsoft.com/office/drawing/2014/main" val="1186374384"/>
+                      <a16:colId xmlns:a16="http://schemas.microsoft.com/office/drawing/2014/main" xmlns="" val="1186374384"/>
                     </a:ext>
                   </a:extLst>
                 </a:gridCol>
                 <a:gridCol w="624630">
                   <a:extLst>
                     <a:ext uri="{9D8B030D-6E8A-4147-A177-3AD203B41FA5}">
-                      <a16:colId xmlns="" xmlns:a16="http://schemas.microsoft.com/office/drawing/2014/main" val="1662131398"/>
+                      <a16:colId xmlns:a16="http://schemas.microsoft.com/office/drawing/2014/main" xmlns="" val="1662131398"/>
                     </a:ext>
                   </a:extLst>
                 </a:gridCol>
                 <a:gridCol w="1064942">
                   <a:extLst>
                     <a:ext uri="{9D8B030D-6E8A-4147-A177-3AD203B41FA5}">
-                      <a16:colId xmlns="" xmlns:a16="http://schemas.microsoft.com/office/drawing/2014/main" val="3606078462"/>
+                      <a16:colId xmlns:a16="http://schemas.microsoft.com/office/drawing/2014/main" xmlns="" val="3606078462"/>
                     </a:ext>
                   </a:extLst>
                 </a:gridCol>
                 <a:gridCol w="1517838">
                   <a:extLst>
                     <a:ext uri="{9D8B030D-6E8A-4147-A177-3AD203B41FA5}">
-                      <a16:colId xmlns="" xmlns:a16="http://schemas.microsoft.com/office/drawing/2014/main" val="2231300451"/>
+                      <a16:colId xmlns:a16="http://schemas.microsoft.com/office/drawing/2014/main" xmlns="" val="2231300451"/>
                     </a:ext>
                   </a:extLst>
                 </a:gridCol>
                 <a:gridCol w="721784">
                   <a:extLst>
                     <a:ext uri="{9D8B030D-6E8A-4147-A177-3AD203B41FA5}">
-                      <a16:colId xmlns="" xmlns:a16="http://schemas.microsoft.com/office/drawing/2014/main" val="3035187046"/>
+                      <a16:colId xmlns:a16="http://schemas.microsoft.com/office/drawing/2014/main" xmlns="" val="3035187046"/>
                     </a:ext>
                   </a:extLst>
                 </a:gridCol>
                 <a:gridCol w="1389098">
                   <a:extLst>
                     <a:ext uri="{9D8B030D-6E8A-4147-A177-3AD203B41FA5}">
-                      <a16:colId xmlns="" xmlns:a16="http://schemas.microsoft.com/office/drawing/2014/main" val="2950164483"/>
+                      <a16:colId xmlns:a16="http://schemas.microsoft.com/office/drawing/2014/main" xmlns="" val="2950164483"/>
                     </a:ext>
                   </a:extLst>
                 </a:gridCol>
                 <a:gridCol w="1884856">
                   <a:extLst>
                     <a:ext uri="{9D8B030D-6E8A-4147-A177-3AD203B41FA5}">
-                      <a16:colId xmlns="" xmlns:a16="http://schemas.microsoft.com/office/drawing/2014/main" val="2904866764"/>
+                      <a16:colId xmlns:a16="http://schemas.microsoft.com/office/drawing/2014/main" xmlns="" val="2904866764"/>
                     </a:ext>
                   </a:extLst>
                 </a:gridCol>
                 <a:gridCol w="1662740">
                   <a:extLst>
                     <a:ext uri="{9D8B030D-6E8A-4147-A177-3AD203B41FA5}">
-                      <a16:colId xmlns="" xmlns:a16="http://schemas.microsoft.com/office/drawing/2014/main" val="1176429251"/>
+                      <a16:colId xmlns:a16="http://schemas.microsoft.com/office/drawing/2014/main" xmlns="" val="1176429251"/>
                     </a:ext>
                   </a:extLst>
                 </a:gridCol>
                 <a:gridCol w="997958">
                   <a:extLst>
                     <a:ext uri="{9D8B030D-6E8A-4147-A177-3AD203B41FA5}">
-                      <a16:colId xmlns="" xmlns:a16="http://schemas.microsoft.com/office/drawing/2014/main" val="457464082"/>
+                      <a16:colId xmlns:a16="http://schemas.microsoft.com/office/drawing/2014/main" xmlns="" val="457464082"/>
                     </a:ext>
                   </a:extLst>
                 </a:gridCol>
                 <a:gridCol w="690592">
                   <a:extLst>
                     <a:ext uri="{9D8B030D-6E8A-4147-A177-3AD203B41FA5}">
-                      <a16:colId xmlns="" xmlns:a16="http://schemas.microsoft.com/office/drawing/2014/main" val="3249251570"/>
+                      <a16:colId xmlns:a16="http://schemas.microsoft.com/office/drawing/2014/main" xmlns="" val="3249251570"/>
                     </a:ext>
                   </a:extLst>
                 </a:gridCol>
@@ -7863,7 +7974,7 @@
                 </a:tc>
                 <a:extLst>
                   <a:ext uri="{0D108BD9-81ED-4DB2-BD59-A6C34878D82A}">
-                    <a16:rowId xmlns="" xmlns:a16="http://schemas.microsoft.com/office/drawing/2014/main" val="3284525225"/>
+                    <a16:rowId xmlns:a16="http://schemas.microsoft.com/office/drawing/2014/main" xmlns="" val="3284525225"/>
                   </a:ext>
                 </a:extLst>
               </a:tr>
@@ -8160,7 +8271,7 @@
                 </a:tc>
                 <a:extLst>
                   <a:ext uri="{0D108BD9-81ED-4DB2-BD59-A6C34878D82A}">
-                    <a16:rowId xmlns="" xmlns:a16="http://schemas.microsoft.com/office/drawing/2014/main" val="4202312421"/>
+                    <a16:rowId xmlns:a16="http://schemas.microsoft.com/office/drawing/2014/main" xmlns="" val="4202312421"/>
                   </a:ext>
                 </a:extLst>
               </a:tr>
@@ -8457,7 +8568,7 @@
                 </a:tc>
                 <a:extLst>
                   <a:ext uri="{0D108BD9-81ED-4DB2-BD59-A6C34878D82A}">
-                    <a16:rowId xmlns="" xmlns:a16="http://schemas.microsoft.com/office/drawing/2014/main" val="3106098561"/>
+                    <a16:rowId xmlns:a16="http://schemas.microsoft.com/office/drawing/2014/main" xmlns="" val="3106098561"/>
                   </a:ext>
                 </a:extLst>
               </a:tr>
@@ -8468,7 +8579,7 @@
     </p:spTree>
     <p:extLst>
       <p:ext uri="{BB962C8B-B14F-4D97-AF65-F5344CB8AC3E}">
-        <p14:creationId xmlns:p14="http://schemas.microsoft.com/office/powerpoint/2010/main" xmlns="" val="3594997535"/>
+        <p14:creationId xmlns="" xmlns:p14="http://schemas.microsoft.com/office/powerpoint/2010/main" val="3594997535"/>
       </p:ext>
     </p:extLst>
   </p:cSld>
@@ -8633,7 +8744,7 @@
     </p:spTree>
     <p:extLst>
       <p:ext uri="{BB962C8B-B14F-4D97-AF65-F5344CB8AC3E}">
-        <p14:creationId xmlns:p14="http://schemas.microsoft.com/office/powerpoint/2010/main" xmlns="" val="2738554402"/>
+        <p14:creationId xmlns="" xmlns:p14="http://schemas.microsoft.com/office/powerpoint/2010/main" val="2738554402"/>
       </p:ext>
     </p:extLst>
   </p:cSld>
@@ -8950,7 +9061,7 @@
     </p:spTree>
     <p:extLst>
       <p:ext uri="{BB962C8B-B14F-4D97-AF65-F5344CB8AC3E}">
-        <p14:creationId xmlns:p14="http://schemas.microsoft.com/office/powerpoint/2010/main" xmlns="" val="1674706074"/>
+        <p14:creationId xmlns="" xmlns:p14="http://schemas.microsoft.com/office/powerpoint/2010/main" val="1674706074"/>
       </p:ext>
     </p:extLst>
   </p:cSld>
@@ -9252,7 +9363,7 @@
   <a:extraClrSchemeLst/>
   <a:extLst>
     <a:ext uri="{05A4C25C-085E-4340-85A3-A5531E510DB2}">
-      <thm15:themeFamily xmlns:thm15="http://schemas.microsoft.com/office/thememl/2012/main" xmlns="" name="Basis" id="{5665723A-49BA-4B57-8411-A56F8F207965}" vid="{90E45F77-AEFC-46EF-A7C1-5B338C297B02}"/>
+      <thm15:themeFamily xmlns="" xmlns:thm15="http://schemas.microsoft.com/office/thememl/2012/main" name="Basis" id="{5665723A-49BA-4B57-8411-A56F8F207965}" vid="{90E45F77-AEFC-46EF-A7C1-5B338C297B02}"/>
     </a:ext>
   </a:extLst>
 </a:theme>
@@ -9513,7 +9624,7 @@
   <a:extraClrSchemeLst/>
   <a:extLst>
     <a:ext uri="{05A4C25C-085E-4340-85A3-A5531E510DB2}">
-      <thm15:themeFamily xmlns:thm15="http://schemas.microsoft.com/office/thememl/2012/main" xmlns="" name="Office Theme" id="{62F939B6-93AF-4DB8-9C6B-D6C7DFDC589F}" vid="{4A3C46E8-61CC-4603-A589-7422A47A8E4A}"/>
+      <thm15:themeFamily xmlns="" xmlns:thm15="http://schemas.microsoft.com/office/thememl/2012/main" name="Office Theme" id="{62F939B6-93AF-4DB8-9C6B-D6C7DFDC589F}" vid="{4A3C46E8-61CC-4603-A589-7422A47A8E4A}"/>
     </a:ext>
   </a:extLst>
 </a:theme>
